--- a/bichota_exponiendo.pptx
+++ b/bichota_exponiendo.pptx
@@ -7,6 +7,8 @@
   <p:sldIdLst>
     <p:sldId id="256" r:id="rId2"/>
     <p:sldId id="257" r:id="rId3"/>
+    <p:sldId id="258" r:id="rId4"/>
+    <p:sldId id="259" r:id="rId5"/>
   </p:sldIdLst>
   <p:sldSz cx="12192000" cy="6858000"/>
   <p:notesSz cx="6858000" cy="9144000"/>
@@ -105,6 +107,11 @@
       </a:defRPr>
     </a:lvl9pPr>
   </p:defaultTextStyle>
+  <p:extLst>
+    <p:ext uri="{EFAFB233-063F-42B5-8137-9DF3F51BA10A}">
+      <p15:sldGuideLst xmlns:p15="http://schemas.microsoft.com/office/powerpoint/2012/main"/>
+    </p:ext>
+  </p:extLst>
 </p:presentation>
 </file>
 
@@ -5665,6 +5672,30 @@
               </a:rPr>
               <a:t>merge</a:t>
             </a:r>
+            <a:r>
+              <a:rPr lang="es-PE" sz="5400" dirty="0">
+                <a:solidFill>
+                  <a:schemeClr val="accent4">
+                    <a:lumMod val="20000"/>
+                    <a:lumOff val="80000"/>
+                  </a:schemeClr>
+                </a:solidFill>
+                <a:latin typeface="Algerian" panose="04020705040A02060702" pitchFamily="82" charset="0"/>
+              </a:rPr>
+              <a:t> </a:t>
+            </a:r>
+            <a:r>
+              <a:rPr lang="es-PE" sz="5400" dirty="0" err="1">
+                <a:solidFill>
+                  <a:schemeClr val="accent4">
+                    <a:lumMod val="20000"/>
+                    <a:lumOff val="80000"/>
+                  </a:schemeClr>
+                </a:solidFill>
+                <a:latin typeface="Algerian" panose="04020705040A02060702" pitchFamily="82" charset="0"/>
+              </a:rPr>
+              <a:t>sort</a:t>
+            </a:r>
             <a:endParaRPr lang="es-PE" sz="5400" dirty="0">
               <a:solidFill>
                 <a:schemeClr val="accent4">
@@ -5750,9 +5781,27 @@
         </p:nvSpPr>
         <p:spPr/>
         <p:txBody>
-          <a:bodyPr/>
-          <a:lstStyle/>
-          <a:p>
+          <a:bodyPr>
+            <a:normAutofit/>
+          </a:bodyPr>
+          <a:lstStyle/>
+          <a:p>
+            <a:r>
+              <a:rPr lang="es-ES" b="1" i="0" u="sng" dirty="0">
+                <a:solidFill>
+                  <a:schemeClr val="accent6">
+                    <a:lumMod val="40000"/>
+                    <a:lumOff val="60000"/>
+                  </a:schemeClr>
+                </a:solidFill>
+                <a:effectLst/>
+                <a:latin typeface="+mj-lt"/>
+              </a:rPr>
+              <a:t>¿CÓMO FUNCIONA EL MERGE SORT?</a:t>
+            </a:r>
+            <a:br>
+              <a:rPr lang="es-ES" dirty="0"/>
+            </a:br>
             <a:endParaRPr lang="es-PE" dirty="0"/>
           </a:p>
         </p:txBody>
@@ -5775,10 +5824,150 @@
         </p:nvSpPr>
         <p:spPr/>
         <p:txBody>
-          <a:bodyPr/>
-          <a:lstStyle/>
-          <a:p>
-            <a:endParaRPr lang="es-PE"/>
+          <a:bodyPr>
+            <a:normAutofit lnSpcReduction="10000"/>
+          </a:bodyPr>
+          <a:lstStyle/>
+          <a:p>
+            <a:pPr algn="l"/>
+            <a:r>
+              <a:rPr lang="es-ES" b="0" i="0" dirty="0">
+                <a:effectLst/>
+                <a:latin typeface="+mj-lt"/>
+              </a:rPr>
+              <a:t>El algoritmo de ordenamiento por mezcla (</a:t>
+            </a:r>
+            <a:r>
+              <a:rPr lang="es-ES" b="0" i="0" dirty="0" err="1">
+                <a:effectLst/>
+                <a:latin typeface="+mj-lt"/>
+              </a:rPr>
+              <a:t>merge</a:t>
+            </a:r>
+            <a:r>
+              <a:rPr lang="es-ES" b="0" i="0" dirty="0">
+                <a:effectLst/>
+                <a:latin typeface="+mj-lt"/>
+              </a:rPr>
+              <a:t> </a:t>
+            </a:r>
+            <a:r>
+              <a:rPr lang="es-ES" b="0" i="0" dirty="0" err="1">
+                <a:effectLst/>
+                <a:latin typeface="+mj-lt"/>
+              </a:rPr>
+              <a:t>sort</a:t>
+            </a:r>
+            <a:r>
+              <a:rPr lang="es-ES" b="0" i="0" dirty="0">
+                <a:effectLst/>
+                <a:latin typeface="+mj-lt"/>
+              </a:rPr>
+              <a:t> en inglés) es un algoritmo de ordenamiento externo estable </a:t>
+            </a:r>
+            <a:r>
+              <a:rPr lang="es-ES" sz="2400" b="1" i="0" dirty="0">
+                <a:solidFill>
+                  <a:schemeClr val="accent4">
+                    <a:lumMod val="40000"/>
+                    <a:lumOff val="60000"/>
+                  </a:schemeClr>
+                </a:solidFill>
+                <a:effectLst/>
+                <a:latin typeface="+mj-lt"/>
+              </a:rPr>
+              <a:t>basado en la técnica divide y vencerás. </a:t>
+            </a:r>
+            <a:r>
+              <a:rPr lang="es-ES" b="0" i="0" dirty="0">
+                <a:effectLst/>
+                <a:latin typeface="+mj-lt"/>
+              </a:rPr>
+              <a:t>La idea de los algoritmos de ordenación por mezcla es dividir la matriz por la mitad una y otra vez hasta que cada pieza tenga solo un elemento de longitud.</a:t>
+            </a:r>
+          </a:p>
+          <a:p>
+            <a:pPr algn="l"/>
+            <a:r>
+              <a:rPr lang="es-ES" b="0" i="0" dirty="0">
+                <a:effectLst/>
+                <a:latin typeface="+mj-lt"/>
+              </a:rPr>
+              <a:t>El algoritmo </a:t>
+            </a:r>
+            <a:r>
+              <a:rPr lang="es-ES" b="0" i="0" dirty="0" err="1">
+                <a:effectLst/>
+                <a:latin typeface="+mj-lt"/>
+              </a:rPr>
+              <a:t>merge</a:t>
+            </a:r>
+            <a:r>
+              <a:rPr lang="es-ES" b="0" i="0" dirty="0">
+                <a:effectLst/>
+                <a:latin typeface="+mj-lt"/>
+              </a:rPr>
+              <a:t> </a:t>
+            </a:r>
+            <a:r>
+              <a:rPr lang="es-ES" b="0" i="0" dirty="0" err="1">
+                <a:effectLst/>
+                <a:latin typeface="+mj-lt"/>
+              </a:rPr>
+              <a:t>sort</a:t>
+            </a:r>
+            <a:r>
+              <a:rPr lang="es-ES" b="0" i="0" dirty="0">
+                <a:effectLst/>
+                <a:latin typeface="+mj-lt"/>
+              </a:rPr>
+              <a:t> consiste en dividir la lista a ordenar hasta que tenga 1 </a:t>
+            </a:r>
+            <a:r>
+              <a:rPr lang="es-ES" b="0" i="0" dirty="0" err="1">
+                <a:effectLst/>
+                <a:latin typeface="+mj-lt"/>
+              </a:rPr>
+              <a:t>ó</a:t>
+            </a:r>
+            <a:r>
+              <a:rPr lang="es-ES" b="0" i="0" dirty="0">
+                <a:effectLst/>
+                <a:latin typeface="+mj-lt"/>
+              </a:rPr>
+              <a:t> 0 elementos y luego combinar la lista de forma ordenada. De esta manera se logra un tiempo proporcional a N * log2(N) .</a:t>
+            </a:r>
+          </a:p>
+          <a:p>
+            <a:pPr algn="l"/>
+            <a:r>
+              <a:rPr lang="es-PE" b="0" i="0" dirty="0">
+                <a:effectLst/>
+                <a:latin typeface="+mj-lt"/>
+              </a:rPr>
+              <a:t>Unir dos ramas lo conocemos como </a:t>
+            </a:r>
+            <a:r>
+              <a:rPr lang="es-PE" b="0" i="0" dirty="0" err="1">
+                <a:effectLst/>
+                <a:latin typeface="+mj-lt"/>
+              </a:rPr>
+              <a:t>Merge</a:t>
+            </a:r>
+            <a:r>
+              <a:rPr lang="es-PE" b="0" i="0" dirty="0">
+                <a:effectLst/>
+                <a:latin typeface="+mj-lt"/>
+              </a:rPr>
+              <a:t>.</a:t>
+            </a:r>
+            <a:endParaRPr lang="es-ES" b="0" i="0" dirty="0">
+              <a:effectLst/>
+              <a:latin typeface="+mj-lt"/>
+            </a:endParaRPr>
+          </a:p>
+          <a:p>
+            <a:endParaRPr lang="es-PE" dirty="0"/>
           </a:p>
         </p:txBody>
       </p:sp>
@@ -5786,6 +5975,275 @@
     <p:extLst>
       <p:ext uri="{BB962C8B-B14F-4D97-AF65-F5344CB8AC3E}">
         <p14:creationId xmlns:p14="http://schemas.microsoft.com/office/powerpoint/2010/main" val="1833874641"/>
+      </p:ext>
+    </p:extLst>
+  </p:cSld>
+  <p:clrMapOvr>
+    <a:masterClrMapping/>
+  </p:clrMapOvr>
+</p:sld>
+</file>
+
+<file path=ppt/slides/slide3.xml><?xml version="1.0" encoding="utf-8"?>
+<p:sld xmlns:a="http://schemas.openxmlformats.org/drawingml/2006/main" xmlns:r="http://schemas.openxmlformats.org/officeDocument/2006/relationships" xmlns:p="http://schemas.openxmlformats.org/presentationml/2006/main">
+  <p:cSld>
+    <p:spTree>
+      <p:nvGrpSpPr>
+        <p:cNvPr id="1" name=""/>
+        <p:cNvGrpSpPr/>
+        <p:nvPr/>
+      </p:nvGrpSpPr>
+      <p:grpSpPr>
+        <a:xfrm>
+          <a:off x="0" y="0"/>
+          <a:ext cx="0" cy="0"/>
+          <a:chOff x="0" y="0"/>
+          <a:chExt cx="0" cy="0"/>
+        </a:xfrm>
+      </p:grpSpPr>
+      <p:sp>
+        <p:nvSpPr>
+          <p:cNvPr id="2" name="Título 1">
+            <a:extLst>
+              <a:ext uri="{FF2B5EF4-FFF2-40B4-BE49-F238E27FC236}">
+                <a16:creationId xmlns:a16="http://schemas.microsoft.com/office/drawing/2014/main" id="{1785C5C7-11AE-4876-B0B9-E8F61029E141}"/>
+              </a:ext>
+            </a:extLst>
+          </p:cNvPr>
+          <p:cNvSpPr>
+            <a:spLocks noGrp="1"/>
+          </p:cNvSpPr>
+          <p:nvPr>
+            <p:ph type="title"/>
+          </p:nvPr>
+        </p:nvSpPr>
+        <p:spPr/>
+        <p:txBody>
+          <a:bodyPr>
+            <a:normAutofit fontScale="90000"/>
+          </a:bodyPr>
+          <a:lstStyle/>
+          <a:p>
+            <a:r>
+              <a:rPr lang="es-ES" dirty="0"/>
+              <a:t>Proceso:</a:t>
+            </a:r>
+            <a:br>
+              <a:rPr lang="es-ES" dirty="0"/>
+            </a:br>
+            <a:r>
+              <a:rPr lang="es-ES" u="sng" dirty="0">
+                <a:solidFill>
+                  <a:schemeClr val="accent6">
+                    <a:lumMod val="75000"/>
+                  </a:schemeClr>
+                </a:solidFill>
+              </a:rPr>
+              <a:t>divide y vencerás</a:t>
+            </a:r>
+            <a:br>
+              <a:rPr lang="es-ES" u="sng" dirty="0">
+                <a:solidFill>
+                  <a:schemeClr val="accent6">
+                    <a:lumMod val="75000"/>
+                  </a:schemeClr>
+                </a:solidFill>
+              </a:rPr>
+            </a:br>
+            <a:br>
+              <a:rPr lang="es-ES" u="sng" dirty="0">
+                <a:solidFill>
+                  <a:schemeClr val="accent6">
+                    <a:lumMod val="75000"/>
+                  </a:schemeClr>
+                </a:solidFill>
+              </a:rPr>
+            </a:br>
+            <a:endParaRPr lang="es-PE" dirty="0"/>
+          </a:p>
+        </p:txBody>
+      </p:sp>
+      <p:sp>
+        <p:nvSpPr>
+          <p:cNvPr id="7" name="Marcador de contenido 6">
+            <a:extLst>
+              <a:ext uri="{FF2B5EF4-FFF2-40B4-BE49-F238E27FC236}">
+                <a16:creationId xmlns:a16="http://schemas.microsoft.com/office/drawing/2014/main" id="{18F3D364-BD0D-4533-BB91-AE7C6D96B171}"/>
+              </a:ext>
+            </a:extLst>
+          </p:cNvPr>
+          <p:cNvSpPr>
+            <a:spLocks noGrp="1"/>
+          </p:cNvSpPr>
+          <p:nvPr>
+            <p:ph idx="1"/>
+          </p:nvPr>
+        </p:nvSpPr>
+        <p:spPr/>
+        <p:txBody>
+          <a:bodyPr>
+            <a:normAutofit/>
+          </a:bodyPr>
+          <a:lstStyle/>
+          <a:p>
+            <a:pPr marL="457200" indent="-457200">
+              <a:buFont typeface="+mj-lt"/>
+              <a:buAutoNum type="arabicPeriod"/>
+            </a:pPr>
+            <a:r>
+              <a:rPr lang="es-ES" sz="2400" dirty="0"/>
+              <a:t>DIVIDE </a:t>
+            </a:r>
+          </a:p>
+          <a:p>
+            <a:pPr marL="457200" indent="-457200">
+              <a:buFont typeface="+mj-lt"/>
+              <a:buAutoNum type="arabicPeriod"/>
+            </a:pPr>
+            <a:endParaRPr lang="es-ES" sz="2400" dirty="0"/>
+          </a:p>
+          <a:p>
+            <a:pPr marL="457200" indent="-457200">
+              <a:buFont typeface="+mj-lt"/>
+              <a:buAutoNum type="arabicPeriod"/>
+            </a:pPr>
+            <a:r>
+              <a:rPr lang="es-ES" sz="2400" dirty="0"/>
+              <a:t>CONQUISTA </a:t>
+            </a:r>
+          </a:p>
+          <a:p>
+            <a:pPr marL="457200" indent="-457200">
+              <a:buFont typeface="+mj-lt"/>
+              <a:buAutoNum type="arabicPeriod"/>
+            </a:pPr>
+            <a:endParaRPr lang="es-ES" sz="2400" dirty="0"/>
+          </a:p>
+          <a:p>
+            <a:pPr marL="457200" indent="-457200">
+              <a:buFont typeface="+mj-lt"/>
+              <a:buAutoNum type="arabicPeriod"/>
+            </a:pPr>
+            <a:endParaRPr lang="es-ES" sz="2400" dirty="0"/>
+          </a:p>
+          <a:p>
+            <a:pPr marL="457200" indent="-457200">
+              <a:buFont typeface="+mj-lt"/>
+              <a:buAutoNum type="arabicPeriod"/>
+            </a:pPr>
+            <a:r>
+              <a:rPr lang="es-ES" sz="2400" dirty="0"/>
+              <a:t>COMBINA </a:t>
+            </a:r>
+            <a:endParaRPr lang="es-PE" sz="2400" dirty="0"/>
+          </a:p>
+        </p:txBody>
+      </p:sp>
+      <p:pic>
+        <p:nvPicPr>
+          <p:cNvPr id="9" name="Imagen 8">
+            <a:extLst>
+              <a:ext uri="{FF2B5EF4-FFF2-40B4-BE49-F238E27FC236}">
+                <a16:creationId xmlns:a16="http://schemas.microsoft.com/office/drawing/2014/main" id="{116A971E-FF49-470F-82B3-5EA9079846E5}"/>
+              </a:ext>
+            </a:extLst>
+          </p:cNvPr>
+          <p:cNvPicPr>
+            <a:picLocks noChangeAspect="1"/>
+          </p:cNvPicPr>
+          <p:nvPr/>
+        </p:nvPicPr>
+        <p:blipFill>
+          <a:blip r:embed="rId2">
+            <a:extLst>
+              <a:ext uri="{28A0092B-C50C-407E-A947-70E740481C1C}">
+                <a14:useLocalDpi xmlns:a14="http://schemas.microsoft.com/office/drawing/2010/main" val="0"/>
+              </a:ext>
+            </a:extLst>
+          </a:blip>
+          <a:stretch>
+            <a:fillRect/>
+          </a:stretch>
+        </p:blipFill>
+        <p:spPr>
+          <a:xfrm>
+            <a:off x="4856086" y="1935921"/>
+            <a:ext cx="4163626" cy="3230883"/>
+          </a:xfrm>
+          <a:prstGeom prst="rect">
+            <a:avLst/>
+          </a:prstGeom>
+        </p:spPr>
+      </p:pic>
+    </p:spTree>
+    <p:extLst>
+      <p:ext uri="{BB962C8B-B14F-4D97-AF65-F5344CB8AC3E}">
+        <p14:creationId xmlns:p14="http://schemas.microsoft.com/office/powerpoint/2010/main" val="3336140830"/>
+      </p:ext>
+    </p:extLst>
+  </p:cSld>
+  <p:clrMapOvr>
+    <a:masterClrMapping/>
+  </p:clrMapOvr>
+</p:sld>
+</file>
+
+<file path=ppt/slides/slide4.xml><?xml version="1.0" encoding="utf-8"?>
+<p:sld xmlns:a="http://schemas.openxmlformats.org/drawingml/2006/main" xmlns:r="http://schemas.openxmlformats.org/officeDocument/2006/relationships" xmlns:p="http://schemas.openxmlformats.org/presentationml/2006/main">
+  <p:cSld>
+    <p:spTree>
+      <p:nvGrpSpPr>
+        <p:cNvPr id="1" name=""/>
+        <p:cNvGrpSpPr/>
+        <p:nvPr/>
+      </p:nvGrpSpPr>
+      <p:grpSpPr>
+        <a:xfrm>
+          <a:off x="0" y="0"/>
+          <a:ext cx="0" cy="0"/>
+          <a:chOff x="0" y="0"/>
+          <a:chExt cx="0" cy="0"/>
+        </a:xfrm>
+      </p:grpSpPr>
+      <p:pic>
+        <p:nvPicPr>
+          <p:cNvPr id="4" name="Marcador de contenido 4">
+            <a:extLst>
+              <a:ext uri="{FF2B5EF4-FFF2-40B4-BE49-F238E27FC236}">
+                <a16:creationId xmlns:a16="http://schemas.microsoft.com/office/drawing/2014/main" id="{588DF049-75A8-4070-B846-916B533E98C0}"/>
+              </a:ext>
+            </a:extLst>
+          </p:cNvPr>
+          <p:cNvPicPr>
+            <a:picLocks noGrp="1" noChangeAspect="1"/>
+          </p:cNvPicPr>
+          <p:nvPr>
+            <p:ph idx="1"/>
+          </p:nvPr>
+        </p:nvPicPr>
+        <p:blipFill>
+          <a:blip r:embed="rId2">
+            <a:extLst>
+              <a:ext uri="{28A0092B-C50C-407E-A947-70E740481C1C}">
+                <a14:useLocalDpi xmlns:a14="http://schemas.microsoft.com/office/drawing/2010/main" val="0"/>
+              </a:ext>
+            </a:extLst>
+          </a:blip>
+          <a:stretch>
+            <a:fillRect/>
+          </a:stretch>
+        </p:blipFill>
+        <p:spPr>
+          <a:xfrm>
+            <a:off x="2565647" y="1003177"/>
+            <a:ext cx="6676007" cy="4483223"/>
+          </a:xfrm>
+        </p:spPr>
+      </p:pic>
+    </p:spTree>
+    <p:extLst>
+      <p:ext uri="{BB962C8B-B14F-4D97-AF65-F5344CB8AC3E}">
+        <p14:creationId xmlns:p14="http://schemas.microsoft.com/office/powerpoint/2010/main" val="345415017"/>
       </p:ext>
     </p:extLst>
   </p:cSld>

--- a/bichota_exponiendo.pptx
+++ b/bichota_exponiendo.pptx
@@ -9,6 +9,8 @@
     <p:sldId id="257" r:id="rId3"/>
     <p:sldId id="258" r:id="rId4"/>
     <p:sldId id="259" r:id="rId5"/>
+    <p:sldId id="260" r:id="rId6"/>
+    <p:sldId id="261" r:id="rId7"/>
   </p:sldIdLst>
   <p:sldSz cx="12192000" cy="6858000"/>
   <p:notesSz cx="6858000" cy="9144000"/>
@@ -5743,6 +5745,130 @@
   <p:clrMapOvr>
     <a:masterClrMapping/>
   </p:clrMapOvr>
+  <p:timing>
+    <p:tnLst>
+      <p:par>
+        <p:cTn id="1" dur="indefinite" restart="never" nodeType="tmRoot">
+          <p:childTnLst>
+            <p:seq concurrent="1" nextAc="seek">
+              <p:cTn id="2" dur="indefinite" nodeType="mainSeq">
+                <p:childTnLst>
+                  <p:par>
+                    <p:cTn id="3" fill="hold">
+                      <p:stCondLst>
+                        <p:cond delay="indefinite"/>
+                      </p:stCondLst>
+                      <p:childTnLst>
+                        <p:par>
+                          <p:cTn id="4" fill="hold">
+                            <p:stCondLst>
+                              <p:cond delay="0"/>
+                            </p:stCondLst>
+                            <p:childTnLst>
+                              <p:par>
+                                <p:cTn id="5" presetID="2" presetClass="entr" presetSubtype="4" fill="hold" grpId="0" nodeType="clickEffect">
+                                  <p:stCondLst>
+                                    <p:cond delay="0"/>
+                                  </p:stCondLst>
+                                  <p:childTnLst>
+                                    <p:set>
+                                      <p:cBhvr>
+                                        <p:cTn id="6" dur="1" fill="hold">
+                                          <p:stCondLst>
+                                            <p:cond delay="0"/>
+                                          </p:stCondLst>
+                                        </p:cTn>
+                                        <p:tgtEl>
+                                          <p:spTgt spid="2"/>
+                                        </p:tgtEl>
+                                        <p:attrNameLst>
+                                          <p:attrName>style.visibility</p:attrName>
+                                        </p:attrNameLst>
+                                      </p:cBhvr>
+                                      <p:to>
+                                        <p:strVal val="visible"/>
+                                      </p:to>
+                                    </p:set>
+                                    <p:anim calcmode="lin" valueType="num">
+                                      <p:cBhvr additive="base">
+                                        <p:cTn id="7" dur="500" fill="hold"/>
+                                        <p:tgtEl>
+                                          <p:spTgt spid="2"/>
+                                        </p:tgtEl>
+                                        <p:attrNameLst>
+                                          <p:attrName>ppt_x</p:attrName>
+                                        </p:attrNameLst>
+                                      </p:cBhvr>
+                                      <p:tavLst>
+                                        <p:tav tm="0">
+                                          <p:val>
+                                            <p:strVal val="#ppt_x"/>
+                                          </p:val>
+                                        </p:tav>
+                                        <p:tav tm="100000">
+                                          <p:val>
+                                            <p:strVal val="#ppt_x"/>
+                                          </p:val>
+                                        </p:tav>
+                                      </p:tavLst>
+                                    </p:anim>
+                                    <p:anim calcmode="lin" valueType="num">
+                                      <p:cBhvr additive="base">
+                                        <p:cTn id="8" dur="500" fill="hold"/>
+                                        <p:tgtEl>
+                                          <p:spTgt spid="2"/>
+                                        </p:tgtEl>
+                                        <p:attrNameLst>
+                                          <p:attrName>ppt_y</p:attrName>
+                                        </p:attrNameLst>
+                                      </p:cBhvr>
+                                      <p:tavLst>
+                                        <p:tav tm="0">
+                                          <p:val>
+                                            <p:strVal val="1+#ppt_h/2"/>
+                                          </p:val>
+                                        </p:tav>
+                                        <p:tav tm="100000">
+                                          <p:val>
+                                            <p:strVal val="#ppt_y"/>
+                                          </p:val>
+                                        </p:tav>
+                                      </p:tavLst>
+                                    </p:anim>
+                                  </p:childTnLst>
+                                </p:cTn>
+                              </p:par>
+                            </p:childTnLst>
+                          </p:cTn>
+                        </p:par>
+                      </p:childTnLst>
+                    </p:cTn>
+                  </p:par>
+                </p:childTnLst>
+              </p:cTn>
+              <p:prevCondLst>
+                <p:cond evt="onPrev" delay="0">
+                  <p:tgtEl>
+                    <p:sldTgt/>
+                  </p:tgtEl>
+                </p:cond>
+              </p:prevCondLst>
+              <p:nextCondLst>
+                <p:cond evt="onNext" delay="0">
+                  <p:tgtEl>
+                    <p:sldTgt/>
+                  </p:tgtEl>
+                </p:cond>
+              </p:nextCondLst>
+            </p:seq>
+          </p:childTnLst>
+        </p:cTn>
+      </p:par>
+    </p:tnLst>
+    <p:bldLst>
+      <p:bldP spid="2" grpId="0"/>
+    </p:bldLst>
+  </p:timing>
 </p:sld>
 </file>
 
@@ -5981,6 +6107,92 @@
   <p:clrMapOvr>
     <a:masterClrMapping/>
   </p:clrMapOvr>
+  <p:timing>
+    <p:tnLst>
+      <p:par>
+        <p:cTn id="1" dur="indefinite" restart="never" nodeType="tmRoot">
+          <p:childTnLst>
+            <p:seq concurrent="1" nextAc="seek">
+              <p:cTn id="2" dur="indefinite" nodeType="mainSeq">
+                <p:childTnLst>
+                  <p:par>
+                    <p:cTn id="3" fill="hold">
+                      <p:stCondLst>
+                        <p:cond delay="indefinite"/>
+                      </p:stCondLst>
+                      <p:childTnLst>
+                        <p:par>
+                          <p:cTn id="4" fill="hold">
+                            <p:stCondLst>
+                              <p:cond delay="0"/>
+                            </p:stCondLst>
+                            <p:childTnLst>
+                              <p:par>
+                                <p:cTn id="5" presetID="21" presetClass="entr" presetSubtype="1" fill="hold" grpId="0" nodeType="clickEffect">
+                                  <p:stCondLst>
+                                    <p:cond delay="0"/>
+                                  </p:stCondLst>
+                                  <p:childTnLst>
+                                    <p:set>
+                                      <p:cBhvr>
+                                        <p:cTn id="6" dur="1" fill="hold">
+                                          <p:stCondLst>
+                                            <p:cond delay="0"/>
+                                          </p:stCondLst>
+                                        </p:cTn>
+                                        <p:tgtEl>
+                                          <p:spTgt spid="2"/>
+                                        </p:tgtEl>
+                                        <p:attrNameLst>
+                                          <p:attrName>style.visibility</p:attrName>
+                                        </p:attrNameLst>
+                                      </p:cBhvr>
+                                      <p:to>
+                                        <p:strVal val="visible"/>
+                                      </p:to>
+                                    </p:set>
+                                    <p:animEffect transition="in" filter="wheel(1)">
+                                      <p:cBhvr>
+                                        <p:cTn id="7" dur="2000"/>
+                                        <p:tgtEl>
+                                          <p:spTgt spid="2"/>
+                                        </p:tgtEl>
+                                      </p:cBhvr>
+                                    </p:animEffect>
+                                  </p:childTnLst>
+                                </p:cTn>
+                              </p:par>
+                            </p:childTnLst>
+                          </p:cTn>
+                        </p:par>
+                      </p:childTnLst>
+                    </p:cTn>
+                  </p:par>
+                </p:childTnLst>
+              </p:cTn>
+              <p:prevCondLst>
+                <p:cond evt="onPrev" delay="0">
+                  <p:tgtEl>
+                    <p:sldTgt/>
+                  </p:tgtEl>
+                </p:cond>
+              </p:prevCondLst>
+              <p:nextCondLst>
+                <p:cond evt="onNext" delay="0">
+                  <p:tgtEl>
+                    <p:sldTgt/>
+                  </p:tgtEl>
+                </p:cond>
+              </p:nextCondLst>
+            </p:seq>
+          </p:childTnLst>
+        </p:cTn>
+      </p:par>
+    </p:tnLst>
+    <p:bldLst>
+      <p:bldP spid="2" grpId="0"/>
+    </p:bldLst>
+  </p:timing>
 </p:sld>
 </file>
 
@@ -6167,7 +6379,7 @@
         </p:blipFill>
         <p:spPr>
           <a:xfrm>
-            <a:off x="4856086" y="1935921"/>
+            <a:off x="4776187" y="2328190"/>
             <a:ext cx="4163626" cy="3230883"/>
           </a:xfrm>
           <a:prstGeom prst="rect">
@@ -6205,45 +6417,1755 @@
           <a:chExt cx="0" cy="0"/>
         </a:xfrm>
       </p:grpSpPr>
-      <p:pic>
-        <p:nvPicPr>
-          <p:cNvPr id="4" name="Marcador de contenido 4">
+      <p:sp>
+        <p:nvSpPr>
+          <p:cNvPr id="22" name="Subtítulo 21">
             <a:extLst>
               <a:ext uri="{FF2B5EF4-FFF2-40B4-BE49-F238E27FC236}">
-                <a16:creationId xmlns:a16="http://schemas.microsoft.com/office/drawing/2014/main" id="{588DF049-75A8-4070-B846-916B533E98C0}"/>
+                <a16:creationId xmlns:a16="http://schemas.microsoft.com/office/drawing/2014/main" id="{A8A5768C-7D50-4F08-9522-F70885EA7299}"/>
               </a:ext>
             </a:extLst>
           </p:cNvPr>
-          <p:cNvPicPr>
-            <a:picLocks noGrp="1" noChangeAspect="1"/>
-          </p:cNvPicPr>
-          <p:nvPr>
-            <p:ph idx="1"/>
-          </p:nvPr>
-        </p:nvPicPr>
-        <p:blipFill>
-          <a:blip r:embed="rId2">
+          <p:cNvSpPr>
+            <a:spLocks noGrp="1"/>
+          </p:cNvSpPr>
+          <p:nvPr>
+            <p:ph type="subTitle" idx="1"/>
+          </p:nvPr>
+        </p:nvSpPr>
+        <p:spPr>
+          <a:xfrm>
+            <a:off x="1918542" y="348458"/>
+            <a:ext cx="9001462" cy="916924"/>
+          </a:xfrm>
+        </p:spPr>
+        <p:txBody>
+          <a:bodyPr>
+            <a:normAutofit/>
+          </a:bodyPr>
+          <a:lstStyle/>
+          <a:p>
+            <a:r>
+              <a:rPr lang="es-ES" sz="3200" dirty="0">
+                <a:solidFill>
+                  <a:schemeClr val="accent4">
+                    <a:lumMod val="40000"/>
+                    <a:lumOff val="60000"/>
+                  </a:schemeClr>
+                </a:solidFill>
+              </a:rPr>
+              <a:t>DIVIDE</a:t>
+            </a:r>
+            <a:endParaRPr lang="es-PE" sz="3200" dirty="0">
+              <a:solidFill>
+                <a:schemeClr val="accent4">
+                  <a:lumMod val="40000"/>
+                  <a:lumOff val="60000"/>
+                </a:schemeClr>
+              </a:solidFill>
+            </a:endParaRPr>
+          </a:p>
+        </p:txBody>
+      </p:sp>
+      <p:graphicFrame>
+        <p:nvGraphicFramePr>
+          <p:cNvPr id="13" name="Tabla 13">
             <a:extLst>
-              <a:ext uri="{28A0092B-C50C-407E-A947-70E740481C1C}">
-                <a14:useLocalDpi xmlns:a14="http://schemas.microsoft.com/office/drawing/2010/main" val="0"/>
+              <a:ext uri="{FF2B5EF4-FFF2-40B4-BE49-F238E27FC236}">
+                <a16:creationId xmlns:a16="http://schemas.microsoft.com/office/drawing/2014/main" id="{42C45C17-1BB6-4DBE-B81C-4F16738D0C20}"/>
               </a:ext>
             </a:extLst>
-          </a:blip>
-          <a:stretch>
-            <a:fillRect/>
-          </a:stretch>
-        </p:blipFill>
+          </p:cNvPr>
+          <p:cNvGraphicFramePr>
+            <a:graphicFrameLocks noGrp="1"/>
+          </p:cNvGraphicFramePr>
+          <p:nvPr>
+            <p:ph idx="4294967295"/>
+            <p:extLst>
+              <p:ext uri="{D42A27DB-BD31-4B8C-83A1-F6EECF244321}">
+                <p14:modId xmlns:p14="http://schemas.microsoft.com/office/powerpoint/2010/main" val="1394090107"/>
+              </p:ext>
+            </p:extLst>
+          </p:nvPr>
+        </p:nvGraphicFramePr>
+        <p:xfrm>
+          <a:off x="798988" y="2136019"/>
+          <a:ext cx="10353675" cy="372862"/>
+        </p:xfrm>
+        <a:graphic>
+          <a:graphicData uri="http://schemas.openxmlformats.org/drawingml/2006/table">
+            <a:tbl>
+              <a:tblPr firstRow="1" bandRow="1">
+                <a:tableStyleId>{5C22544A-7EE6-4342-B048-85BDC9FD1C3A}</a:tableStyleId>
+              </a:tblPr>
+              <a:tblGrid>
+                <a:gridCol w="2070735">
+                  <a:extLst>
+                    <a:ext uri="{9D8B030D-6E8A-4147-A177-3AD203B41FA5}">
+                      <a16:colId xmlns:a16="http://schemas.microsoft.com/office/drawing/2014/main" val="3992303415"/>
+                    </a:ext>
+                  </a:extLst>
+                </a:gridCol>
+                <a:gridCol w="2070735">
+                  <a:extLst>
+                    <a:ext uri="{9D8B030D-6E8A-4147-A177-3AD203B41FA5}">
+                      <a16:colId xmlns:a16="http://schemas.microsoft.com/office/drawing/2014/main" val="1043354388"/>
+                    </a:ext>
+                  </a:extLst>
+                </a:gridCol>
+                <a:gridCol w="2070735">
+                  <a:extLst>
+                    <a:ext uri="{9D8B030D-6E8A-4147-A177-3AD203B41FA5}">
+                      <a16:colId xmlns:a16="http://schemas.microsoft.com/office/drawing/2014/main" val="446384964"/>
+                    </a:ext>
+                  </a:extLst>
+                </a:gridCol>
+                <a:gridCol w="2070735">
+                  <a:extLst>
+                    <a:ext uri="{9D8B030D-6E8A-4147-A177-3AD203B41FA5}">
+                      <a16:colId xmlns:a16="http://schemas.microsoft.com/office/drawing/2014/main" val="387943889"/>
+                    </a:ext>
+                  </a:extLst>
+                </a:gridCol>
+                <a:gridCol w="2070735">
+                  <a:extLst>
+                    <a:ext uri="{9D8B030D-6E8A-4147-A177-3AD203B41FA5}">
+                      <a16:colId xmlns:a16="http://schemas.microsoft.com/office/drawing/2014/main" val="11758007"/>
+                    </a:ext>
+                  </a:extLst>
+                </a:gridCol>
+              </a:tblGrid>
+              <a:tr h="372862">
+                <a:tc>
+                  <a:txBody>
+                    <a:bodyPr/>
+                    <a:lstStyle/>
+                    <a:p>
+                      <a:pPr algn="ctr"/>
+                      <a:r>
+                        <a:rPr lang="es-ES" dirty="0"/>
+                        <a:t>8</a:t>
+                      </a:r>
+                      <a:endParaRPr lang="es-PE" dirty="0"/>
+                    </a:p>
+                  </a:txBody>
+                  <a:tcPr>
+                    <a:lnL w="12700" cap="flat" cmpd="sng" algn="ctr">
+                      <a:solidFill>
+                        <a:schemeClr val="tx1"/>
+                      </a:solidFill>
+                      <a:prstDash val="solid"/>
+                      <a:round/>
+                      <a:headEnd type="none" w="med" len="med"/>
+                      <a:tailEnd type="none" w="med" len="med"/>
+                    </a:lnL>
+                    <a:lnR w="12700" cap="flat" cmpd="sng" algn="ctr">
+                      <a:solidFill>
+                        <a:schemeClr val="tx1"/>
+                      </a:solidFill>
+                      <a:prstDash val="solid"/>
+                      <a:round/>
+                      <a:headEnd type="none" w="med" len="med"/>
+                      <a:tailEnd type="none" w="med" len="med"/>
+                    </a:lnR>
+                    <a:lnT w="12700" cap="flat" cmpd="sng" algn="ctr">
+                      <a:solidFill>
+                        <a:schemeClr val="tx1"/>
+                      </a:solidFill>
+                      <a:prstDash val="solid"/>
+                      <a:round/>
+                      <a:headEnd type="none" w="med" len="med"/>
+                      <a:tailEnd type="none" w="med" len="med"/>
+                    </a:lnT>
+                    <a:lnB w="12700" cap="flat" cmpd="sng" algn="ctr">
+                      <a:solidFill>
+                        <a:schemeClr val="tx1"/>
+                      </a:solidFill>
+                      <a:prstDash val="solid"/>
+                      <a:round/>
+                      <a:headEnd type="none" w="med" len="med"/>
+                      <a:tailEnd type="none" w="med" len="med"/>
+                    </a:lnB>
+                  </a:tcPr>
+                </a:tc>
+                <a:tc>
+                  <a:txBody>
+                    <a:bodyPr/>
+                    <a:lstStyle/>
+                    <a:p>
+                      <a:pPr algn="ctr"/>
+                      <a:r>
+                        <a:rPr lang="es-ES" dirty="0"/>
+                        <a:t>7</a:t>
+                      </a:r>
+                      <a:endParaRPr lang="es-PE" dirty="0"/>
+                    </a:p>
+                  </a:txBody>
+                  <a:tcPr>
+                    <a:lnL w="12700" cap="flat" cmpd="sng" algn="ctr">
+                      <a:solidFill>
+                        <a:schemeClr val="tx1"/>
+                      </a:solidFill>
+                      <a:prstDash val="solid"/>
+                      <a:round/>
+                      <a:headEnd type="none" w="med" len="med"/>
+                      <a:tailEnd type="none" w="med" len="med"/>
+                    </a:lnL>
+                    <a:lnR w="12700" cap="flat" cmpd="sng" algn="ctr">
+                      <a:solidFill>
+                        <a:schemeClr val="tx1"/>
+                      </a:solidFill>
+                      <a:prstDash val="solid"/>
+                      <a:round/>
+                      <a:headEnd type="none" w="med" len="med"/>
+                      <a:tailEnd type="none" w="med" len="med"/>
+                    </a:lnR>
+                    <a:lnT w="12700" cap="flat" cmpd="sng" algn="ctr">
+                      <a:solidFill>
+                        <a:schemeClr val="tx1"/>
+                      </a:solidFill>
+                      <a:prstDash val="solid"/>
+                      <a:round/>
+                      <a:headEnd type="none" w="med" len="med"/>
+                      <a:tailEnd type="none" w="med" len="med"/>
+                    </a:lnT>
+                    <a:lnB w="12700" cap="flat" cmpd="sng" algn="ctr">
+                      <a:solidFill>
+                        <a:schemeClr val="tx1"/>
+                      </a:solidFill>
+                      <a:prstDash val="solid"/>
+                      <a:round/>
+                      <a:headEnd type="none" w="med" len="med"/>
+                      <a:tailEnd type="none" w="med" len="med"/>
+                    </a:lnB>
+                  </a:tcPr>
+                </a:tc>
+                <a:tc>
+                  <a:txBody>
+                    <a:bodyPr/>
+                    <a:lstStyle/>
+                    <a:p>
+                      <a:pPr algn="ctr"/>
+                      <a:r>
+                        <a:rPr lang="es-ES" dirty="0"/>
+                        <a:t>9</a:t>
+                      </a:r>
+                      <a:endParaRPr lang="es-PE" dirty="0"/>
+                    </a:p>
+                  </a:txBody>
+                  <a:tcPr>
+                    <a:lnL w="12700" cap="flat" cmpd="sng" algn="ctr">
+                      <a:solidFill>
+                        <a:schemeClr val="tx1"/>
+                      </a:solidFill>
+                      <a:prstDash val="solid"/>
+                      <a:round/>
+                      <a:headEnd type="none" w="med" len="med"/>
+                      <a:tailEnd type="none" w="med" len="med"/>
+                    </a:lnL>
+                    <a:lnR w="12700" cap="flat" cmpd="sng" algn="ctr">
+                      <a:solidFill>
+                        <a:schemeClr val="tx1"/>
+                      </a:solidFill>
+                      <a:prstDash val="solid"/>
+                      <a:round/>
+                      <a:headEnd type="none" w="med" len="med"/>
+                      <a:tailEnd type="none" w="med" len="med"/>
+                    </a:lnR>
+                    <a:lnT w="12700" cap="flat" cmpd="sng" algn="ctr">
+                      <a:solidFill>
+                        <a:schemeClr val="tx1"/>
+                      </a:solidFill>
+                      <a:prstDash val="solid"/>
+                      <a:round/>
+                      <a:headEnd type="none" w="med" len="med"/>
+                      <a:tailEnd type="none" w="med" len="med"/>
+                    </a:lnT>
+                    <a:lnB w="12700" cap="flat" cmpd="sng" algn="ctr">
+                      <a:solidFill>
+                        <a:schemeClr val="tx1"/>
+                      </a:solidFill>
+                      <a:prstDash val="solid"/>
+                      <a:round/>
+                      <a:headEnd type="none" w="med" len="med"/>
+                      <a:tailEnd type="none" w="med" len="med"/>
+                    </a:lnB>
+                  </a:tcPr>
+                </a:tc>
+                <a:tc>
+                  <a:txBody>
+                    <a:bodyPr/>
+                    <a:lstStyle/>
+                    <a:p>
+                      <a:pPr algn="ctr"/>
+                      <a:r>
+                        <a:rPr lang="es-ES" dirty="0"/>
+                        <a:t>2</a:t>
+                      </a:r>
+                      <a:endParaRPr lang="es-PE" dirty="0"/>
+                    </a:p>
+                  </a:txBody>
+                  <a:tcPr>
+                    <a:lnL w="12700" cap="flat" cmpd="sng" algn="ctr">
+                      <a:solidFill>
+                        <a:schemeClr val="tx1"/>
+                      </a:solidFill>
+                      <a:prstDash val="solid"/>
+                      <a:round/>
+                      <a:headEnd type="none" w="med" len="med"/>
+                      <a:tailEnd type="none" w="med" len="med"/>
+                    </a:lnL>
+                    <a:lnR w="12700" cap="flat" cmpd="sng" algn="ctr">
+                      <a:solidFill>
+                        <a:schemeClr val="tx1"/>
+                      </a:solidFill>
+                      <a:prstDash val="solid"/>
+                      <a:round/>
+                      <a:headEnd type="none" w="med" len="med"/>
+                      <a:tailEnd type="none" w="med" len="med"/>
+                    </a:lnR>
+                    <a:lnT w="12700" cap="flat" cmpd="sng" algn="ctr">
+                      <a:solidFill>
+                        <a:schemeClr val="tx1"/>
+                      </a:solidFill>
+                      <a:prstDash val="solid"/>
+                      <a:round/>
+                      <a:headEnd type="none" w="med" len="med"/>
+                      <a:tailEnd type="none" w="med" len="med"/>
+                    </a:lnT>
+                    <a:lnB w="12700" cap="flat" cmpd="sng" algn="ctr">
+                      <a:solidFill>
+                        <a:schemeClr val="tx1"/>
+                      </a:solidFill>
+                      <a:prstDash val="solid"/>
+                      <a:round/>
+                      <a:headEnd type="none" w="med" len="med"/>
+                      <a:tailEnd type="none" w="med" len="med"/>
+                    </a:lnB>
+                  </a:tcPr>
+                </a:tc>
+                <a:tc>
+                  <a:txBody>
+                    <a:bodyPr/>
+                    <a:lstStyle/>
+                    <a:p>
+                      <a:pPr algn="ctr"/>
+                      <a:r>
+                        <a:rPr lang="es-ES" dirty="0"/>
+                        <a:t>4</a:t>
+                      </a:r>
+                      <a:endParaRPr lang="es-PE" dirty="0"/>
+                    </a:p>
+                  </a:txBody>
+                  <a:tcPr>
+                    <a:lnL w="12700" cap="flat" cmpd="sng" algn="ctr">
+                      <a:solidFill>
+                        <a:schemeClr val="tx1"/>
+                      </a:solidFill>
+                      <a:prstDash val="solid"/>
+                      <a:round/>
+                      <a:headEnd type="none" w="med" len="med"/>
+                      <a:tailEnd type="none" w="med" len="med"/>
+                    </a:lnL>
+                    <a:lnR w="12700" cap="flat" cmpd="sng" algn="ctr">
+                      <a:solidFill>
+                        <a:schemeClr val="tx1"/>
+                      </a:solidFill>
+                      <a:prstDash val="solid"/>
+                      <a:round/>
+                      <a:headEnd type="none" w="med" len="med"/>
+                      <a:tailEnd type="none" w="med" len="med"/>
+                    </a:lnR>
+                    <a:lnT w="12700" cap="flat" cmpd="sng" algn="ctr">
+                      <a:solidFill>
+                        <a:schemeClr val="tx1"/>
+                      </a:solidFill>
+                      <a:prstDash val="solid"/>
+                      <a:round/>
+                      <a:headEnd type="none" w="med" len="med"/>
+                      <a:tailEnd type="none" w="med" len="med"/>
+                    </a:lnT>
+                    <a:lnB w="12700" cap="flat" cmpd="sng" algn="ctr">
+                      <a:solidFill>
+                        <a:schemeClr val="tx1"/>
+                      </a:solidFill>
+                      <a:prstDash val="solid"/>
+                      <a:round/>
+                      <a:headEnd type="none" w="med" len="med"/>
+                      <a:tailEnd type="none" w="med" len="med"/>
+                    </a:lnB>
+                  </a:tcPr>
+                </a:tc>
+                <a:extLst>
+                  <a:ext uri="{0D108BD9-81ED-4DB2-BD59-A6C34878D82A}">
+                    <a16:rowId xmlns:a16="http://schemas.microsoft.com/office/drawing/2014/main" val="1145672622"/>
+                  </a:ext>
+                </a:extLst>
+              </a:tr>
+            </a:tbl>
+          </a:graphicData>
+        </a:graphic>
+      </p:graphicFrame>
+      <p:sp>
+        <p:nvSpPr>
+          <p:cNvPr id="14" name="Rectángulo 13">
+            <a:extLst>
+              <a:ext uri="{FF2B5EF4-FFF2-40B4-BE49-F238E27FC236}">
+                <a16:creationId xmlns:a16="http://schemas.microsoft.com/office/drawing/2014/main" id="{8E99E4A0-0E32-49A4-B1DA-E5E03CD91662}"/>
+              </a:ext>
+            </a:extLst>
+          </p:cNvPr>
+          <p:cNvSpPr/>
+          <p:nvPr/>
+        </p:nvSpPr>
         <p:spPr>
           <a:xfrm>
-            <a:off x="2565647" y="1003177"/>
-            <a:ext cx="6676007" cy="4483223"/>
+            <a:off x="1152518" y="3220079"/>
+            <a:ext cx="896645" cy="577049"/>
           </a:xfrm>
+          <a:prstGeom prst="rect">
+            <a:avLst/>
+          </a:prstGeom>
         </p:spPr>
-      </p:pic>
+        <p:style>
+          <a:lnRef idx="3">
+            <a:schemeClr val="lt1"/>
+          </a:lnRef>
+          <a:fillRef idx="1">
+            <a:schemeClr val="accent5"/>
+          </a:fillRef>
+          <a:effectRef idx="1">
+            <a:schemeClr val="accent5"/>
+          </a:effectRef>
+          <a:fontRef idx="minor">
+            <a:schemeClr val="lt1"/>
+          </a:fontRef>
+        </p:style>
+        <p:txBody>
+          <a:bodyPr rtlCol="0" anchor="ctr"/>
+          <a:lstStyle/>
+          <a:p>
+            <a:pPr algn="ctr"/>
+            <a:r>
+              <a:rPr lang="es-ES" b="1" dirty="0">
+                <a:ln w="12700">
+                  <a:solidFill>
+                    <a:schemeClr val="accent1"/>
+                  </a:solidFill>
+                  <a:prstDash val="solid"/>
+                </a:ln>
+                <a:pattFill prst="pct50">
+                  <a:fgClr>
+                    <a:schemeClr val="accent1"/>
+                  </a:fgClr>
+                  <a:bgClr>
+                    <a:schemeClr val="accent1">
+                      <a:lumMod val="20000"/>
+                      <a:lumOff val="80000"/>
+                    </a:schemeClr>
+                  </a:bgClr>
+                </a:pattFill>
+                <a:effectLst>
+                  <a:outerShdw dist="38100" dir="2640000" algn="bl" rotWithShape="0">
+                    <a:schemeClr val="accent1"/>
+                  </a:outerShdw>
+                </a:effectLst>
+              </a:rPr>
+              <a:t>8</a:t>
+            </a:r>
+            <a:endParaRPr lang="es-PE" b="1" dirty="0">
+              <a:ln w="12700">
+                <a:solidFill>
+                  <a:schemeClr val="accent1"/>
+                </a:solidFill>
+                <a:prstDash val="solid"/>
+              </a:ln>
+              <a:pattFill prst="pct50">
+                <a:fgClr>
+                  <a:schemeClr val="accent1"/>
+                </a:fgClr>
+                <a:bgClr>
+                  <a:schemeClr val="accent1">
+                    <a:lumMod val="20000"/>
+                    <a:lumOff val="80000"/>
+                  </a:schemeClr>
+                </a:bgClr>
+              </a:pattFill>
+              <a:effectLst>
+                <a:outerShdw dist="38100" dir="2640000" algn="bl" rotWithShape="0">
+                  <a:schemeClr val="accent1"/>
+                </a:outerShdw>
+              </a:effectLst>
+            </a:endParaRPr>
+          </a:p>
+        </p:txBody>
+      </p:sp>
+      <p:sp>
+        <p:nvSpPr>
+          <p:cNvPr id="15" name="Rectángulo 14">
+            <a:extLst>
+              <a:ext uri="{FF2B5EF4-FFF2-40B4-BE49-F238E27FC236}">
+                <a16:creationId xmlns:a16="http://schemas.microsoft.com/office/drawing/2014/main" id="{9B4496A7-7DF5-4E70-A237-D706E3F41BBF}"/>
+              </a:ext>
+            </a:extLst>
+          </p:cNvPr>
+          <p:cNvSpPr/>
+          <p:nvPr/>
+        </p:nvSpPr>
+        <p:spPr>
+          <a:xfrm>
+            <a:off x="3232818" y="3220080"/>
+            <a:ext cx="896645" cy="577049"/>
+          </a:xfrm>
+          <a:prstGeom prst="rect">
+            <a:avLst/>
+          </a:prstGeom>
+        </p:spPr>
+        <p:style>
+          <a:lnRef idx="3">
+            <a:schemeClr val="lt1"/>
+          </a:lnRef>
+          <a:fillRef idx="1">
+            <a:schemeClr val="accent5"/>
+          </a:fillRef>
+          <a:effectRef idx="1">
+            <a:schemeClr val="accent5"/>
+          </a:effectRef>
+          <a:fontRef idx="minor">
+            <a:schemeClr val="lt1"/>
+          </a:fontRef>
+        </p:style>
+        <p:txBody>
+          <a:bodyPr rtlCol="0" anchor="ctr"/>
+          <a:lstStyle/>
+          <a:p>
+            <a:pPr algn="ctr"/>
+            <a:r>
+              <a:rPr lang="es-ES" b="1" dirty="0">
+                <a:ln w="12700">
+                  <a:solidFill>
+                    <a:schemeClr val="accent1"/>
+                  </a:solidFill>
+                  <a:prstDash val="solid"/>
+                </a:ln>
+                <a:pattFill prst="pct50">
+                  <a:fgClr>
+                    <a:schemeClr val="accent1"/>
+                  </a:fgClr>
+                  <a:bgClr>
+                    <a:schemeClr val="accent1">
+                      <a:lumMod val="20000"/>
+                      <a:lumOff val="80000"/>
+                    </a:schemeClr>
+                  </a:bgClr>
+                </a:pattFill>
+                <a:effectLst>
+                  <a:outerShdw dist="38100" dir="2640000" algn="bl" rotWithShape="0">
+                    <a:schemeClr val="accent1"/>
+                  </a:outerShdw>
+                </a:effectLst>
+              </a:rPr>
+              <a:t>7</a:t>
+            </a:r>
+            <a:endParaRPr lang="es-PE" b="1" dirty="0">
+              <a:ln w="12700">
+                <a:solidFill>
+                  <a:schemeClr val="accent1"/>
+                </a:solidFill>
+                <a:prstDash val="solid"/>
+              </a:ln>
+              <a:pattFill prst="pct50">
+                <a:fgClr>
+                  <a:schemeClr val="accent1"/>
+                </a:fgClr>
+                <a:bgClr>
+                  <a:schemeClr val="accent1">
+                    <a:lumMod val="20000"/>
+                    <a:lumOff val="80000"/>
+                  </a:schemeClr>
+                </a:bgClr>
+              </a:pattFill>
+              <a:effectLst>
+                <a:outerShdw dist="38100" dir="2640000" algn="bl" rotWithShape="0">
+                  <a:schemeClr val="accent1"/>
+                </a:outerShdw>
+              </a:effectLst>
+            </a:endParaRPr>
+          </a:p>
+        </p:txBody>
+      </p:sp>
+      <p:sp>
+        <p:nvSpPr>
+          <p:cNvPr id="16" name="Rectángulo 15">
+            <a:extLst>
+              <a:ext uri="{FF2B5EF4-FFF2-40B4-BE49-F238E27FC236}">
+                <a16:creationId xmlns:a16="http://schemas.microsoft.com/office/drawing/2014/main" id="{B04E0B90-9A2C-4AD0-8853-23E464E33F1C}"/>
+              </a:ext>
+            </a:extLst>
+          </p:cNvPr>
+          <p:cNvSpPr/>
+          <p:nvPr/>
+        </p:nvSpPr>
+        <p:spPr>
+          <a:xfrm>
+            <a:off x="5335529" y="3220079"/>
+            <a:ext cx="896645" cy="577049"/>
+          </a:xfrm>
+          <a:prstGeom prst="rect">
+            <a:avLst/>
+          </a:prstGeom>
+        </p:spPr>
+        <p:style>
+          <a:lnRef idx="3">
+            <a:schemeClr val="lt1"/>
+          </a:lnRef>
+          <a:fillRef idx="1">
+            <a:schemeClr val="accent5"/>
+          </a:fillRef>
+          <a:effectRef idx="1">
+            <a:schemeClr val="accent5"/>
+          </a:effectRef>
+          <a:fontRef idx="minor">
+            <a:schemeClr val="lt1"/>
+          </a:fontRef>
+        </p:style>
+        <p:txBody>
+          <a:bodyPr rtlCol="0" anchor="ctr"/>
+          <a:lstStyle/>
+          <a:p>
+            <a:pPr algn="ctr"/>
+            <a:r>
+              <a:rPr lang="es-ES" b="1" dirty="0">
+                <a:ln w="12700">
+                  <a:solidFill>
+                    <a:schemeClr val="accent1"/>
+                  </a:solidFill>
+                  <a:prstDash val="solid"/>
+                </a:ln>
+                <a:pattFill prst="pct50">
+                  <a:fgClr>
+                    <a:schemeClr val="accent1"/>
+                  </a:fgClr>
+                  <a:bgClr>
+                    <a:schemeClr val="accent1">
+                      <a:lumMod val="20000"/>
+                      <a:lumOff val="80000"/>
+                    </a:schemeClr>
+                  </a:bgClr>
+                </a:pattFill>
+                <a:effectLst>
+                  <a:outerShdw dist="38100" dir="2640000" algn="bl" rotWithShape="0">
+                    <a:schemeClr val="accent1"/>
+                  </a:outerShdw>
+                </a:effectLst>
+              </a:rPr>
+              <a:t>9</a:t>
+            </a:r>
+            <a:endParaRPr lang="es-PE" b="1" dirty="0">
+              <a:ln w="12700">
+                <a:solidFill>
+                  <a:schemeClr val="accent1"/>
+                </a:solidFill>
+                <a:prstDash val="solid"/>
+              </a:ln>
+              <a:pattFill prst="pct50">
+                <a:fgClr>
+                  <a:schemeClr val="accent1"/>
+                </a:fgClr>
+                <a:bgClr>
+                  <a:schemeClr val="accent1">
+                    <a:lumMod val="20000"/>
+                    <a:lumOff val="80000"/>
+                  </a:schemeClr>
+                </a:bgClr>
+              </a:pattFill>
+              <a:effectLst>
+                <a:outerShdw dist="38100" dir="2640000" algn="bl" rotWithShape="0">
+                  <a:schemeClr val="accent1"/>
+                </a:outerShdw>
+              </a:effectLst>
+            </a:endParaRPr>
+          </a:p>
+        </p:txBody>
+      </p:sp>
+      <p:sp>
+        <p:nvSpPr>
+          <p:cNvPr id="17" name="Rectángulo 16">
+            <a:extLst>
+              <a:ext uri="{FF2B5EF4-FFF2-40B4-BE49-F238E27FC236}">
+                <a16:creationId xmlns:a16="http://schemas.microsoft.com/office/drawing/2014/main" id="{CAFFDF98-9456-4378-A794-914A5EE9EF3B}"/>
+              </a:ext>
+            </a:extLst>
+          </p:cNvPr>
+          <p:cNvSpPr/>
+          <p:nvPr/>
+        </p:nvSpPr>
+        <p:spPr>
+          <a:xfrm>
+            <a:off x="7438241" y="3220079"/>
+            <a:ext cx="896645" cy="577049"/>
+          </a:xfrm>
+          <a:prstGeom prst="rect">
+            <a:avLst/>
+          </a:prstGeom>
+        </p:spPr>
+        <p:style>
+          <a:lnRef idx="3">
+            <a:schemeClr val="lt1"/>
+          </a:lnRef>
+          <a:fillRef idx="1">
+            <a:schemeClr val="accent5"/>
+          </a:fillRef>
+          <a:effectRef idx="1">
+            <a:schemeClr val="accent5"/>
+          </a:effectRef>
+          <a:fontRef idx="minor">
+            <a:schemeClr val="lt1"/>
+          </a:fontRef>
+        </p:style>
+        <p:txBody>
+          <a:bodyPr rtlCol="0" anchor="ctr"/>
+          <a:lstStyle/>
+          <a:p>
+            <a:pPr algn="ctr"/>
+            <a:r>
+              <a:rPr lang="es-ES" b="1" dirty="0">
+                <a:ln w="12700">
+                  <a:solidFill>
+                    <a:schemeClr val="accent1"/>
+                  </a:solidFill>
+                  <a:prstDash val="solid"/>
+                </a:ln>
+                <a:pattFill prst="pct50">
+                  <a:fgClr>
+                    <a:schemeClr val="accent1"/>
+                  </a:fgClr>
+                  <a:bgClr>
+                    <a:schemeClr val="accent1">
+                      <a:lumMod val="20000"/>
+                      <a:lumOff val="80000"/>
+                    </a:schemeClr>
+                  </a:bgClr>
+                </a:pattFill>
+                <a:effectLst>
+                  <a:outerShdw dist="38100" dir="2640000" algn="bl" rotWithShape="0">
+                    <a:schemeClr val="accent1"/>
+                  </a:outerShdw>
+                </a:effectLst>
+              </a:rPr>
+              <a:t>2</a:t>
+            </a:r>
+            <a:endParaRPr lang="es-PE" b="1" dirty="0">
+              <a:ln w="12700">
+                <a:solidFill>
+                  <a:schemeClr val="accent1"/>
+                </a:solidFill>
+                <a:prstDash val="solid"/>
+              </a:ln>
+              <a:pattFill prst="pct50">
+                <a:fgClr>
+                  <a:schemeClr val="accent1"/>
+                </a:fgClr>
+                <a:bgClr>
+                  <a:schemeClr val="accent1">
+                    <a:lumMod val="20000"/>
+                    <a:lumOff val="80000"/>
+                  </a:schemeClr>
+                </a:bgClr>
+              </a:pattFill>
+              <a:effectLst>
+                <a:outerShdw dist="38100" dir="2640000" algn="bl" rotWithShape="0">
+                  <a:schemeClr val="accent1"/>
+                </a:outerShdw>
+              </a:effectLst>
+            </a:endParaRPr>
+          </a:p>
+        </p:txBody>
+      </p:sp>
+      <p:sp>
+        <p:nvSpPr>
+          <p:cNvPr id="18" name="Rectángulo 17">
+            <a:extLst>
+              <a:ext uri="{FF2B5EF4-FFF2-40B4-BE49-F238E27FC236}">
+                <a16:creationId xmlns:a16="http://schemas.microsoft.com/office/drawing/2014/main" id="{3DC43713-C12D-4217-9AA1-945B604054DA}"/>
+              </a:ext>
+            </a:extLst>
+          </p:cNvPr>
+          <p:cNvSpPr/>
+          <p:nvPr/>
+        </p:nvSpPr>
+        <p:spPr>
+          <a:xfrm>
+            <a:off x="9547966" y="3220079"/>
+            <a:ext cx="896645" cy="577049"/>
+          </a:xfrm>
+          <a:prstGeom prst="rect">
+            <a:avLst/>
+          </a:prstGeom>
+        </p:spPr>
+        <p:style>
+          <a:lnRef idx="3">
+            <a:schemeClr val="lt1"/>
+          </a:lnRef>
+          <a:fillRef idx="1">
+            <a:schemeClr val="accent5"/>
+          </a:fillRef>
+          <a:effectRef idx="1">
+            <a:schemeClr val="accent5"/>
+          </a:effectRef>
+          <a:fontRef idx="minor">
+            <a:schemeClr val="lt1"/>
+          </a:fontRef>
+        </p:style>
+        <p:txBody>
+          <a:bodyPr rtlCol="0" anchor="ctr"/>
+          <a:lstStyle/>
+          <a:p>
+            <a:pPr algn="ctr"/>
+            <a:r>
+              <a:rPr lang="es-ES" b="1" dirty="0">
+                <a:ln w="12700">
+                  <a:solidFill>
+                    <a:schemeClr val="accent1"/>
+                  </a:solidFill>
+                  <a:prstDash val="solid"/>
+                </a:ln>
+                <a:pattFill prst="pct50">
+                  <a:fgClr>
+                    <a:schemeClr val="accent1"/>
+                  </a:fgClr>
+                  <a:bgClr>
+                    <a:schemeClr val="accent1">
+                      <a:lumMod val="20000"/>
+                      <a:lumOff val="80000"/>
+                    </a:schemeClr>
+                  </a:bgClr>
+                </a:pattFill>
+                <a:effectLst>
+                  <a:outerShdw dist="38100" dir="2640000" algn="bl" rotWithShape="0">
+                    <a:schemeClr val="accent1"/>
+                  </a:outerShdw>
+                </a:effectLst>
+              </a:rPr>
+              <a:t>4</a:t>
+            </a:r>
+            <a:endParaRPr lang="es-PE" b="1" dirty="0">
+              <a:ln w="12700">
+                <a:solidFill>
+                  <a:schemeClr val="accent1"/>
+                </a:solidFill>
+                <a:prstDash val="solid"/>
+              </a:ln>
+              <a:pattFill prst="pct50">
+                <a:fgClr>
+                  <a:schemeClr val="accent1"/>
+                </a:fgClr>
+                <a:bgClr>
+                  <a:schemeClr val="accent1">
+                    <a:lumMod val="20000"/>
+                    <a:lumOff val="80000"/>
+                  </a:schemeClr>
+                </a:bgClr>
+              </a:pattFill>
+              <a:effectLst>
+                <a:outerShdw dist="38100" dir="2640000" algn="bl" rotWithShape="0">
+                  <a:schemeClr val="accent1"/>
+                </a:outerShdw>
+              </a:effectLst>
+            </a:endParaRPr>
+          </a:p>
+        </p:txBody>
+      </p:sp>
     </p:spTree>
     <p:extLst>
       <p:ext uri="{BB962C8B-B14F-4D97-AF65-F5344CB8AC3E}">
         <p14:creationId xmlns:p14="http://schemas.microsoft.com/office/powerpoint/2010/main" val="345415017"/>
+      </p:ext>
+    </p:extLst>
+  </p:cSld>
+  <p:clrMapOvr>
+    <a:masterClrMapping/>
+  </p:clrMapOvr>
+  <p:transition spd="slow">
+    <p:wipe/>
+  </p:transition>
+</p:sld>
+</file>
+
+<file path=ppt/slides/slide5.xml><?xml version="1.0" encoding="utf-8"?>
+<p:sld xmlns:a="http://schemas.openxmlformats.org/drawingml/2006/main" xmlns:r="http://schemas.openxmlformats.org/officeDocument/2006/relationships" xmlns:p="http://schemas.openxmlformats.org/presentationml/2006/main">
+  <p:cSld>
+    <p:spTree>
+      <p:nvGrpSpPr>
+        <p:cNvPr id="1" name=""/>
+        <p:cNvGrpSpPr/>
+        <p:nvPr/>
+      </p:nvGrpSpPr>
+      <p:grpSpPr>
+        <a:xfrm>
+          <a:off x="0" y="0"/>
+          <a:ext cx="0" cy="0"/>
+          <a:chOff x="0" y="0"/>
+          <a:chExt cx="0" cy="0"/>
+        </a:xfrm>
+      </p:grpSpPr>
+      <p:sp>
+        <p:nvSpPr>
+          <p:cNvPr id="14" name="Rectángulo: esquinas redondeadas 13">
+            <a:extLst>
+              <a:ext uri="{FF2B5EF4-FFF2-40B4-BE49-F238E27FC236}">
+                <a16:creationId xmlns:a16="http://schemas.microsoft.com/office/drawing/2014/main" id="{54CB22E6-E5DF-4E47-8A71-1B066CDF63D5}"/>
+              </a:ext>
+            </a:extLst>
+          </p:cNvPr>
+          <p:cNvSpPr/>
+          <p:nvPr/>
+        </p:nvSpPr>
+        <p:spPr>
+          <a:xfrm>
+            <a:off x="5407338" y="3269672"/>
+            <a:ext cx="5560420" cy="1413163"/>
+          </a:xfrm>
+          <a:prstGeom prst="roundRect">
+            <a:avLst/>
+          </a:prstGeom>
+        </p:spPr>
+        <p:style>
+          <a:lnRef idx="2">
+            <a:schemeClr val="accent1">
+              <a:shade val="50000"/>
+            </a:schemeClr>
+          </a:lnRef>
+          <a:fillRef idx="1">
+            <a:schemeClr val="accent1"/>
+          </a:fillRef>
+          <a:effectRef idx="0">
+            <a:schemeClr val="accent1"/>
+          </a:effectRef>
+          <a:fontRef idx="minor">
+            <a:schemeClr val="lt1"/>
+          </a:fontRef>
+        </p:style>
+        <p:txBody>
+          <a:bodyPr rtlCol="0" anchor="ctr"/>
+          <a:lstStyle/>
+          <a:p>
+            <a:pPr algn="ctr"/>
+            <a:endParaRPr lang="es-PE"/>
+          </a:p>
+        </p:txBody>
+      </p:sp>
+      <p:sp>
+        <p:nvSpPr>
+          <p:cNvPr id="13" name="Rectángulo: esquinas redondeadas 12">
+            <a:extLst>
+              <a:ext uri="{FF2B5EF4-FFF2-40B4-BE49-F238E27FC236}">
+                <a16:creationId xmlns:a16="http://schemas.microsoft.com/office/drawing/2014/main" id="{590CF6CC-6F2B-4B06-BB2E-FAC3DCFD7DC1}"/>
+              </a:ext>
+            </a:extLst>
+          </p:cNvPr>
+          <p:cNvSpPr/>
+          <p:nvPr/>
+        </p:nvSpPr>
+        <p:spPr>
+          <a:xfrm>
+            <a:off x="783402" y="3269672"/>
+            <a:ext cx="3260436" cy="1413163"/>
+          </a:xfrm>
+          <a:prstGeom prst="roundRect">
+            <a:avLst/>
+          </a:prstGeom>
+        </p:spPr>
+        <p:style>
+          <a:lnRef idx="2">
+            <a:schemeClr val="accent1">
+              <a:shade val="50000"/>
+            </a:schemeClr>
+          </a:lnRef>
+          <a:fillRef idx="1">
+            <a:schemeClr val="accent1"/>
+          </a:fillRef>
+          <a:effectRef idx="0">
+            <a:schemeClr val="accent1"/>
+          </a:effectRef>
+          <a:fontRef idx="minor">
+            <a:schemeClr val="lt1"/>
+          </a:fontRef>
+        </p:style>
+        <p:txBody>
+          <a:bodyPr rtlCol="0" anchor="ctr"/>
+          <a:lstStyle/>
+          <a:p>
+            <a:pPr algn="ctr"/>
+            <a:endParaRPr lang="es-PE"/>
+          </a:p>
+        </p:txBody>
+      </p:sp>
+      <p:sp>
+        <p:nvSpPr>
+          <p:cNvPr id="2" name="Título 1">
+            <a:extLst>
+              <a:ext uri="{FF2B5EF4-FFF2-40B4-BE49-F238E27FC236}">
+                <a16:creationId xmlns:a16="http://schemas.microsoft.com/office/drawing/2014/main" id="{C153EF92-790D-4EC1-B4F8-AE89CD63A8BE}"/>
+              </a:ext>
+            </a:extLst>
+          </p:cNvPr>
+          <p:cNvSpPr>
+            <a:spLocks noGrp="1"/>
+          </p:cNvSpPr>
+          <p:nvPr>
+            <p:ph type="title"/>
+          </p:nvPr>
+        </p:nvSpPr>
+        <p:spPr/>
+        <p:txBody>
+          <a:bodyPr/>
+          <a:lstStyle/>
+          <a:p>
+            <a:r>
+              <a:rPr lang="es-ES" dirty="0">
+                <a:solidFill>
+                  <a:schemeClr val="accent4">
+                    <a:lumMod val="40000"/>
+                    <a:lumOff val="60000"/>
+                  </a:schemeClr>
+                </a:solidFill>
+              </a:rPr>
+              <a:t>CONQUISTAR</a:t>
+            </a:r>
+            <a:endParaRPr lang="es-PE" dirty="0">
+              <a:solidFill>
+                <a:schemeClr val="accent4">
+                  <a:lumMod val="40000"/>
+                  <a:lumOff val="60000"/>
+                </a:schemeClr>
+              </a:solidFill>
+            </a:endParaRPr>
+          </a:p>
+        </p:txBody>
+      </p:sp>
+      <p:graphicFrame>
+        <p:nvGraphicFramePr>
+          <p:cNvPr id="7" name="Tabla 7">
+            <a:extLst>
+              <a:ext uri="{FF2B5EF4-FFF2-40B4-BE49-F238E27FC236}">
+                <a16:creationId xmlns:a16="http://schemas.microsoft.com/office/drawing/2014/main" id="{6A56A974-9BF0-4936-8D68-CC6DB6CA598F}"/>
+              </a:ext>
+            </a:extLst>
+          </p:cNvPr>
+          <p:cNvGraphicFramePr>
+            <a:graphicFrameLocks noGrp="1"/>
+          </p:cNvGraphicFramePr>
+          <p:nvPr>
+            <p:ph idx="1"/>
+            <p:extLst>
+              <p:ext uri="{D42A27DB-BD31-4B8C-83A1-F6EECF244321}">
+                <p14:modId xmlns:p14="http://schemas.microsoft.com/office/powerpoint/2010/main" val="1575003844"/>
+              </p:ext>
+            </p:extLst>
+          </p:nvPr>
+        </p:nvGraphicFramePr>
+        <p:xfrm>
+          <a:off x="785091" y="2446482"/>
+          <a:ext cx="10353675" cy="370840"/>
+        </p:xfrm>
+        <a:graphic>
+          <a:graphicData uri="http://schemas.openxmlformats.org/drawingml/2006/table">
+            <a:tbl>
+              <a:tblPr firstRow="1" bandRow="1">
+                <a:tableStyleId>{21E4AEA4-8DFA-4A89-87EB-49C32662AFE0}</a:tableStyleId>
+              </a:tblPr>
+              <a:tblGrid>
+                <a:gridCol w="2070735">
+                  <a:extLst>
+                    <a:ext uri="{9D8B030D-6E8A-4147-A177-3AD203B41FA5}">
+                      <a16:colId xmlns:a16="http://schemas.microsoft.com/office/drawing/2014/main" val="68343145"/>
+                    </a:ext>
+                  </a:extLst>
+                </a:gridCol>
+                <a:gridCol w="2070735">
+                  <a:extLst>
+                    <a:ext uri="{9D8B030D-6E8A-4147-A177-3AD203B41FA5}">
+                      <a16:colId xmlns:a16="http://schemas.microsoft.com/office/drawing/2014/main" val="2798633423"/>
+                    </a:ext>
+                  </a:extLst>
+                </a:gridCol>
+                <a:gridCol w="2070735">
+                  <a:extLst>
+                    <a:ext uri="{9D8B030D-6E8A-4147-A177-3AD203B41FA5}">
+                      <a16:colId xmlns:a16="http://schemas.microsoft.com/office/drawing/2014/main" val="1814093912"/>
+                    </a:ext>
+                  </a:extLst>
+                </a:gridCol>
+                <a:gridCol w="2070735">
+                  <a:extLst>
+                    <a:ext uri="{9D8B030D-6E8A-4147-A177-3AD203B41FA5}">
+                      <a16:colId xmlns:a16="http://schemas.microsoft.com/office/drawing/2014/main" val="2075081485"/>
+                    </a:ext>
+                  </a:extLst>
+                </a:gridCol>
+                <a:gridCol w="2070735">
+                  <a:extLst>
+                    <a:ext uri="{9D8B030D-6E8A-4147-A177-3AD203B41FA5}">
+                      <a16:colId xmlns:a16="http://schemas.microsoft.com/office/drawing/2014/main" val="1996656467"/>
+                    </a:ext>
+                  </a:extLst>
+                </a:gridCol>
+              </a:tblGrid>
+              <a:tr h="370840">
+                <a:tc>
+                  <a:txBody>
+                    <a:bodyPr/>
+                    <a:lstStyle/>
+                    <a:p>
+                      <a:pPr algn="ctr"/>
+                      <a:r>
+                        <a:rPr lang="es-ES" dirty="0"/>
+                        <a:t>8</a:t>
+                      </a:r>
+                      <a:endParaRPr lang="es-PE" dirty="0"/>
+                    </a:p>
+                  </a:txBody>
+                  <a:tcPr/>
+                </a:tc>
+                <a:tc>
+                  <a:txBody>
+                    <a:bodyPr/>
+                    <a:lstStyle/>
+                    <a:p>
+                      <a:pPr algn="ctr"/>
+                      <a:r>
+                        <a:rPr lang="es-ES" dirty="0"/>
+                        <a:t>7</a:t>
+                      </a:r>
+                      <a:endParaRPr lang="es-PE" dirty="0"/>
+                    </a:p>
+                  </a:txBody>
+                  <a:tcPr/>
+                </a:tc>
+                <a:tc>
+                  <a:txBody>
+                    <a:bodyPr/>
+                    <a:lstStyle/>
+                    <a:p>
+                      <a:pPr algn="ctr"/>
+                      <a:r>
+                        <a:rPr lang="es-ES" dirty="0"/>
+                        <a:t>9</a:t>
+                      </a:r>
+                      <a:endParaRPr lang="es-PE" dirty="0"/>
+                    </a:p>
+                  </a:txBody>
+                  <a:tcPr/>
+                </a:tc>
+                <a:tc>
+                  <a:txBody>
+                    <a:bodyPr/>
+                    <a:lstStyle/>
+                    <a:p>
+                      <a:pPr algn="ctr"/>
+                      <a:r>
+                        <a:rPr lang="es-ES" dirty="0"/>
+                        <a:t>2</a:t>
+                      </a:r>
+                      <a:endParaRPr lang="es-PE" dirty="0"/>
+                    </a:p>
+                  </a:txBody>
+                  <a:tcPr/>
+                </a:tc>
+                <a:tc>
+                  <a:txBody>
+                    <a:bodyPr/>
+                    <a:lstStyle/>
+                    <a:p>
+                      <a:pPr algn="ctr"/>
+                      <a:r>
+                        <a:rPr lang="es-ES" dirty="0"/>
+                        <a:t>4</a:t>
+                      </a:r>
+                      <a:endParaRPr lang="es-PE" dirty="0"/>
+                    </a:p>
+                  </a:txBody>
+                  <a:tcPr/>
+                </a:tc>
+                <a:extLst>
+                  <a:ext uri="{0D108BD9-81ED-4DB2-BD59-A6C34878D82A}">
+                    <a16:rowId xmlns:a16="http://schemas.microsoft.com/office/drawing/2014/main" val="4106048943"/>
+                  </a:ext>
+                </a:extLst>
+              </a:tr>
+            </a:tbl>
+          </a:graphicData>
+        </a:graphic>
+      </p:graphicFrame>
+      <p:sp>
+        <p:nvSpPr>
+          <p:cNvPr id="8" name="Rectángulo 7">
+            <a:extLst>
+              <a:ext uri="{FF2B5EF4-FFF2-40B4-BE49-F238E27FC236}">
+                <a16:creationId xmlns:a16="http://schemas.microsoft.com/office/drawing/2014/main" id="{D9306467-DF85-45FD-B477-DE5A6630E4EF}"/>
+              </a:ext>
+            </a:extLst>
+          </p:cNvPr>
+          <p:cNvSpPr/>
+          <p:nvPr/>
+        </p:nvSpPr>
+        <p:spPr>
+          <a:xfrm>
+            <a:off x="1050458" y="3575210"/>
+            <a:ext cx="896645" cy="577049"/>
+          </a:xfrm>
+          <a:prstGeom prst="rect">
+            <a:avLst/>
+          </a:prstGeom>
+        </p:spPr>
+        <p:style>
+          <a:lnRef idx="3">
+            <a:schemeClr val="lt1"/>
+          </a:lnRef>
+          <a:fillRef idx="1">
+            <a:schemeClr val="accent5"/>
+          </a:fillRef>
+          <a:effectRef idx="1">
+            <a:schemeClr val="accent5"/>
+          </a:effectRef>
+          <a:fontRef idx="minor">
+            <a:schemeClr val="lt1"/>
+          </a:fontRef>
+        </p:style>
+        <p:txBody>
+          <a:bodyPr rtlCol="0" anchor="ctr"/>
+          <a:lstStyle/>
+          <a:p>
+            <a:pPr algn="ctr"/>
+            <a:r>
+              <a:rPr lang="es-ES" b="1" dirty="0">
+                <a:ln w="12700">
+                  <a:solidFill>
+                    <a:schemeClr val="accent1"/>
+                  </a:solidFill>
+                  <a:prstDash val="solid"/>
+                </a:ln>
+                <a:pattFill prst="pct50">
+                  <a:fgClr>
+                    <a:schemeClr val="accent1"/>
+                  </a:fgClr>
+                  <a:bgClr>
+                    <a:schemeClr val="accent1">
+                      <a:lumMod val="20000"/>
+                      <a:lumOff val="80000"/>
+                    </a:schemeClr>
+                  </a:bgClr>
+                </a:pattFill>
+                <a:effectLst>
+                  <a:outerShdw dist="38100" dir="2640000" algn="bl" rotWithShape="0">
+                    <a:schemeClr val="accent1"/>
+                  </a:outerShdw>
+                </a:effectLst>
+              </a:rPr>
+              <a:t>7</a:t>
+            </a:r>
+            <a:endParaRPr lang="es-PE" b="1" dirty="0">
+              <a:ln w="12700">
+                <a:solidFill>
+                  <a:schemeClr val="accent1"/>
+                </a:solidFill>
+                <a:prstDash val="solid"/>
+              </a:ln>
+              <a:pattFill prst="pct50">
+                <a:fgClr>
+                  <a:schemeClr val="accent1"/>
+                </a:fgClr>
+                <a:bgClr>
+                  <a:schemeClr val="accent1">
+                    <a:lumMod val="20000"/>
+                    <a:lumOff val="80000"/>
+                  </a:schemeClr>
+                </a:bgClr>
+              </a:pattFill>
+              <a:effectLst>
+                <a:outerShdw dist="38100" dir="2640000" algn="bl" rotWithShape="0">
+                  <a:schemeClr val="accent1"/>
+                </a:outerShdw>
+              </a:effectLst>
+            </a:endParaRPr>
+          </a:p>
+        </p:txBody>
+      </p:sp>
+      <p:sp>
+        <p:nvSpPr>
+          <p:cNvPr id="9" name="Rectángulo 8">
+            <a:extLst>
+              <a:ext uri="{FF2B5EF4-FFF2-40B4-BE49-F238E27FC236}">
+                <a16:creationId xmlns:a16="http://schemas.microsoft.com/office/drawing/2014/main" id="{29F671A6-B8E1-4ADE-96EA-98833E24BF9B}"/>
+              </a:ext>
+            </a:extLst>
+          </p:cNvPr>
+          <p:cNvSpPr/>
+          <p:nvPr/>
+        </p:nvSpPr>
+        <p:spPr>
+          <a:xfrm>
+            <a:off x="2598934" y="3575210"/>
+            <a:ext cx="896645" cy="577049"/>
+          </a:xfrm>
+          <a:prstGeom prst="rect">
+            <a:avLst/>
+          </a:prstGeom>
+        </p:spPr>
+        <p:style>
+          <a:lnRef idx="3">
+            <a:schemeClr val="lt1"/>
+          </a:lnRef>
+          <a:fillRef idx="1">
+            <a:schemeClr val="accent5"/>
+          </a:fillRef>
+          <a:effectRef idx="1">
+            <a:schemeClr val="accent5"/>
+          </a:effectRef>
+          <a:fontRef idx="minor">
+            <a:schemeClr val="lt1"/>
+          </a:fontRef>
+        </p:style>
+        <p:txBody>
+          <a:bodyPr rtlCol="0" anchor="ctr"/>
+          <a:lstStyle/>
+          <a:p>
+            <a:pPr algn="ctr"/>
+            <a:r>
+              <a:rPr lang="es-ES" b="1" dirty="0">
+                <a:ln w="12700">
+                  <a:solidFill>
+                    <a:schemeClr val="accent1"/>
+                  </a:solidFill>
+                  <a:prstDash val="solid"/>
+                </a:ln>
+                <a:pattFill prst="pct50">
+                  <a:fgClr>
+                    <a:schemeClr val="accent1"/>
+                  </a:fgClr>
+                  <a:bgClr>
+                    <a:schemeClr val="accent1">
+                      <a:lumMod val="20000"/>
+                      <a:lumOff val="80000"/>
+                    </a:schemeClr>
+                  </a:bgClr>
+                </a:pattFill>
+                <a:effectLst>
+                  <a:outerShdw dist="38100" dir="2640000" algn="bl" rotWithShape="0">
+                    <a:schemeClr val="accent1"/>
+                  </a:outerShdw>
+                </a:effectLst>
+              </a:rPr>
+              <a:t>8</a:t>
+            </a:r>
+            <a:endParaRPr lang="es-PE" b="1" dirty="0">
+              <a:ln w="12700">
+                <a:solidFill>
+                  <a:schemeClr val="accent1"/>
+                </a:solidFill>
+                <a:prstDash val="solid"/>
+              </a:ln>
+              <a:pattFill prst="pct50">
+                <a:fgClr>
+                  <a:schemeClr val="accent1"/>
+                </a:fgClr>
+                <a:bgClr>
+                  <a:schemeClr val="accent1">
+                    <a:lumMod val="20000"/>
+                    <a:lumOff val="80000"/>
+                  </a:schemeClr>
+                </a:bgClr>
+              </a:pattFill>
+              <a:effectLst>
+                <a:outerShdw dist="38100" dir="2640000" algn="bl" rotWithShape="0">
+                  <a:schemeClr val="accent1"/>
+                </a:outerShdw>
+              </a:effectLst>
+            </a:endParaRPr>
+          </a:p>
+        </p:txBody>
+      </p:sp>
+      <p:sp>
+        <p:nvSpPr>
+          <p:cNvPr id="10" name="Rectángulo 9">
+            <a:extLst>
+              <a:ext uri="{FF2B5EF4-FFF2-40B4-BE49-F238E27FC236}">
+                <a16:creationId xmlns:a16="http://schemas.microsoft.com/office/drawing/2014/main" id="{6049C4F5-3AAB-4D82-88CF-E35904E483AE}"/>
+              </a:ext>
+            </a:extLst>
+          </p:cNvPr>
+          <p:cNvSpPr/>
+          <p:nvPr/>
+        </p:nvSpPr>
+        <p:spPr>
+          <a:xfrm>
+            <a:off x="5642352" y="3575210"/>
+            <a:ext cx="896645" cy="577049"/>
+          </a:xfrm>
+          <a:prstGeom prst="rect">
+            <a:avLst/>
+          </a:prstGeom>
+        </p:spPr>
+        <p:style>
+          <a:lnRef idx="3">
+            <a:schemeClr val="lt1"/>
+          </a:lnRef>
+          <a:fillRef idx="1">
+            <a:schemeClr val="accent5"/>
+          </a:fillRef>
+          <a:effectRef idx="1">
+            <a:schemeClr val="accent5"/>
+          </a:effectRef>
+          <a:fontRef idx="minor">
+            <a:schemeClr val="lt1"/>
+          </a:fontRef>
+        </p:style>
+        <p:txBody>
+          <a:bodyPr rtlCol="0" anchor="ctr"/>
+          <a:lstStyle/>
+          <a:p>
+            <a:pPr algn="ctr"/>
+            <a:r>
+              <a:rPr lang="es-ES" b="1" dirty="0">
+                <a:ln w="12700">
+                  <a:solidFill>
+                    <a:schemeClr val="accent1"/>
+                  </a:solidFill>
+                  <a:prstDash val="solid"/>
+                </a:ln>
+                <a:pattFill prst="pct50">
+                  <a:fgClr>
+                    <a:schemeClr val="accent1"/>
+                  </a:fgClr>
+                  <a:bgClr>
+                    <a:schemeClr val="accent1">
+                      <a:lumMod val="20000"/>
+                      <a:lumOff val="80000"/>
+                    </a:schemeClr>
+                  </a:bgClr>
+                </a:pattFill>
+                <a:effectLst>
+                  <a:outerShdw dist="38100" dir="2640000" algn="bl" rotWithShape="0">
+                    <a:schemeClr val="accent1"/>
+                  </a:outerShdw>
+                </a:effectLst>
+              </a:rPr>
+              <a:t>2</a:t>
+            </a:r>
+            <a:endParaRPr lang="es-PE" b="1" dirty="0">
+              <a:ln w="12700">
+                <a:solidFill>
+                  <a:schemeClr val="accent1"/>
+                </a:solidFill>
+                <a:prstDash val="solid"/>
+              </a:ln>
+              <a:pattFill prst="pct50">
+                <a:fgClr>
+                  <a:schemeClr val="accent1"/>
+                </a:fgClr>
+                <a:bgClr>
+                  <a:schemeClr val="accent1">
+                    <a:lumMod val="20000"/>
+                    <a:lumOff val="80000"/>
+                  </a:schemeClr>
+                </a:bgClr>
+              </a:pattFill>
+              <a:effectLst>
+                <a:outerShdw dist="38100" dir="2640000" algn="bl" rotWithShape="0">
+                  <a:schemeClr val="accent1"/>
+                </a:outerShdw>
+              </a:effectLst>
+            </a:endParaRPr>
+          </a:p>
+        </p:txBody>
+      </p:sp>
+      <p:sp>
+        <p:nvSpPr>
+          <p:cNvPr id="11" name="Rectángulo 10">
+            <a:extLst>
+              <a:ext uri="{FF2B5EF4-FFF2-40B4-BE49-F238E27FC236}">
+                <a16:creationId xmlns:a16="http://schemas.microsoft.com/office/drawing/2014/main" id="{B88D03DE-9A3F-411C-9319-AF2349D74086}"/>
+              </a:ext>
+            </a:extLst>
+          </p:cNvPr>
+          <p:cNvSpPr/>
+          <p:nvPr/>
+        </p:nvSpPr>
+        <p:spPr>
+          <a:xfrm>
+            <a:off x="7739226" y="3575210"/>
+            <a:ext cx="896645" cy="577049"/>
+          </a:xfrm>
+          <a:prstGeom prst="rect">
+            <a:avLst/>
+          </a:prstGeom>
+        </p:spPr>
+        <p:style>
+          <a:lnRef idx="3">
+            <a:schemeClr val="lt1"/>
+          </a:lnRef>
+          <a:fillRef idx="1">
+            <a:schemeClr val="accent5"/>
+          </a:fillRef>
+          <a:effectRef idx="1">
+            <a:schemeClr val="accent5"/>
+          </a:effectRef>
+          <a:fontRef idx="minor">
+            <a:schemeClr val="lt1"/>
+          </a:fontRef>
+        </p:style>
+        <p:txBody>
+          <a:bodyPr rtlCol="0" anchor="ctr"/>
+          <a:lstStyle/>
+          <a:p>
+            <a:pPr algn="ctr"/>
+            <a:r>
+              <a:rPr lang="es-ES" b="1" dirty="0">
+                <a:ln w="12700">
+                  <a:solidFill>
+                    <a:schemeClr val="accent1"/>
+                  </a:solidFill>
+                  <a:prstDash val="solid"/>
+                </a:ln>
+                <a:pattFill prst="pct50">
+                  <a:fgClr>
+                    <a:schemeClr val="accent1"/>
+                  </a:fgClr>
+                  <a:bgClr>
+                    <a:schemeClr val="accent1">
+                      <a:lumMod val="20000"/>
+                      <a:lumOff val="80000"/>
+                    </a:schemeClr>
+                  </a:bgClr>
+                </a:pattFill>
+                <a:effectLst>
+                  <a:outerShdw dist="38100" dir="2640000" algn="bl" rotWithShape="0">
+                    <a:schemeClr val="accent1"/>
+                  </a:outerShdw>
+                </a:effectLst>
+              </a:rPr>
+              <a:t>4</a:t>
+            </a:r>
+            <a:endParaRPr lang="es-PE" b="1" dirty="0">
+              <a:ln w="12700">
+                <a:solidFill>
+                  <a:schemeClr val="accent1"/>
+                </a:solidFill>
+                <a:prstDash val="solid"/>
+              </a:ln>
+              <a:pattFill prst="pct50">
+                <a:fgClr>
+                  <a:schemeClr val="accent1"/>
+                </a:fgClr>
+                <a:bgClr>
+                  <a:schemeClr val="accent1">
+                    <a:lumMod val="20000"/>
+                    <a:lumOff val="80000"/>
+                  </a:schemeClr>
+                </a:bgClr>
+              </a:pattFill>
+              <a:effectLst>
+                <a:outerShdw dist="38100" dir="2640000" algn="bl" rotWithShape="0">
+                  <a:schemeClr val="accent1"/>
+                </a:outerShdw>
+              </a:effectLst>
+            </a:endParaRPr>
+          </a:p>
+        </p:txBody>
+      </p:sp>
+      <p:sp>
+        <p:nvSpPr>
+          <p:cNvPr id="12" name="Rectángulo 11">
+            <a:extLst>
+              <a:ext uri="{FF2B5EF4-FFF2-40B4-BE49-F238E27FC236}">
+                <a16:creationId xmlns:a16="http://schemas.microsoft.com/office/drawing/2014/main" id="{4C943368-AE41-4214-8222-D2C949A8C616}"/>
+              </a:ext>
+            </a:extLst>
+          </p:cNvPr>
+          <p:cNvSpPr/>
+          <p:nvPr/>
+        </p:nvSpPr>
+        <p:spPr>
+          <a:xfrm>
+            <a:off x="9736025" y="3575211"/>
+            <a:ext cx="896645" cy="577049"/>
+          </a:xfrm>
+          <a:prstGeom prst="rect">
+            <a:avLst/>
+          </a:prstGeom>
+        </p:spPr>
+        <p:style>
+          <a:lnRef idx="3">
+            <a:schemeClr val="lt1"/>
+          </a:lnRef>
+          <a:fillRef idx="1">
+            <a:schemeClr val="accent5"/>
+          </a:fillRef>
+          <a:effectRef idx="1">
+            <a:schemeClr val="accent5"/>
+          </a:effectRef>
+          <a:fontRef idx="minor">
+            <a:schemeClr val="lt1"/>
+          </a:fontRef>
+        </p:style>
+        <p:txBody>
+          <a:bodyPr rtlCol="0" anchor="ctr"/>
+          <a:lstStyle/>
+          <a:p>
+            <a:pPr algn="ctr"/>
+            <a:r>
+              <a:rPr lang="es-ES" b="1" dirty="0">
+                <a:ln w="12700">
+                  <a:solidFill>
+                    <a:schemeClr val="accent1"/>
+                  </a:solidFill>
+                  <a:prstDash val="solid"/>
+                </a:ln>
+                <a:pattFill prst="pct50">
+                  <a:fgClr>
+                    <a:schemeClr val="accent1"/>
+                  </a:fgClr>
+                  <a:bgClr>
+                    <a:schemeClr val="accent1">
+                      <a:lumMod val="20000"/>
+                      <a:lumOff val="80000"/>
+                    </a:schemeClr>
+                  </a:bgClr>
+                </a:pattFill>
+                <a:effectLst>
+                  <a:outerShdw dist="38100" dir="2640000" algn="bl" rotWithShape="0">
+                    <a:schemeClr val="accent1"/>
+                  </a:outerShdw>
+                </a:effectLst>
+              </a:rPr>
+              <a:t>9</a:t>
+            </a:r>
+            <a:endParaRPr lang="es-PE" b="1" dirty="0">
+              <a:ln w="12700">
+                <a:solidFill>
+                  <a:schemeClr val="accent1"/>
+                </a:solidFill>
+                <a:prstDash val="solid"/>
+              </a:ln>
+              <a:pattFill prst="pct50">
+                <a:fgClr>
+                  <a:schemeClr val="accent1"/>
+                </a:fgClr>
+                <a:bgClr>
+                  <a:schemeClr val="accent1">
+                    <a:lumMod val="20000"/>
+                    <a:lumOff val="80000"/>
+                  </a:schemeClr>
+                </a:bgClr>
+              </a:pattFill>
+              <a:effectLst>
+                <a:outerShdw dist="38100" dir="2640000" algn="bl" rotWithShape="0">
+                  <a:schemeClr val="accent1"/>
+                </a:outerShdw>
+              </a:effectLst>
+            </a:endParaRPr>
+          </a:p>
+        </p:txBody>
+      </p:sp>
+    </p:spTree>
+    <p:extLst>
+      <p:ext uri="{BB962C8B-B14F-4D97-AF65-F5344CB8AC3E}">
+        <p14:creationId xmlns:p14="http://schemas.microsoft.com/office/powerpoint/2010/main" val="3345595907"/>
+      </p:ext>
+    </p:extLst>
+  </p:cSld>
+  <p:clrMapOvr>
+    <a:masterClrMapping/>
+  </p:clrMapOvr>
+</p:sld>
+</file>
+
+<file path=ppt/slides/slide6.xml><?xml version="1.0" encoding="utf-8"?>
+<p:sld xmlns:a="http://schemas.openxmlformats.org/drawingml/2006/main" xmlns:r="http://schemas.openxmlformats.org/officeDocument/2006/relationships" xmlns:p="http://schemas.openxmlformats.org/presentationml/2006/main">
+  <p:cSld>
+    <p:spTree>
+      <p:nvGrpSpPr>
+        <p:cNvPr id="1" name=""/>
+        <p:cNvGrpSpPr/>
+        <p:nvPr/>
+      </p:nvGrpSpPr>
+      <p:grpSpPr>
+        <a:xfrm>
+          <a:off x="0" y="0"/>
+          <a:ext cx="0" cy="0"/>
+          <a:chOff x="0" y="0"/>
+          <a:chExt cx="0" cy="0"/>
+        </a:xfrm>
+      </p:grpSpPr>
+      <p:sp>
+        <p:nvSpPr>
+          <p:cNvPr id="2" name="Título 1">
+            <a:extLst>
+              <a:ext uri="{FF2B5EF4-FFF2-40B4-BE49-F238E27FC236}">
+                <a16:creationId xmlns:a16="http://schemas.microsoft.com/office/drawing/2014/main" id="{586C68A4-78B5-4D4E-8721-37CBC2183D1D}"/>
+              </a:ext>
+            </a:extLst>
+          </p:cNvPr>
+          <p:cNvSpPr>
+            <a:spLocks noGrp="1"/>
+          </p:cNvSpPr>
+          <p:nvPr>
+            <p:ph type="title"/>
+          </p:nvPr>
+        </p:nvSpPr>
+        <p:spPr/>
+        <p:txBody>
+          <a:bodyPr/>
+          <a:lstStyle/>
+          <a:p>
+            <a:r>
+              <a:rPr lang="es-ES" dirty="0">
+                <a:solidFill>
+                  <a:schemeClr val="accent4">
+                    <a:lumMod val="40000"/>
+                    <a:lumOff val="60000"/>
+                  </a:schemeClr>
+                </a:solidFill>
+              </a:rPr>
+              <a:t>COMBINA</a:t>
+            </a:r>
+            <a:br>
+              <a:rPr lang="es-ES" dirty="0"/>
+            </a:br>
+            <a:endParaRPr lang="es-PE" dirty="0"/>
+          </a:p>
+        </p:txBody>
+      </p:sp>
+      <p:sp>
+        <p:nvSpPr>
+          <p:cNvPr id="3" name="Marcador de contenido 2">
+            <a:extLst>
+              <a:ext uri="{FF2B5EF4-FFF2-40B4-BE49-F238E27FC236}">
+                <a16:creationId xmlns:a16="http://schemas.microsoft.com/office/drawing/2014/main" id="{90049BB4-E9B1-4E7B-B107-9EBDD16F0330}"/>
+              </a:ext>
+            </a:extLst>
+          </p:cNvPr>
+          <p:cNvSpPr>
+            <a:spLocks noGrp="1"/>
+          </p:cNvSpPr>
+          <p:nvPr>
+            <p:ph idx="1"/>
+          </p:nvPr>
+        </p:nvSpPr>
+        <p:spPr/>
+        <p:txBody>
+          <a:bodyPr/>
+          <a:lstStyle/>
+          <a:p>
+            <a:endParaRPr lang="es-PE" dirty="0"/>
+          </a:p>
+        </p:txBody>
+      </p:sp>
+    </p:spTree>
+    <p:extLst>
+      <p:ext uri="{BB962C8B-B14F-4D97-AF65-F5344CB8AC3E}">
+        <p14:creationId xmlns:p14="http://schemas.microsoft.com/office/powerpoint/2010/main" val="3839238703"/>
       </p:ext>
     </p:extLst>
   </p:cSld>

--- a/bichota_exponiendo.pptx
+++ b/bichota_exponiendo.pptx
@@ -6820,7 +6820,7 @@
         </p:nvSpPr>
         <p:spPr>
           <a:xfrm>
-            <a:off x="1152518" y="3220079"/>
+            <a:off x="1218817" y="3175331"/>
             <a:ext cx="896645" cy="577049"/>
           </a:xfrm>
           <a:prstGeom prst="rect">
@@ -6914,7 +6914,7 @@
         </p:nvSpPr>
         <p:spPr>
           <a:xfrm>
-            <a:off x="3232818" y="3220080"/>
+            <a:off x="3232817" y="3175331"/>
             <a:ext cx="896645" cy="577049"/>
           </a:xfrm>
           <a:prstGeom prst="rect">
@@ -7008,7 +7008,7 @@
         </p:nvSpPr>
         <p:spPr>
           <a:xfrm>
-            <a:off x="5335529" y="3220079"/>
+            <a:off x="5350305" y="3175331"/>
             <a:ext cx="896645" cy="577049"/>
           </a:xfrm>
           <a:prstGeom prst="rect">
@@ -7102,7 +7102,7 @@
         </p:nvSpPr>
         <p:spPr>
           <a:xfrm>
-            <a:off x="7438241" y="3220079"/>
+            <a:off x="7415914" y="3172457"/>
             <a:ext cx="896645" cy="577049"/>
           </a:xfrm>
           <a:prstGeom prst="rect">
@@ -7196,7 +7196,7 @@
         </p:nvSpPr>
         <p:spPr>
           <a:xfrm>
-            <a:off x="9547966" y="3220079"/>
+            <a:off x="9511446" y="3172456"/>
             <a:ext cx="896645" cy="577049"/>
           </a:xfrm>
           <a:prstGeom prst="rect">
@@ -7276,6 +7276,182 @@
           </a:p>
         </p:txBody>
       </p:sp>
+      <p:sp>
+        <p:nvSpPr>
+          <p:cNvPr id="2" name="Flecha: a la izquierda y derecha 1">
+            <a:extLst>
+              <a:ext uri="{FF2B5EF4-FFF2-40B4-BE49-F238E27FC236}">
+                <a16:creationId xmlns:a16="http://schemas.microsoft.com/office/drawing/2014/main" id="{423697AD-0A51-43B7-B4BD-8CE40AAA450F}"/>
+              </a:ext>
+            </a:extLst>
+          </p:cNvPr>
+          <p:cNvSpPr/>
+          <p:nvPr/>
+        </p:nvSpPr>
+        <p:spPr>
+          <a:xfrm>
+            <a:off x="2281580" y="3349926"/>
+            <a:ext cx="603681" cy="168676"/>
+          </a:xfrm>
+          <a:prstGeom prst="leftRightArrow">
+            <a:avLst/>
+          </a:prstGeom>
+        </p:spPr>
+        <p:style>
+          <a:lnRef idx="1">
+            <a:schemeClr val="accent5"/>
+          </a:lnRef>
+          <a:fillRef idx="2">
+            <a:schemeClr val="accent5"/>
+          </a:fillRef>
+          <a:effectRef idx="1">
+            <a:schemeClr val="accent5"/>
+          </a:effectRef>
+          <a:fontRef idx="minor">
+            <a:schemeClr val="dk1"/>
+          </a:fontRef>
+        </p:style>
+        <p:txBody>
+          <a:bodyPr rtlCol="0" anchor="ctr"/>
+          <a:lstStyle/>
+          <a:p>
+            <a:pPr algn="ctr"/>
+            <a:endParaRPr lang="es-PE"/>
+          </a:p>
+        </p:txBody>
+      </p:sp>
+      <p:sp>
+        <p:nvSpPr>
+          <p:cNvPr id="10" name="Flecha: a la izquierda y derecha 9">
+            <a:extLst>
+              <a:ext uri="{FF2B5EF4-FFF2-40B4-BE49-F238E27FC236}">
+                <a16:creationId xmlns:a16="http://schemas.microsoft.com/office/drawing/2014/main" id="{5D6589F8-03A8-4CDB-80B2-8BFCCD68D848}"/>
+              </a:ext>
+            </a:extLst>
+          </p:cNvPr>
+          <p:cNvSpPr/>
+          <p:nvPr/>
+        </p:nvSpPr>
+        <p:spPr>
+          <a:xfrm>
+            <a:off x="8610162" y="3344662"/>
+            <a:ext cx="603681" cy="168676"/>
+          </a:xfrm>
+          <a:prstGeom prst="leftRightArrow">
+            <a:avLst/>
+          </a:prstGeom>
+        </p:spPr>
+        <p:style>
+          <a:lnRef idx="1">
+            <a:schemeClr val="accent5"/>
+          </a:lnRef>
+          <a:fillRef idx="2">
+            <a:schemeClr val="accent5"/>
+          </a:fillRef>
+          <a:effectRef idx="1">
+            <a:schemeClr val="accent5"/>
+          </a:effectRef>
+          <a:fontRef idx="minor">
+            <a:schemeClr val="dk1"/>
+          </a:fontRef>
+        </p:style>
+        <p:txBody>
+          <a:bodyPr rtlCol="0" anchor="ctr"/>
+          <a:lstStyle/>
+          <a:p>
+            <a:pPr algn="ctr"/>
+            <a:endParaRPr lang="es-PE"/>
+          </a:p>
+        </p:txBody>
+      </p:sp>
+      <p:sp>
+        <p:nvSpPr>
+          <p:cNvPr id="11" name="Flecha: a la izquierda y derecha 10">
+            <a:extLst>
+              <a:ext uri="{FF2B5EF4-FFF2-40B4-BE49-F238E27FC236}">
+                <a16:creationId xmlns:a16="http://schemas.microsoft.com/office/drawing/2014/main" id="{FEFC6A93-4974-4A3B-A581-9A52840FA3E0}"/>
+              </a:ext>
+            </a:extLst>
+          </p:cNvPr>
+          <p:cNvSpPr/>
+          <p:nvPr/>
+        </p:nvSpPr>
+        <p:spPr>
+          <a:xfrm>
+            <a:off x="6489240" y="3349926"/>
+            <a:ext cx="603681" cy="168676"/>
+          </a:xfrm>
+          <a:prstGeom prst="leftRightArrow">
+            <a:avLst/>
+          </a:prstGeom>
+        </p:spPr>
+        <p:style>
+          <a:lnRef idx="1">
+            <a:schemeClr val="accent5"/>
+          </a:lnRef>
+          <a:fillRef idx="2">
+            <a:schemeClr val="accent5"/>
+          </a:fillRef>
+          <a:effectRef idx="1">
+            <a:schemeClr val="accent5"/>
+          </a:effectRef>
+          <a:fontRef idx="minor">
+            <a:schemeClr val="dk1"/>
+          </a:fontRef>
+        </p:style>
+        <p:txBody>
+          <a:bodyPr rtlCol="0" anchor="ctr"/>
+          <a:lstStyle/>
+          <a:p>
+            <a:pPr algn="ctr"/>
+            <a:endParaRPr lang="es-PE"/>
+          </a:p>
+        </p:txBody>
+      </p:sp>
+      <p:sp>
+        <p:nvSpPr>
+          <p:cNvPr id="12" name="Flecha: a la izquierda y derecha 11">
+            <a:extLst>
+              <a:ext uri="{FF2B5EF4-FFF2-40B4-BE49-F238E27FC236}">
+                <a16:creationId xmlns:a16="http://schemas.microsoft.com/office/drawing/2014/main" id="{7D0F8229-00B0-45BB-BD18-0F45D4A3EB9C}"/>
+              </a:ext>
+            </a:extLst>
+          </p:cNvPr>
+          <p:cNvSpPr/>
+          <p:nvPr/>
+        </p:nvSpPr>
+        <p:spPr>
+          <a:xfrm>
+            <a:off x="4400470" y="3379518"/>
+            <a:ext cx="603681" cy="168676"/>
+          </a:xfrm>
+          <a:prstGeom prst="leftRightArrow">
+            <a:avLst/>
+          </a:prstGeom>
+        </p:spPr>
+        <p:style>
+          <a:lnRef idx="1">
+            <a:schemeClr val="accent5"/>
+          </a:lnRef>
+          <a:fillRef idx="2">
+            <a:schemeClr val="accent5"/>
+          </a:fillRef>
+          <a:effectRef idx="1">
+            <a:schemeClr val="accent5"/>
+          </a:effectRef>
+          <a:fontRef idx="minor">
+            <a:schemeClr val="dk1"/>
+          </a:fontRef>
+        </p:style>
+        <p:txBody>
+          <a:bodyPr rtlCol="0" anchor="ctr"/>
+          <a:lstStyle/>
+          <a:p>
+            <a:pPr algn="ctr"/>
+            <a:endParaRPr lang="es-PE" dirty="0"/>
+          </a:p>
+        </p:txBody>
+      </p:sp>
     </p:spTree>
     <p:extLst>
       <p:ext uri="{BB962C8B-B14F-4D97-AF65-F5344CB8AC3E}">
@@ -7289,6 +7465,874 @@
   <p:transition spd="slow">
     <p:wipe/>
   </p:transition>
+  <p:timing>
+    <p:tnLst>
+      <p:par>
+        <p:cTn id="1" dur="indefinite" restart="never" nodeType="tmRoot">
+          <p:childTnLst>
+            <p:seq concurrent="1" nextAc="seek">
+              <p:cTn id="2" dur="indefinite" nodeType="mainSeq">
+                <p:childTnLst>
+                  <p:par>
+                    <p:cTn id="3" fill="hold">
+                      <p:stCondLst>
+                        <p:cond delay="indefinite"/>
+                      </p:stCondLst>
+                      <p:childTnLst>
+                        <p:par>
+                          <p:cTn id="4" fill="hold">
+                            <p:stCondLst>
+                              <p:cond delay="0"/>
+                            </p:stCondLst>
+                            <p:childTnLst>
+                              <p:par>
+                                <p:cTn id="5" presetID="2" presetClass="entr" presetSubtype="4" fill="hold" grpId="0" nodeType="clickEffect">
+                                  <p:stCondLst>
+                                    <p:cond delay="0"/>
+                                  </p:stCondLst>
+                                  <p:childTnLst>
+                                    <p:set>
+                                      <p:cBhvr>
+                                        <p:cTn id="6" dur="1" fill="hold">
+                                          <p:stCondLst>
+                                            <p:cond delay="0"/>
+                                          </p:stCondLst>
+                                        </p:cTn>
+                                        <p:tgtEl>
+                                          <p:spTgt spid="14"/>
+                                        </p:tgtEl>
+                                        <p:attrNameLst>
+                                          <p:attrName>style.visibility</p:attrName>
+                                        </p:attrNameLst>
+                                      </p:cBhvr>
+                                      <p:to>
+                                        <p:strVal val="visible"/>
+                                      </p:to>
+                                    </p:set>
+                                    <p:anim calcmode="lin" valueType="num">
+                                      <p:cBhvr additive="base">
+                                        <p:cTn id="7" dur="500" fill="hold"/>
+                                        <p:tgtEl>
+                                          <p:spTgt spid="14"/>
+                                        </p:tgtEl>
+                                        <p:attrNameLst>
+                                          <p:attrName>ppt_x</p:attrName>
+                                        </p:attrNameLst>
+                                      </p:cBhvr>
+                                      <p:tavLst>
+                                        <p:tav tm="0">
+                                          <p:val>
+                                            <p:strVal val="#ppt_x"/>
+                                          </p:val>
+                                        </p:tav>
+                                        <p:tav tm="100000">
+                                          <p:val>
+                                            <p:strVal val="#ppt_x"/>
+                                          </p:val>
+                                        </p:tav>
+                                      </p:tavLst>
+                                    </p:anim>
+                                    <p:anim calcmode="lin" valueType="num">
+                                      <p:cBhvr additive="base">
+                                        <p:cTn id="8" dur="500" fill="hold"/>
+                                        <p:tgtEl>
+                                          <p:spTgt spid="14"/>
+                                        </p:tgtEl>
+                                        <p:attrNameLst>
+                                          <p:attrName>ppt_y</p:attrName>
+                                        </p:attrNameLst>
+                                      </p:cBhvr>
+                                      <p:tavLst>
+                                        <p:tav tm="0">
+                                          <p:val>
+                                            <p:strVal val="1+#ppt_h/2"/>
+                                          </p:val>
+                                        </p:tav>
+                                        <p:tav tm="100000">
+                                          <p:val>
+                                            <p:strVal val="#ppt_y"/>
+                                          </p:val>
+                                        </p:tav>
+                                      </p:tavLst>
+                                    </p:anim>
+                                  </p:childTnLst>
+                                </p:cTn>
+                              </p:par>
+                            </p:childTnLst>
+                          </p:cTn>
+                        </p:par>
+                      </p:childTnLst>
+                    </p:cTn>
+                  </p:par>
+                  <p:par>
+                    <p:cTn id="9" fill="hold">
+                      <p:stCondLst>
+                        <p:cond delay="indefinite"/>
+                      </p:stCondLst>
+                      <p:childTnLst>
+                        <p:par>
+                          <p:cTn id="10" fill="hold">
+                            <p:stCondLst>
+                              <p:cond delay="0"/>
+                            </p:stCondLst>
+                            <p:childTnLst>
+                              <p:par>
+                                <p:cTn id="11" presetID="42" presetClass="entr" presetSubtype="0" fill="hold" grpId="0" nodeType="clickEffect">
+                                  <p:stCondLst>
+                                    <p:cond delay="0"/>
+                                  </p:stCondLst>
+                                  <p:childTnLst>
+                                    <p:set>
+                                      <p:cBhvr>
+                                        <p:cTn id="12" dur="1" fill="hold">
+                                          <p:stCondLst>
+                                            <p:cond delay="0"/>
+                                          </p:stCondLst>
+                                        </p:cTn>
+                                        <p:tgtEl>
+                                          <p:spTgt spid="2"/>
+                                        </p:tgtEl>
+                                        <p:attrNameLst>
+                                          <p:attrName>style.visibility</p:attrName>
+                                        </p:attrNameLst>
+                                      </p:cBhvr>
+                                      <p:to>
+                                        <p:strVal val="visible"/>
+                                      </p:to>
+                                    </p:set>
+                                    <p:animEffect transition="in" filter="fade">
+                                      <p:cBhvr>
+                                        <p:cTn id="13" dur="1000"/>
+                                        <p:tgtEl>
+                                          <p:spTgt spid="2"/>
+                                        </p:tgtEl>
+                                      </p:cBhvr>
+                                    </p:animEffect>
+                                    <p:anim calcmode="lin" valueType="num">
+                                      <p:cBhvr>
+                                        <p:cTn id="14" dur="1000" fill="hold"/>
+                                        <p:tgtEl>
+                                          <p:spTgt spid="2"/>
+                                        </p:tgtEl>
+                                        <p:attrNameLst>
+                                          <p:attrName>ppt_x</p:attrName>
+                                        </p:attrNameLst>
+                                      </p:cBhvr>
+                                      <p:tavLst>
+                                        <p:tav tm="0">
+                                          <p:val>
+                                            <p:strVal val="#ppt_x"/>
+                                          </p:val>
+                                        </p:tav>
+                                        <p:tav tm="100000">
+                                          <p:val>
+                                            <p:strVal val="#ppt_x"/>
+                                          </p:val>
+                                        </p:tav>
+                                      </p:tavLst>
+                                    </p:anim>
+                                    <p:anim calcmode="lin" valueType="num">
+                                      <p:cBhvr>
+                                        <p:cTn id="15" dur="1000" fill="hold"/>
+                                        <p:tgtEl>
+                                          <p:spTgt spid="2"/>
+                                        </p:tgtEl>
+                                        <p:attrNameLst>
+                                          <p:attrName>ppt_y</p:attrName>
+                                        </p:attrNameLst>
+                                      </p:cBhvr>
+                                      <p:tavLst>
+                                        <p:tav tm="0">
+                                          <p:val>
+                                            <p:strVal val="#ppt_y+.1"/>
+                                          </p:val>
+                                        </p:tav>
+                                        <p:tav tm="100000">
+                                          <p:val>
+                                            <p:strVal val="#ppt_y"/>
+                                          </p:val>
+                                        </p:tav>
+                                      </p:tavLst>
+                                    </p:anim>
+                                  </p:childTnLst>
+                                </p:cTn>
+                              </p:par>
+                            </p:childTnLst>
+                          </p:cTn>
+                        </p:par>
+                      </p:childTnLst>
+                    </p:cTn>
+                  </p:par>
+                  <p:par>
+                    <p:cTn id="16" fill="hold">
+                      <p:stCondLst>
+                        <p:cond delay="indefinite"/>
+                      </p:stCondLst>
+                      <p:childTnLst>
+                        <p:par>
+                          <p:cTn id="17" fill="hold">
+                            <p:stCondLst>
+                              <p:cond delay="0"/>
+                            </p:stCondLst>
+                            <p:childTnLst>
+                              <p:par>
+                                <p:cTn id="18" presetID="2" presetClass="entr" presetSubtype="4" fill="hold" grpId="0" nodeType="clickEffect">
+                                  <p:stCondLst>
+                                    <p:cond delay="0"/>
+                                  </p:stCondLst>
+                                  <p:childTnLst>
+                                    <p:set>
+                                      <p:cBhvr>
+                                        <p:cTn id="19" dur="1" fill="hold">
+                                          <p:stCondLst>
+                                            <p:cond delay="0"/>
+                                          </p:stCondLst>
+                                        </p:cTn>
+                                        <p:tgtEl>
+                                          <p:spTgt spid="15"/>
+                                        </p:tgtEl>
+                                        <p:attrNameLst>
+                                          <p:attrName>style.visibility</p:attrName>
+                                        </p:attrNameLst>
+                                      </p:cBhvr>
+                                      <p:to>
+                                        <p:strVal val="visible"/>
+                                      </p:to>
+                                    </p:set>
+                                    <p:anim calcmode="lin" valueType="num">
+                                      <p:cBhvr additive="base">
+                                        <p:cTn id="20" dur="500" fill="hold"/>
+                                        <p:tgtEl>
+                                          <p:spTgt spid="15"/>
+                                        </p:tgtEl>
+                                        <p:attrNameLst>
+                                          <p:attrName>ppt_x</p:attrName>
+                                        </p:attrNameLst>
+                                      </p:cBhvr>
+                                      <p:tavLst>
+                                        <p:tav tm="0">
+                                          <p:val>
+                                            <p:strVal val="#ppt_x"/>
+                                          </p:val>
+                                        </p:tav>
+                                        <p:tav tm="100000">
+                                          <p:val>
+                                            <p:strVal val="#ppt_x"/>
+                                          </p:val>
+                                        </p:tav>
+                                      </p:tavLst>
+                                    </p:anim>
+                                    <p:anim calcmode="lin" valueType="num">
+                                      <p:cBhvr additive="base">
+                                        <p:cTn id="21" dur="500" fill="hold"/>
+                                        <p:tgtEl>
+                                          <p:spTgt spid="15"/>
+                                        </p:tgtEl>
+                                        <p:attrNameLst>
+                                          <p:attrName>ppt_y</p:attrName>
+                                        </p:attrNameLst>
+                                      </p:cBhvr>
+                                      <p:tavLst>
+                                        <p:tav tm="0">
+                                          <p:val>
+                                            <p:strVal val="1+#ppt_h/2"/>
+                                          </p:val>
+                                        </p:tav>
+                                        <p:tav tm="100000">
+                                          <p:val>
+                                            <p:strVal val="#ppt_y"/>
+                                          </p:val>
+                                        </p:tav>
+                                      </p:tavLst>
+                                    </p:anim>
+                                  </p:childTnLst>
+                                </p:cTn>
+                              </p:par>
+                            </p:childTnLst>
+                          </p:cTn>
+                        </p:par>
+                      </p:childTnLst>
+                    </p:cTn>
+                  </p:par>
+                  <p:par>
+                    <p:cTn id="22" fill="hold">
+                      <p:stCondLst>
+                        <p:cond delay="indefinite"/>
+                      </p:stCondLst>
+                      <p:childTnLst>
+                        <p:par>
+                          <p:cTn id="23" fill="hold">
+                            <p:stCondLst>
+                              <p:cond delay="0"/>
+                            </p:stCondLst>
+                            <p:childTnLst>
+                              <p:par>
+                                <p:cTn id="24" presetID="2" presetClass="entr" presetSubtype="4" fill="hold" grpId="0" nodeType="clickEffect">
+                                  <p:stCondLst>
+                                    <p:cond delay="0"/>
+                                  </p:stCondLst>
+                                  <p:childTnLst>
+                                    <p:set>
+                                      <p:cBhvr>
+                                        <p:cTn id="25" dur="1" fill="hold">
+                                          <p:stCondLst>
+                                            <p:cond delay="0"/>
+                                          </p:stCondLst>
+                                        </p:cTn>
+                                        <p:tgtEl>
+                                          <p:spTgt spid="12"/>
+                                        </p:tgtEl>
+                                        <p:attrNameLst>
+                                          <p:attrName>style.visibility</p:attrName>
+                                        </p:attrNameLst>
+                                      </p:cBhvr>
+                                      <p:to>
+                                        <p:strVal val="visible"/>
+                                      </p:to>
+                                    </p:set>
+                                    <p:anim calcmode="lin" valueType="num">
+                                      <p:cBhvr additive="base">
+                                        <p:cTn id="26" dur="500" fill="hold"/>
+                                        <p:tgtEl>
+                                          <p:spTgt spid="12"/>
+                                        </p:tgtEl>
+                                        <p:attrNameLst>
+                                          <p:attrName>ppt_x</p:attrName>
+                                        </p:attrNameLst>
+                                      </p:cBhvr>
+                                      <p:tavLst>
+                                        <p:tav tm="0">
+                                          <p:val>
+                                            <p:strVal val="#ppt_x"/>
+                                          </p:val>
+                                        </p:tav>
+                                        <p:tav tm="100000">
+                                          <p:val>
+                                            <p:strVal val="#ppt_x"/>
+                                          </p:val>
+                                        </p:tav>
+                                      </p:tavLst>
+                                    </p:anim>
+                                    <p:anim calcmode="lin" valueType="num">
+                                      <p:cBhvr additive="base">
+                                        <p:cTn id="27" dur="500" fill="hold"/>
+                                        <p:tgtEl>
+                                          <p:spTgt spid="12"/>
+                                        </p:tgtEl>
+                                        <p:attrNameLst>
+                                          <p:attrName>ppt_y</p:attrName>
+                                        </p:attrNameLst>
+                                      </p:cBhvr>
+                                      <p:tavLst>
+                                        <p:tav tm="0">
+                                          <p:val>
+                                            <p:strVal val="1+#ppt_h/2"/>
+                                          </p:val>
+                                        </p:tav>
+                                        <p:tav tm="100000">
+                                          <p:val>
+                                            <p:strVal val="#ppt_y"/>
+                                          </p:val>
+                                        </p:tav>
+                                      </p:tavLst>
+                                    </p:anim>
+                                  </p:childTnLst>
+                                </p:cTn>
+                              </p:par>
+                            </p:childTnLst>
+                          </p:cTn>
+                        </p:par>
+                      </p:childTnLst>
+                    </p:cTn>
+                  </p:par>
+                  <p:par>
+                    <p:cTn id="28" fill="hold">
+                      <p:stCondLst>
+                        <p:cond delay="indefinite"/>
+                      </p:stCondLst>
+                      <p:childTnLst>
+                        <p:par>
+                          <p:cTn id="29" fill="hold">
+                            <p:stCondLst>
+                              <p:cond delay="0"/>
+                            </p:stCondLst>
+                            <p:childTnLst>
+                              <p:par>
+                                <p:cTn id="30" presetID="2" presetClass="entr" presetSubtype="4" fill="hold" grpId="0" nodeType="clickEffect">
+                                  <p:stCondLst>
+                                    <p:cond delay="0"/>
+                                  </p:stCondLst>
+                                  <p:childTnLst>
+                                    <p:set>
+                                      <p:cBhvr>
+                                        <p:cTn id="31" dur="1" fill="hold">
+                                          <p:stCondLst>
+                                            <p:cond delay="0"/>
+                                          </p:stCondLst>
+                                        </p:cTn>
+                                        <p:tgtEl>
+                                          <p:spTgt spid="16"/>
+                                        </p:tgtEl>
+                                        <p:attrNameLst>
+                                          <p:attrName>style.visibility</p:attrName>
+                                        </p:attrNameLst>
+                                      </p:cBhvr>
+                                      <p:to>
+                                        <p:strVal val="visible"/>
+                                      </p:to>
+                                    </p:set>
+                                    <p:anim calcmode="lin" valueType="num">
+                                      <p:cBhvr additive="base">
+                                        <p:cTn id="32" dur="500" fill="hold"/>
+                                        <p:tgtEl>
+                                          <p:spTgt spid="16"/>
+                                        </p:tgtEl>
+                                        <p:attrNameLst>
+                                          <p:attrName>ppt_x</p:attrName>
+                                        </p:attrNameLst>
+                                      </p:cBhvr>
+                                      <p:tavLst>
+                                        <p:tav tm="0">
+                                          <p:val>
+                                            <p:strVal val="#ppt_x"/>
+                                          </p:val>
+                                        </p:tav>
+                                        <p:tav tm="100000">
+                                          <p:val>
+                                            <p:strVal val="#ppt_x"/>
+                                          </p:val>
+                                        </p:tav>
+                                      </p:tavLst>
+                                    </p:anim>
+                                    <p:anim calcmode="lin" valueType="num">
+                                      <p:cBhvr additive="base">
+                                        <p:cTn id="33" dur="500" fill="hold"/>
+                                        <p:tgtEl>
+                                          <p:spTgt spid="16"/>
+                                        </p:tgtEl>
+                                        <p:attrNameLst>
+                                          <p:attrName>ppt_y</p:attrName>
+                                        </p:attrNameLst>
+                                      </p:cBhvr>
+                                      <p:tavLst>
+                                        <p:tav tm="0">
+                                          <p:val>
+                                            <p:strVal val="1+#ppt_h/2"/>
+                                          </p:val>
+                                        </p:tav>
+                                        <p:tav tm="100000">
+                                          <p:val>
+                                            <p:strVal val="#ppt_y"/>
+                                          </p:val>
+                                        </p:tav>
+                                      </p:tavLst>
+                                    </p:anim>
+                                  </p:childTnLst>
+                                </p:cTn>
+                              </p:par>
+                            </p:childTnLst>
+                          </p:cTn>
+                        </p:par>
+                      </p:childTnLst>
+                    </p:cTn>
+                  </p:par>
+                  <p:par>
+                    <p:cTn id="34" fill="hold">
+                      <p:stCondLst>
+                        <p:cond delay="indefinite"/>
+                      </p:stCondLst>
+                      <p:childTnLst>
+                        <p:par>
+                          <p:cTn id="35" fill="hold">
+                            <p:stCondLst>
+                              <p:cond delay="0"/>
+                            </p:stCondLst>
+                            <p:childTnLst>
+                              <p:par>
+                                <p:cTn id="36" presetID="2" presetClass="entr" presetSubtype="4" fill="hold" grpId="0" nodeType="clickEffect">
+                                  <p:stCondLst>
+                                    <p:cond delay="0"/>
+                                  </p:stCondLst>
+                                  <p:childTnLst>
+                                    <p:set>
+                                      <p:cBhvr>
+                                        <p:cTn id="37" dur="1" fill="hold">
+                                          <p:stCondLst>
+                                            <p:cond delay="0"/>
+                                          </p:stCondLst>
+                                        </p:cTn>
+                                        <p:tgtEl>
+                                          <p:spTgt spid="11"/>
+                                        </p:tgtEl>
+                                        <p:attrNameLst>
+                                          <p:attrName>style.visibility</p:attrName>
+                                        </p:attrNameLst>
+                                      </p:cBhvr>
+                                      <p:to>
+                                        <p:strVal val="visible"/>
+                                      </p:to>
+                                    </p:set>
+                                    <p:anim calcmode="lin" valueType="num">
+                                      <p:cBhvr additive="base">
+                                        <p:cTn id="38" dur="500" fill="hold"/>
+                                        <p:tgtEl>
+                                          <p:spTgt spid="11"/>
+                                        </p:tgtEl>
+                                        <p:attrNameLst>
+                                          <p:attrName>ppt_x</p:attrName>
+                                        </p:attrNameLst>
+                                      </p:cBhvr>
+                                      <p:tavLst>
+                                        <p:tav tm="0">
+                                          <p:val>
+                                            <p:strVal val="#ppt_x"/>
+                                          </p:val>
+                                        </p:tav>
+                                        <p:tav tm="100000">
+                                          <p:val>
+                                            <p:strVal val="#ppt_x"/>
+                                          </p:val>
+                                        </p:tav>
+                                      </p:tavLst>
+                                    </p:anim>
+                                    <p:anim calcmode="lin" valueType="num">
+                                      <p:cBhvr additive="base">
+                                        <p:cTn id="39" dur="500" fill="hold"/>
+                                        <p:tgtEl>
+                                          <p:spTgt spid="11"/>
+                                        </p:tgtEl>
+                                        <p:attrNameLst>
+                                          <p:attrName>ppt_y</p:attrName>
+                                        </p:attrNameLst>
+                                      </p:cBhvr>
+                                      <p:tavLst>
+                                        <p:tav tm="0">
+                                          <p:val>
+                                            <p:strVal val="1+#ppt_h/2"/>
+                                          </p:val>
+                                        </p:tav>
+                                        <p:tav tm="100000">
+                                          <p:val>
+                                            <p:strVal val="#ppt_y"/>
+                                          </p:val>
+                                        </p:tav>
+                                      </p:tavLst>
+                                    </p:anim>
+                                  </p:childTnLst>
+                                </p:cTn>
+                              </p:par>
+                            </p:childTnLst>
+                          </p:cTn>
+                        </p:par>
+                      </p:childTnLst>
+                    </p:cTn>
+                  </p:par>
+                  <p:par>
+                    <p:cTn id="40" fill="hold">
+                      <p:stCondLst>
+                        <p:cond delay="indefinite"/>
+                      </p:stCondLst>
+                      <p:childTnLst>
+                        <p:par>
+                          <p:cTn id="41" fill="hold">
+                            <p:stCondLst>
+                              <p:cond delay="0"/>
+                            </p:stCondLst>
+                            <p:childTnLst>
+                              <p:par>
+                                <p:cTn id="42" presetID="2" presetClass="entr" presetSubtype="4" fill="hold" grpId="0" nodeType="clickEffect">
+                                  <p:stCondLst>
+                                    <p:cond delay="0"/>
+                                  </p:stCondLst>
+                                  <p:childTnLst>
+                                    <p:set>
+                                      <p:cBhvr>
+                                        <p:cTn id="43" dur="1" fill="hold">
+                                          <p:stCondLst>
+                                            <p:cond delay="0"/>
+                                          </p:stCondLst>
+                                        </p:cTn>
+                                        <p:tgtEl>
+                                          <p:spTgt spid="17"/>
+                                        </p:tgtEl>
+                                        <p:attrNameLst>
+                                          <p:attrName>style.visibility</p:attrName>
+                                        </p:attrNameLst>
+                                      </p:cBhvr>
+                                      <p:to>
+                                        <p:strVal val="visible"/>
+                                      </p:to>
+                                    </p:set>
+                                    <p:anim calcmode="lin" valueType="num">
+                                      <p:cBhvr additive="base">
+                                        <p:cTn id="44" dur="500" fill="hold"/>
+                                        <p:tgtEl>
+                                          <p:spTgt spid="17"/>
+                                        </p:tgtEl>
+                                        <p:attrNameLst>
+                                          <p:attrName>ppt_x</p:attrName>
+                                        </p:attrNameLst>
+                                      </p:cBhvr>
+                                      <p:tavLst>
+                                        <p:tav tm="0">
+                                          <p:val>
+                                            <p:strVal val="#ppt_x"/>
+                                          </p:val>
+                                        </p:tav>
+                                        <p:tav tm="100000">
+                                          <p:val>
+                                            <p:strVal val="#ppt_x"/>
+                                          </p:val>
+                                        </p:tav>
+                                      </p:tavLst>
+                                    </p:anim>
+                                    <p:anim calcmode="lin" valueType="num">
+                                      <p:cBhvr additive="base">
+                                        <p:cTn id="45" dur="500" fill="hold"/>
+                                        <p:tgtEl>
+                                          <p:spTgt spid="17"/>
+                                        </p:tgtEl>
+                                        <p:attrNameLst>
+                                          <p:attrName>ppt_y</p:attrName>
+                                        </p:attrNameLst>
+                                      </p:cBhvr>
+                                      <p:tavLst>
+                                        <p:tav tm="0">
+                                          <p:val>
+                                            <p:strVal val="1+#ppt_h/2"/>
+                                          </p:val>
+                                        </p:tav>
+                                        <p:tav tm="100000">
+                                          <p:val>
+                                            <p:strVal val="#ppt_y"/>
+                                          </p:val>
+                                        </p:tav>
+                                      </p:tavLst>
+                                    </p:anim>
+                                  </p:childTnLst>
+                                </p:cTn>
+                              </p:par>
+                            </p:childTnLst>
+                          </p:cTn>
+                        </p:par>
+                      </p:childTnLst>
+                    </p:cTn>
+                  </p:par>
+                  <p:par>
+                    <p:cTn id="46" fill="hold">
+                      <p:stCondLst>
+                        <p:cond delay="indefinite"/>
+                      </p:stCondLst>
+                      <p:childTnLst>
+                        <p:par>
+                          <p:cTn id="47" fill="hold">
+                            <p:stCondLst>
+                              <p:cond delay="0"/>
+                            </p:stCondLst>
+                            <p:childTnLst>
+                              <p:par>
+                                <p:cTn id="48" presetID="2" presetClass="entr" presetSubtype="4" fill="hold" grpId="0" nodeType="clickEffect">
+                                  <p:stCondLst>
+                                    <p:cond delay="0"/>
+                                  </p:stCondLst>
+                                  <p:childTnLst>
+                                    <p:set>
+                                      <p:cBhvr>
+                                        <p:cTn id="49" dur="1" fill="hold">
+                                          <p:stCondLst>
+                                            <p:cond delay="0"/>
+                                          </p:stCondLst>
+                                        </p:cTn>
+                                        <p:tgtEl>
+                                          <p:spTgt spid="10"/>
+                                        </p:tgtEl>
+                                        <p:attrNameLst>
+                                          <p:attrName>style.visibility</p:attrName>
+                                        </p:attrNameLst>
+                                      </p:cBhvr>
+                                      <p:to>
+                                        <p:strVal val="visible"/>
+                                      </p:to>
+                                    </p:set>
+                                    <p:anim calcmode="lin" valueType="num">
+                                      <p:cBhvr additive="base">
+                                        <p:cTn id="50" dur="500" fill="hold"/>
+                                        <p:tgtEl>
+                                          <p:spTgt spid="10"/>
+                                        </p:tgtEl>
+                                        <p:attrNameLst>
+                                          <p:attrName>ppt_x</p:attrName>
+                                        </p:attrNameLst>
+                                      </p:cBhvr>
+                                      <p:tavLst>
+                                        <p:tav tm="0">
+                                          <p:val>
+                                            <p:strVal val="#ppt_x"/>
+                                          </p:val>
+                                        </p:tav>
+                                        <p:tav tm="100000">
+                                          <p:val>
+                                            <p:strVal val="#ppt_x"/>
+                                          </p:val>
+                                        </p:tav>
+                                      </p:tavLst>
+                                    </p:anim>
+                                    <p:anim calcmode="lin" valueType="num">
+                                      <p:cBhvr additive="base">
+                                        <p:cTn id="51" dur="500" fill="hold"/>
+                                        <p:tgtEl>
+                                          <p:spTgt spid="10"/>
+                                        </p:tgtEl>
+                                        <p:attrNameLst>
+                                          <p:attrName>ppt_y</p:attrName>
+                                        </p:attrNameLst>
+                                      </p:cBhvr>
+                                      <p:tavLst>
+                                        <p:tav tm="0">
+                                          <p:val>
+                                            <p:strVal val="1+#ppt_h/2"/>
+                                          </p:val>
+                                        </p:tav>
+                                        <p:tav tm="100000">
+                                          <p:val>
+                                            <p:strVal val="#ppt_y"/>
+                                          </p:val>
+                                        </p:tav>
+                                      </p:tavLst>
+                                    </p:anim>
+                                  </p:childTnLst>
+                                </p:cTn>
+                              </p:par>
+                            </p:childTnLst>
+                          </p:cTn>
+                        </p:par>
+                      </p:childTnLst>
+                    </p:cTn>
+                  </p:par>
+                  <p:par>
+                    <p:cTn id="52" fill="hold">
+                      <p:stCondLst>
+                        <p:cond delay="indefinite"/>
+                      </p:stCondLst>
+                      <p:childTnLst>
+                        <p:par>
+                          <p:cTn id="53" fill="hold">
+                            <p:stCondLst>
+                              <p:cond delay="0"/>
+                            </p:stCondLst>
+                            <p:childTnLst>
+                              <p:par>
+                                <p:cTn id="54" presetID="2" presetClass="entr" presetSubtype="4" fill="hold" grpId="0" nodeType="clickEffect">
+                                  <p:stCondLst>
+                                    <p:cond delay="0"/>
+                                  </p:stCondLst>
+                                  <p:childTnLst>
+                                    <p:set>
+                                      <p:cBhvr>
+                                        <p:cTn id="55" dur="1" fill="hold">
+                                          <p:stCondLst>
+                                            <p:cond delay="0"/>
+                                          </p:stCondLst>
+                                        </p:cTn>
+                                        <p:tgtEl>
+                                          <p:spTgt spid="18"/>
+                                        </p:tgtEl>
+                                        <p:attrNameLst>
+                                          <p:attrName>style.visibility</p:attrName>
+                                        </p:attrNameLst>
+                                      </p:cBhvr>
+                                      <p:to>
+                                        <p:strVal val="visible"/>
+                                      </p:to>
+                                    </p:set>
+                                    <p:anim calcmode="lin" valueType="num">
+                                      <p:cBhvr additive="base">
+                                        <p:cTn id="56" dur="500" fill="hold"/>
+                                        <p:tgtEl>
+                                          <p:spTgt spid="18"/>
+                                        </p:tgtEl>
+                                        <p:attrNameLst>
+                                          <p:attrName>ppt_x</p:attrName>
+                                        </p:attrNameLst>
+                                      </p:cBhvr>
+                                      <p:tavLst>
+                                        <p:tav tm="0">
+                                          <p:val>
+                                            <p:strVal val="#ppt_x"/>
+                                          </p:val>
+                                        </p:tav>
+                                        <p:tav tm="100000">
+                                          <p:val>
+                                            <p:strVal val="#ppt_x"/>
+                                          </p:val>
+                                        </p:tav>
+                                      </p:tavLst>
+                                    </p:anim>
+                                    <p:anim calcmode="lin" valueType="num">
+                                      <p:cBhvr additive="base">
+                                        <p:cTn id="57" dur="500" fill="hold"/>
+                                        <p:tgtEl>
+                                          <p:spTgt spid="18"/>
+                                        </p:tgtEl>
+                                        <p:attrNameLst>
+                                          <p:attrName>ppt_y</p:attrName>
+                                        </p:attrNameLst>
+                                      </p:cBhvr>
+                                      <p:tavLst>
+                                        <p:tav tm="0">
+                                          <p:val>
+                                            <p:strVal val="1+#ppt_h/2"/>
+                                          </p:val>
+                                        </p:tav>
+                                        <p:tav tm="100000">
+                                          <p:val>
+                                            <p:strVal val="#ppt_y"/>
+                                          </p:val>
+                                        </p:tav>
+                                      </p:tavLst>
+                                    </p:anim>
+                                  </p:childTnLst>
+                                </p:cTn>
+                              </p:par>
+                            </p:childTnLst>
+                          </p:cTn>
+                        </p:par>
+                      </p:childTnLst>
+                    </p:cTn>
+                  </p:par>
+                </p:childTnLst>
+              </p:cTn>
+              <p:prevCondLst>
+                <p:cond evt="onPrev" delay="0">
+                  <p:tgtEl>
+                    <p:sldTgt/>
+                  </p:tgtEl>
+                </p:cond>
+              </p:prevCondLst>
+              <p:nextCondLst>
+                <p:cond evt="onNext" delay="0">
+                  <p:tgtEl>
+                    <p:sldTgt/>
+                  </p:tgtEl>
+                </p:cond>
+              </p:nextCondLst>
+            </p:seq>
+          </p:childTnLst>
+        </p:cTn>
+      </p:par>
+    </p:tnLst>
+    <p:bldLst>
+      <p:bldP spid="14" grpId="0" animBg="1"/>
+      <p:bldP spid="15" grpId="0" animBg="1"/>
+      <p:bldP spid="16" grpId="0" animBg="1"/>
+      <p:bldP spid="17" grpId="0" animBg="1"/>
+      <p:bldP spid="18" grpId="0" animBg="1"/>
+      <p:bldP spid="2" grpId="0" animBg="1"/>
+      <p:bldP spid="10" grpId="0" animBg="1"/>
+      <p:bldP spid="11" grpId="0" animBg="1"/>
+      <p:bldP spid="12" grpId="0" animBg="1"/>
+    </p:bldLst>
+  </p:timing>
 </p:sld>
 </file>
 
@@ -7311,98 +8355,6 @@
       </p:grpSpPr>
       <p:sp>
         <p:nvSpPr>
-          <p:cNvPr id="14" name="Rectángulo: esquinas redondeadas 13">
-            <a:extLst>
-              <a:ext uri="{FF2B5EF4-FFF2-40B4-BE49-F238E27FC236}">
-                <a16:creationId xmlns:a16="http://schemas.microsoft.com/office/drawing/2014/main" id="{54CB22E6-E5DF-4E47-8A71-1B066CDF63D5}"/>
-              </a:ext>
-            </a:extLst>
-          </p:cNvPr>
-          <p:cNvSpPr/>
-          <p:nvPr/>
-        </p:nvSpPr>
-        <p:spPr>
-          <a:xfrm>
-            <a:off x="5407338" y="3269672"/>
-            <a:ext cx="5560420" cy="1413163"/>
-          </a:xfrm>
-          <a:prstGeom prst="roundRect">
-            <a:avLst/>
-          </a:prstGeom>
-        </p:spPr>
-        <p:style>
-          <a:lnRef idx="2">
-            <a:schemeClr val="accent1">
-              <a:shade val="50000"/>
-            </a:schemeClr>
-          </a:lnRef>
-          <a:fillRef idx="1">
-            <a:schemeClr val="accent1"/>
-          </a:fillRef>
-          <a:effectRef idx="0">
-            <a:schemeClr val="accent1"/>
-          </a:effectRef>
-          <a:fontRef idx="minor">
-            <a:schemeClr val="lt1"/>
-          </a:fontRef>
-        </p:style>
-        <p:txBody>
-          <a:bodyPr rtlCol="0" anchor="ctr"/>
-          <a:lstStyle/>
-          <a:p>
-            <a:pPr algn="ctr"/>
-            <a:endParaRPr lang="es-PE"/>
-          </a:p>
-        </p:txBody>
-      </p:sp>
-      <p:sp>
-        <p:nvSpPr>
-          <p:cNvPr id="13" name="Rectángulo: esquinas redondeadas 12">
-            <a:extLst>
-              <a:ext uri="{FF2B5EF4-FFF2-40B4-BE49-F238E27FC236}">
-                <a16:creationId xmlns:a16="http://schemas.microsoft.com/office/drawing/2014/main" id="{590CF6CC-6F2B-4B06-BB2E-FAC3DCFD7DC1}"/>
-              </a:ext>
-            </a:extLst>
-          </p:cNvPr>
-          <p:cNvSpPr/>
-          <p:nvPr/>
-        </p:nvSpPr>
-        <p:spPr>
-          <a:xfrm>
-            <a:off x="783402" y="3269672"/>
-            <a:ext cx="3260436" cy="1413163"/>
-          </a:xfrm>
-          <a:prstGeom prst="roundRect">
-            <a:avLst/>
-          </a:prstGeom>
-        </p:spPr>
-        <p:style>
-          <a:lnRef idx="2">
-            <a:schemeClr val="accent1">
-              <a:shade val="50000"/>
-            </a:schemeClr>
-          </a:lnRef>
-          <a:fillRef idx="1">
-            <a:schemeClr val="accent1"/>
-          </a:fillRef>
-          <a:effectRef idx="0">
-            <a:schemeClr val="accent1"/>
-          </a:effectRef>
-          <a:fontRef idx="minor">
-            <a:schemeClr val="lt1"/>
-          </a:fontRef>
-        </p:style>
-        <p:txBody>
-          <a:bodyPr rtlCol="0" anchor="ctr"/>
-          <a:lstStyle/>
-          <a:p>
-            <a:pPr algn="ctr"/>
-            <a:endParaRPr lang="es-PE"/>
-          </a:p>
-        </p:txBody>
-      </p:sp>
-      <p:sp>
-        <p:nvSpPr>
           <p:cNvPr id="2" name="Título 1">
             <a:extLst>
               <a:ext uri="{FF2B5EF4-FFF2-40B4-BE49-F238E27FC236}">
@@ -7460,13 +8412,13 @@
             <p:ph idx="1"/>
             <p:extLst>
               <p:ext uri="{D42A27DB-BD31-4B8C-83A1-F6EECF244321}">
-                <p14:modId xmlns:p14="http://schemas.microsoft.com/office/powerpoint/2010/main" val="1575003844"/>
+                <p14:modId xmlns:p14="http://schemas.microsoft.com/office/powerpoint/2010/main" val="2289428854"/>
               </p:ext>
             </p:extLst>
           </p:nvPr>
         </p:nvGraphicFramePr>
         <p:xfrm>
-          <a:off x="785091" y="2446482"/>
+          <a:off x="783402" y="2231956"/>
           <a:ext cx="10353675" cy="370840"/>
         </p:xfrm>
         <a:graphic>
@@ -7598,48 +8550,395 @@
           </a:graphicData>
         </a:graphic>
       </p:graphicFrame>
-      <p:sp>
-        <p:nvSpPr>
-          <p:cNvPr id="8" name="Rectángulo 7">
+      <p:grpSp>
+        <p:nvGrpSpPr>
+          <p:cNvPr id="32" name="Grupo 31">
             <a:extLst>
               <a:ext uri="{FF2B5EF4-FFF2-40B4-BE49-F238E27FC236}">
-                <a16:creationId xmlns:a16="http://schemas.microsoft.com/office/drawing/2014/main" id="{D9306467-DF85-45FD-B477-DE5A6630E4EF}"/>
+                <a16:creationId xmlns:a16="http://schemas.microsoft.com/office/drawing/2014/main" id="{9E1D613E-49C5-48B7-AA32-BD121FB32B69}"/>
               </a:ext>
             </a:extLst>
           </p:cNvPr>
-          <p:cNvSpPr/>
+          <p:cNvGrpSpPr/>
           <p:nvPr/>
-        </p:nvSpPr>
-        <p:spPr>
+        </p:nvGrpSpPr>
+        <p:grpSpPr>
           <a:xfrm>
-            <a:off x="1050458" y="3575210"/>
-            <a:ext cx="896645" cy="577049"/>
+            <a:off x="913795" y="3548622"/>
+            <a:ext cx="10053963" cy="1413163"/>
+            <a:chOff x="913795" y="3548622"/>
+            <a:chExt cx="10053963" cy="1413163"/>
           </a:xfrm>
-          <a:prstGeom prst="rect">
-            <a:avLst/>
-          </a:prstGeom>
-        </p:spPr>
-        <p:style>
-          <a:lnRef idx="3">
-            <a:schemeClr val="lt1"/>
-          </a:lnRef>
-          <a:fillRef idx="1">
-            <a:schemeClr val="accent5"/>
-          </a:fillRef>
-          <a:effectRef idx="1">
-            <a:schemeClr val="accent5"/>
-          </a:effectRef>
-          <a:fontRef idx="minor">
-            <a:schemeClr val="lt1"/>
-          </a:fontRef>
-        </p:style>
-        <p:txBody>
-          <a:bodyPr rtlCol="0" anchor="ctr"/>
-          <a:lstStyle/>
-          <a:p>
-            <a:pPr algn="ctr"/>
-            <a:r>
-              <a:rPr lang="es-ES" b="1" dirty="0">
+        </p:grpSpPr>
+        <p:sp>
+          <p:nvSpPr>
+            <p:cNvPr id="14" name="Rectángulo: esquinas redondeadas 13">
+              <a:extLst>
+                <a:ext uri="{FF2B5EF4-FFF2-40B4-BE49-F238E27FC236}">
+                  <a16:creationId xmlns:a16="http://schemas.microsoft.com/office/drawing/2014/main" id="{54CB22E6-E5DF-4E47-8A71-1B066CDF63D5}"/>
+                </a:ext>
+              </a:extLst>
+            </p:cNvPr>
+            <p:cNvSpPr/>
+            <p:nvPr/>
+          </p:nvSpPr>
+          <p:spPr>
+            <a:xfrm>
+              <a:off x="5407338" y="3548622"/>
+              <a:ext cx="5560420" cy="1413163"/>
+            </a:xfrm>
+            <a:prstGeom prst="roundRect">
+              <a:avLst/>
+            </a:prstGeom>
+          </p:spPr>
+          <p:style>
+            <a:lnRef idx="2">
+              <a:schemeClr val="accent1">
+                <a:shade val="50000"/>
+              </a:schemeClr>
+            </a:lnRef>
+            <a:fillRef idx="1">
+              <a:schemeClr val="accent1"/>
+            </a:fillRef>
+            <a:effectRef idx="0">
+              <a:schemeClr val="accent1"/>
+            </a:effectRef>
+            <a:fontRef idx="minor">
+              <a:schemeClr val="lt1"/>
+            </a:fontRef>
+          </p:style>
+          <p:txBody>
+            <a:bodyPr rtlCol="0" anchor="ctr"/>
+            <a:lstStyle/>
+            <a:p>
+              <a:pPr algn="ctr"/>
+              <a:endParaRPr lang="es-PE"/>
+            </a:p>
+          </p:txBody>
+        </p:sp>
+        <p:grpSp>
+          <p:nvGrpSpPr>
+            <p:cNvPr id="31" name="Grupo 30">
+              <a:extLst>
+                <a:ext uri="{FF2B5EF4-FFF2-40B4-BE49-F238E27FC236}">
+                  <a16:creationId xmlns:a16="http://schemas.microsoft.com/office/drawing/2014/main" id="{10DE1805-E320-4DED-96FC-DB44B9FCED49}"/>
+                </a:ext>
+              </a:extLst>
+            </p:cNvPr>
+            <p:cNvGrpSpPr/>
+            <p:nvPr/>
+          </p:nvGrpSpPr>
+          <p:grpSpPr>
+            <a:xfrm>
+              <a:off x="913795" y="3548622"/>
+              <a:ext cx="3260436" cy="1413163"/>
+              <a:chOff x="913795" y="3548622"/>
+              <a:chExt cx="3260436" cy="1413163"/>
+            </a:xfrm>
+          </p:grpSpPr>
+          <p:sp>
+            <p:nvSpPr>
+              <p:cNvPr id="13" name="Rectángulo: esquinas redondeadas 12">
+                <a:extLst>
+                  <a:ext uri="{FF2B5EF4-FFF2-40B4-BE49-F238E27FC236}">
+                    <a16:creationId xmlns:a16="http://schemas.microsoft.com/office/drawing/2014/main" id="{590CF6CC-6F2B-4B06-BB2E-FAC3DCFD7DC1}"/>
+                  </a:ext>
+                </a:extLst>
+              </p:cNvPr>
+              <p:cNvSpPr/>
+              <p:nvPr/>
+            </p:nvSpPr>
+            <p:spPr>
+              <a:xfrm>
+                <a:off x="913795" y="3548622"/>
+                <a:ext cx="3260436" cy="1413163"/>
+              </a:xfrm>
+              <a:prstGeom prst="roundRect">
+                <a:avLst/>
+              </a:prstGeom>
+            </p:spPr>
+            <p:style>
+              <a:lnRef idx="2">
+                <a:schemeClr val="accent1">
+                  <a:shade val="50000"/>
+                </a:schemeClr>
+              </a:lnRef>
+              <a:fillRef idx="1">
+                <a:schemeClr val="accent1"/>
+              </a:fillRef>
+              <a:effectRef idx="0">
+                <a:schemeClr val="accent1"/>
+              </a:effectRef>
+              <a:fontRef idx="minor">
+                <a:schemeClr val="lt1"/>
+              </a:fontRef>
+            </p:style>
+            <p:txBody>
+              <a:bodyPr rtlCol="0" anchor="ctr"/>
+              <a:lstStyle/>
+              <a:p>
+                <a:pPr algn="ctr"/>
+                <a:endParaRPr lang="es-PE"/>
+              </a:p>
+            </p:txBody>
+          </p:sp>
+          <p:sp>
+            <p:nvSpPr>
+              <p:cNvPr id="8" name="Rectángulo 7">
+                <a:extLst>
+                  <a:ext uri="{FF2B5EF4-FFF2-40B4-BE49-F238E27FC236}">
+                    <a16:creationId xmlns:a16="http://schemas.microsoft.com/office/drawing/2014/main" id="{D9306467-DF85-45FD-B477-DE5A6630E4EF}"/>
+                  </a:ext>
+                </a:extLst>
+              </p:cNvPr>
+              <p:cNvSpPr/>
+              <p:nvPr/>
+            </p:nvSpPr>
+            <p:spPr>
+              <a:xfrm>
+                <a:off x="1346217" y="3863730"/>
+                <a:ext cx="896645" cy="577049"/>
+              </a:xfrm>
+              <a:prstGeom prst="rect">
+                <a:avLst/>
+              </a:prstGeom>
+            </p:spPr>
+            <p:style>
+              <a:lnRef idx="3">
+                <a:schemeClr val="lt1"/>
+              </a:lnRef>
+              <a:fillRef idx="1">
+                <a:schemeClr val="accent5"/>
+              </a:fillRef>
+              <a:effectRef idx="1">
+                <a:schemeClr val="accent5"/>
+              </a:effectRef>
+              <a:fontRef idx="minor">
+                <a:schemeClr val="lt1"/>
+              </a:fontRef>
+            </p:style>
+            <p:txBody>
+              <a:bodyPr rtlCol="0" anchor="ctr"/>
+              <a:lstStyle/>
+              <a:p>
+                <a:pPr algn="ctr"/>
+                <a:r>
+                  <a:rPr lang="es-ES" b="1" dirty="0">
+                    <a:ln w="12700">
+                      <a:solidFill>
+                        <a:schemeClr val="accent1"/>
+                      </a:solidFill>
+                      <a:prstDash val="solid"/>
+                    </a:ln>
+                    <a:pattFill prst="pct50">
+                      <a:fgClr>
+                        <a:schemeClr val="accent1"/>
+                      </a:fgClr>
+                      <a:bgClr>
+                        <a:schemeClr val="accent1">
+                          <a:lumMod val="20000"/>
+                          <a:lumOff val="80000"/>
+                        </a:schemeClr>
+                      </a:bgClr>
+                    </a:pattFill>
+                    <a:effectLst>
+                      <a:outerShdw dist="38100" dir="2640000" algn="bl" rotWithShape="0">
+                        <a:schemeClr val="accent1"/>
+                      </a:outerShdw>
+                    </a:effectLst>
+                  </a:rPr>
+                  <a:t>7</a:t>
+                </a:r>
+                <a:endParaRPr lang="es-PE" b="1" dirty="0">
+                  <a:ln w="12700">
+                    <a:solidFill>
+                      <a:schemeClr val="accent1"/>
+                    </a:solidFill>
+                    <a:prstDash val="solid"/>
+                  </a:ln>
+                  <a:pattFill prst="pct50">
+                    <a:fgClr>
+                      <a:schemeClr val="accent1"/>
+                    </a:fgClr>
+                    <a:bgClr>
+                      <a:schemeClr val="accent1">
+                        <a:lumMod val="20000"/>
+                        <a:lumOff val="80000"/>
+                      </a:schemeClr>
+                    </a:bgClr>
+                  </a:pattFill>
+                  <a:effectLst>
+                    <a:outerShdw dist="38100" dir="2640000" algn="bl" rotWithShape="0">
+                      <a:schemeClr val="accent1"/>
+                    </a:outerShdw>
+                  </a:effectLst>
+                </a:endParaRPr>
+              </a:p>
+            </p:txBody>
+          </p:sp>
+          <p:sp>
+            <p:nvSpPr>
+              <p:cNvPr id="9" name="Rectángulo 8">
+                <a:extLst>
+                  <a:ext uri="{FF2B5EF4-FFF2-40B4-BE49-F238E27FC236}">
+                    <a16:creationId xmlns:a16="http://schemas.microsoft.com/office/drawing/2014/main" id="{29F671A6-B8E1-4ADE-96EA-98833E24BF9B}"/>
+                  </a:ext>
+                </a:extLst>
+              </p:cNvPr>
+              <p:cNvSpPr/>
+              <p:nvPr/>
+            </p:nvSpPr>
+            <p:spPr>
+              <a:xfrm>
+                <a:off x="2761565" y="3863729"/>
+                <a:ext cx="896645" cy="577049"/>
+              </a:xfrm>
+              <a:prstGeom prst="rect">
+                <a:avLst/>
+              </a:prstGeom>
+            </p:spPr>
+            <p:style>
+              <a:lnRef idx="3">
+                <a:schemeClr val="lt1"/>
+              </a:lnRef>
+              <a:fillRef idx="1">
+                <a:schemeClr val="accent5"/>
+              </a:fillRef>
+              <a:effectRef idx="1">
+                <a:schemeClr val="accent5"/>
+              </a:effectRef>
+              <a:fontRef idx="minor">
+                <a:schemeClr val="lt1"/>
+              </a:fontRef>
+            </p:style>
+            <p:txBody>
+              <a:bodyPr rtlCol="0" anchor="ctr"/>
+              <a:lstStyle/>
+              <a:p>
+                <a:pPr algn="ctr"/>
+                <a:r>
+                  <a:rPr lang="es-ES" b="1" dirty="0">
+                    <a:ln w="12700">
+                      <a:solidFill>
+                        <a:schemeClr val="accent1"/>
+                      </a:solidFill>
+                      <a:prstDash val="solid"/>
+                    </a:ln>
+                    <a:pattFill prst="pct50">
+                      <a:fgClr>
+                        <a:schemeClr val="accent1"/>
+                      </a:fgClr>
+                      <a:bgClr>
+                        <a:schemeClr val="accent1">
+                          <a:lumMod val="20000"/>
+                          <a:lumOff val="80000"/>
+                        </a:schemeClr>
+                      </a:bgClr>
+                    </a:pattFill>
+                    <a:effectLst>
+                      <a:outerShdw dist="38100" dir="2640000" algn="bl" rotWithShape="0">
+                        <a:schemeClr val="accent1"/>
+                      </a:outerShdw>
+                    </a:effectLst>
+                  </a:rPr>
+                  <a:t>8</a:t>
+                </a:r>
+                <a:endParaRPr lang="es-PE" b="1" dirty="0">
+                  <a:ln w="12700">
+                    <a:solidFill>
+                      <a:schemeClr val="accent1"/>
+                    </a:solidFill>
+                    <a:prstDash val="solid"/>
+                  </a:ln>
+                  <a:pattFill prst="pct50">
+                    <a:fgClr>
+                      <a:schemeClr val="accent1"/>
+                    </a:fgClr>
+                    <a:bgClr>
+                      <a:schemeClr val="accent1">
+                        <a:lumMod val="20000"/>
+                        <a:lumOff val="80000"/>
+                      </a:schemeClr>
+                    </a:bgClr>
+                  </a:pattFill>
+                  <a:effectLst>
+                    <a:outerShdw dist="38100" dir="2640000" algn="bl" rotWithShape="0">
+                      <a:schemeClr val="accent1"/>
+                    </a:outerShdw>
+                  </a:effectLst>
+                </a:endParaRPr>
+              </a:p>
+            </p:txBody>
+          </p:sp>
+        </p:grpSp>
+        <p:sp>
+          <p:nvSpPr>
+            <p:cNvPr id="10" name="Rectángulo 9">
+              <a:extLst>
+                <a:ext uri="{FF2B5EF4-FFF2-40B4-BE49-F238E27FC236}">
+                  <a16:creationId xmlns:a16="http://schemas.microsoft.com/office/drawing/2014/main" id="{6049C4F5-3AAB-4D82-88CF-E35904E483AE}"/>
+                </a:ext>
+              </a:extLst>
+            </p:cNvPr>
+            <p:cNvSpPr/>
+            <p:nvPr/>
+          </p:nvSpPr>
+          <p:spPr>
+            <a:xfrm>
+              <a:off x="5960180" y="3863729"/>
+              <a:ext cx="896645" cy="577049"/>
+            </a:xfrm>
+            <a:prstGeom prst="rect">
+              <a:avLst/>
+            </a:prstGeom>
+          </p:spPr>
+          <p:style>
+            <a:lnRef idx="3">
+              <a:schemeClr val="lt1"/>
+            </a:lnRef>
+            <a:fillRef idx="1">
+              <a:schemeClr val="accent5"/>
+            </a:fillRef>
+            <a:effectRef idx="1">
+              <a:schemeClr val="accent5"/>
+            </a:effectRef>
+            <a:fontRef idx="minor">
+              <a:schemeClr val="lt1"/>
+            </a:fontRef>
+          </p:style>
+          <p:txBody>
+            <a:bodyPr rtlCol="0" anchor="ctr"/>
+            <a:lstStyle/>
+            <a:p>
+              <a:pPr algn="ctr"/>
+              <a:r>
+                <a:rPr lang="es-ES" b="1" dirty="0">
+                  <a:ln w="12700">
+                    <a:solidFill>
+                      <a:schemeClr val="accent1"/>
+                    </a:solidFill>
+                    <a:prstDash val="solid"/>
+                  </a:ln>
+                  <a:pattFill prst="pct50">
+                    <a:fgClr>
+                      <a:schemeClr val="accent1"/>
+                    </a:fgClr>
+                    <a:bgClr>
+                      <a:schemeClr val="accent1">
+                        <a:lumMod val="20000"/>
+                        <a:lumOff val="80000"/>
+                      </a:schemeClr>
+                    </a:bgClr>
+                  </a:pattFill>
+                  <a:effectLst>
+                    <a:outerShdw dist="38100" dir="2640000" algn="bl" rotWithShape="0">
+                      <a:schemeClr val="accent1"/>
+                    </a:outerShdw>
+                  </a:effectLst>
+                </a:rPr>
+                <a:t>2</a:t>
+              </a:r>
+              <a:endParaRPr lang="es-PE" b="1" dirty="0">
                 <a:ln w="12700">
                   <a:solidFill>
                     <a:schemeClr val="accent1"/>
@@ -7662,78 +8961,78 @@
                     <a:schemeClr val="accent1"/>
                   </a:outerShdw>
                 </a:effectLst>
-              </a:rPr>
-              <a:t>7</a:t>
-            </a:r>
-            <a:endParaRPr lang="es-PE" b="1" dirty="0">
-              <a:ln w="12700">
-                <a:solidFill>
-                  <a:schemeClr val="accent1"/>
-                </a:solidFill>
-                <a:prstDash val="solid"/>
-              </a:ln>
-              <a:pattFill prst="pct50">
-                <a:fgClr>
-                  <a:schemeClr val="accent1"/>
-                </a:fgClr>
-                <a:bgClr>
-                  <a:schemeClr val="accent1">
-                    <a:lumMod val="20000"/>
-                    <a:lumOff val="80000"/>
-                  </a:schemeClr>
-                </a:bgClr>
-              </a:pattFill>
-              <a:effectLst>
-                <a:outerShdw dist="38100" dir="2640000" algn="bl" rotWithShape="0">
-                  <a:schemeClr val="accent1"/>
-                </a:outerShdw>
-              </a:effectLst>
-            </a:endParaRPr>
-          </a:p>
-        </p:txBody>
-      </p:sp>
-      <p:sp>
-        <p:nvSpPr>
-          <p:cNvPr id="9" name="Rectángulo 8">
-            <a:extLst>
-              <a:ext uri="{FF2B5EF4-FFF2-40B4-BE49-F238E27FC236}">
-                <a16:creationId xmlns:a16="http://schemas.microsoft.com/office/drawing/2014/main" id="{29F671A6-B8E1-4ADE-96EA-98833E24BF9B}"/>
-              </a:ext>
-            </a:extLst>
-          </p:cNvPr>
-          <p:cNvSpPr/>
-          <p:nvPr/>
-        </p:nvSpPr>
-        <p:spPr>
-          <a:xfrm>
-            <a:off x="2598934" y="3575210"/>
-            <a:ext cx="896645" cy="577049"/>
-          </a:xfrm>
-          <a:prstGeom prst="rect">
-            <a:avLst/>
-          </a:prstGeom>
-        </p:spPr>
-        <p:style>
-          <a:lnRef idx="3">
-            <a:schemeClr val="lt1"/>
-          </a:lnRef>
-          <a:fillRef idx="1">
-            <a:schemeClr val="accent5"/>
-          </a:fillRef>
-          <a:effectRef idx="1">
-            <a:schemeClr val="accent5"/>
-          </a:effectRef>
-          <a:fontRef idx="minor">
-            <a:schemeClr val="lt1"/>
-          </a:fontRef>
-        </p:style>
-        <p:txBody>
-          <a:bodyPr rtlCol="0" anchor="ctr"/>
-          <a:lstStyle/>
-          <a:p>
-            <a:pPr algn="ctr"/>
-            <a:r>
-              <a:rPr lang="es-ES" b="1" dirty="0">
+              </a:endParaRPr>
+            </a:p>
+          </p:txBody>
+        </p:sp>
+        <p:sp>
+          <p:nvSpPr>
+            <p:cNvPr id="11" name="Rectángulo 10">
+              <a:extLst>
+                <a:ext uri="{FF2B5EF4-FFF2-40B4-BE49-F238E27FC236}">
+                  <a16:creationId xmlns:a16="http://schemas.microsoft.com/office/drawing/2014/main" id="{B88D03DE-9A3F-411C-9319-AF2349D74086}"/>
+                </a:ext>
+              </a:extLst>
+            </p:cNvPr>
+            <p:cNvSpPr/>
+            <p:nvPr/>
+          </p:nvSpPr>
+          <p:spPr>
+            <a:xfrm>
+              <a:off x="7709308" y="3863731"/>
+              <a:ext cx="896645" cy="577049"/>
+            </a:xfrm>
+            <a:prstGeom prst="rect">
+              <a:avLst/>
+            </a:prstGeom>
+          </p:spPr>
+          <p:style>
+            <a:lnRef idx="3">
+              <a:schemeClr val="lt1"/>
+            </a:lnRef>
+            <a:fillRef idx="1">
+              <a:schemeClr val="accent5"/>
+            </a:fillRef>
+            <a:effectRef idx="1">
+              <a:schemeClr val="accent5"/>
+            </a:effectRef>
+            <a:fontRef idx="minor">
+              <a:schemeClr val="lt1"/>
+            </a:fontRef>
+          </p:style>
+          <p:txBody>
+            <a:bodyPr rtlCol="0" anchor="ctr"/>
+            <a:lstStyle/>
+            <a:p>
+              <a:pPr algn="ctr"/>
+              <a:r>
+                <a:rPr lang="es-ES" b="1" dirty="0">
+                  <a:ln w="12700">
+                    <a:solidFill>
+                      <a:schemeClr val="accent1"/>
+                    </a:solidFill>
+                    <a:prstDash val="solid"/>
+                  </a:ln>
+                  <a:pattFill prst="pct50">
+                    <a:fgClr>
+                      <a:schemeClr val="accent1"/>
+                    </a:fgClr>
+                    <a:bgClr>
+                      <a:schemeClr val="accent1">
+                        <a:lumMod val="20000"/>
+                        <a:lumOff val="80000"/>
+                      </a:schemeClr>
+                    </a:bgClr>
+                  </a:pattFill>
+                  <a:effectLst>
+                    <a:outerShdw dist="38100" dir="2640000" algn="bl" rotWithShape="0">
+                      <a:schemeClr val="accent1"/>
+                    </a:outerShdw>
+                  </a:effectLst>
+                </a:rPr>
+                <a:t>4</a:t>
+              </a:r>
+              <a:endParaRPr lang="es-PE" b="1" dirty="0">
                 <a:ln w="12700">
                   <a:solidFill>
                     <a:schemeClr val="accent1"/>
@@ -7756,78 +9055,78 @@
                     <a:schemeClr val="accent1"/>
                   </a:outerShdw>
                 </a:effectLst>
-              </a:rPr>
-              <a:t>8</a:t>
-            </a:r>
-            <a:endParaRPr lang="es-PE" b="1" dirty="0">
-              <a:ln w="12700">
-                <a:solidFill>
-                  <a:schemeClr val="accent1"/>
-                </a:solidFill>
-                <a:prstDash val="solid"/>
-              </a:ln>
-              <a:pattFill prst="pct50">
-                <a:fgClr>
-                  <a:schemeClr val="accent1"/>
-                </a:fgClr>
-                <a:bgClr>
-                  <a:schemeClr val="accent1">
-                    <a:lumMod val="20000"/>
-                    <a:lumOff val="80000"/>
-                  </a:schemeClr>
-                </a:bgClr>
-              </a:pattFill>
-              <a:effectLst>
-                <a:outerShdw dist="38100" dir="2640000" algn="bl" rotWithShape="0">
-                  <a:schemeClr val="accent1"/>
-                </a:outerShdw>
-              </a:effectLst>
-            </a:endParaRPr>
-          </a:p>
-        </p:txBody>
-      </p:sp>
-      <p:sp>
-        <p:nvSpPr>
-          <p:cNvPr id="10" name="Rectángulo 9">
-            <a:extLst>
-              <a:ext uri="{FF2B5EF4-FFF2-40B4-BE49-F238E27FC236}">
-                <a16:creationId xmlns:a16="http://schemas.microsoft.com/office/drawing/2014/main" id="{6049C4F5-3AAB-4D82-88CF-E35904E483AE}"/>
-              </a:ext>
-            </a:extLst>
-          </p:cNvPr>
-          <p:cNvSpPr/>
-          <p:nvPr/>
-        </p:nvSpPr>
-        <p:spPr>
-          <a:xfrm>
-            <a:off x="5642352" y="3575210"/>
-            <a:ext cx="896645" cy="577049"/>
-          </a:xfrm>
-          <a:prstGeom prst="rect">
-            <a:avLst/>
-          </a:prstGeom>
-        </p:spPr>
-        <p:style>
-          <a:lnRef idx="3">
-            <a:schemeClr val="lt1"/>
-          </a:lnRef>
-          <a:fillRef idx="1">
-            <a:schemeClr val="accent5"/>
-          </a:fillRef>
-          <a:effectRef idx="1">
-            <a:schemeClr val="accent5"/>
-          </a:effectRef>
-          <a:fontRef idx="minor">
-            <a:schemeClr val="lt1"/>
-          </a:fontRef>
-        </p:style>
-        <p:txBody>
-          <a:bodyPr rtlCol="0" anchor="ctr"/>
-          <a:lstStyle/>
-          <a:p>
-            <a:pPr algn="ctr"/>
-            <a:r>
-              <a:rPr lang="es-ES" b="1" dirty="0">
+              </a:endParaRPr>
+            </a:p>
+          </p:txBody>
+        </p:sp>
+        <p:sp>
+          <p:nvSpPr>
+            <p:cNvPr id="12" name="Rectángulo 11">
+              <a:extLst>
+                <a:ext uri="{FF2B5EF4-FFF2-40B4-BE49-F238E27FC236}">
+                  <a16:creationId xmlns:a16="http://schemas.microsoft.com/office/drawing/2014/main" id="{4C943368-AE41-4214-8222-D2C949A8C616}"/>
+                </a:ext>
+              </a:extLst>
+            </p:cNvPr>
+            <p:cNvSpPr/>
+            <p:nvPr/>
+          </p:nvSpPr>
+          <p:spPr>
+            <a:xfrm>
+              <a:off x="9458436" y="3863729"/>
+              <a:ext cx="896645" cy="577049"/>
+            </a:xfrm>
+            <a:prstGeom prst="rect">
+              <a:avLst/>
+            </a:prstGeom>
+          </p:spPr>
+          <p:style>
+            <a:lnRef idx="3">
+              <a:schemeClr val="lt1"/>
+            </a:lnRef>
+            <a:fillRef idx="1">
+              <a:schemeClr val="accent5"/>
+            </a:fillRef>
+            <a:effectRef idx="1">
+              <a:schemeClr val="accent5"/>
+            </a:effectRef>
+            <a:fontRef idx="minor">
+              <a:schemeClr val="lt1"/>
+            </a:fontRef>
+          </p:style>
+          <p:txBody>
+            <a:bodyPr rtlCol="0" anchor="ctr"/>
+            <a:lstStyle/>
+            <a:p>
+              <a:pPr algn="ctr"/>
+              <a:r>
+                <a:rPr lang="es-ES" b="1" dirty="0">
+                  <a:ln w="12700">
+                    <a:solidFill>
+                      <a:schemeClr val="accent1"/>
+                    </a:solidFill>
+                    <a:prstDash val="solid"/>
+                  </a:ln>
+                  <a:pattFill prst="pct50">
+                    <a:fgClr>
+                      <a:schemeClr val="accent1"/>
+                    </a:fgClr>
+                    <a:bgClr>
+                      <a:schemeClr val="accent1">
+                        <a:lumMod val="20000"/>
+                        <a:lumOff val="80000"/>
+                      </a:schemeClr>
+                    </a:bgClr>
+                  </a:pattFill>
+                  <a:effectLst>
+                    <a:outerShdw dist="38100" dir="2640000" algn="bl" rotWithShape="0">
+                      <a:schemeClr val="accent1"/>
+                    </a:outerShdw>
+                  </a:effectLst>
+                </a:rPr>
+                <a:t>9</a:t>
+              </a:r>
+              <a:endParaRPr lang="es-PE" b="1" dirty="0">
                 <a:ln w="12700">
                   <a:solidFill>
                     <a:schemeClr val="accent1"/>
@@ -7850,78 +9149,754 @@
                     <a:schemeClr val="accent1"/>
                   </a:outerShdw>
                 </a:effectLst>
-              </a:rPr>
-              <a:t>2</a:t>
-            </a:r>
-            <a:endParaRPr lang="es-PE" b="1" dirty="0">
-              <a:ln w="12700">
-                <a:solidFill>
-                  <a:schemeClr val="accent1"/>
-                </a:solidFill>
-                <a:prstDash val="solid"/>
-              </a:ln>
-              <a:pattFill prst="pct50">
-                <a:fgClr>
-                  <a:schemeClr val="accent1"/>
-                </a:fgClr>
-                <a:bgClr>
-                  <a:schemeClr val="accent1">
-                    <a:lumMod val="20000"/>
-                    <a:lumOff val="80000"/>
-                  </a:schemeClr>
-                </a:bgClr>
-              </a:pattFill>
-              <a:effectLst>
-                <a:outerShdw dist="38100" dir="2640000" algn="bl" rotWithShape="0">
-                  <a:schemeClr val="accent1"/>
-                </a:outerShdw>
-              </a:effectLst>
-            </a:endParaRPr>
-          </a:p>
-        </p:txBody>
-      </p:sp>
-      <p:sp>
-        <p:nvSpPr>
-          <p:cNvPr id="11" name="Rectángulo 10">
+              </a:endParaRPr>
+            </a:p>
+          </p:txBody>
+        </p:sp>
+      </p:grpSp>
+      <p:grpSp>
+        <p:nvGrpSpPr>
+          <p:cNvPr id="33" name="Grupo 32">
             <a:extLst>
               <a:ext uri="{FF2B5EF4-FFF2-40B4-BE49-F238E27FC236}">
-                <a16:creationId xmlns:a16="http://schemas.microsoft.com/office/drawing/2014/main" id="{B88D03DE-9A3F-411C-9319-AF2349D74086}"/>
+                <a16:creationId xmlns:a16="http://schemas.microsoft.com/office/drawing/2014/main" id="{C4384E8A-1076-4C03-BB5E-9EA3E6CE0A48}"/>
               </a:ext>
             </a:extLst>
           </p:cNvPr>
-          <p:cNvSpPr/>
+          <p:cNvGrpSpPr/>
           <p:nvPr/>
-        </p:nvSpPr>
-        <p:spPr>
+        </p:nvGrpSpPr>
+        <p:grpSpPr>
           <a:xfrm>
-            <a:off x="7739226" y="3575210"/>
-            <a:ext cx="896645" cy="577049"/>
+            <a:off x="1794539" y="2520476"/>
+            <a:ext cx="7778319" cy="945826"/>
+            <a:chOff x="1794539" y="2520476"/>
+            <a:chExt cx="7778319" cy="945826"/>
           </a:xfrm>
-          <a:prstGeom prst="rect">
-            <a:avLst/>
-          </a:prstGeom>
-        </p:spPr>
-        <p:style>
-          <a:lnRef idx="3">
-            <a:schemeClr val="lt1"/>
-          </a:lnRef>
-          <a:fillRef idx="1">
-            <a:schemeClr val="accent5"/>
-          </a:fillRef>
-          <a:effectRef idx="1">
-            <a:schemeClr val="accent5"/>
-          </a:effectRef>
-          <a:fontRef idx="minor">
-            <a:schemeClr val="lt1"/>
-          </a:fontRef>
-        </p:style>
-        <p:txBody>
-          <a:bodyPr rtlCol="0" anchor="ctr"/>
+        </p:grpSpPr>
+        <p:cxnSp>
+          <p:nvCxnSpPr>
+            <p:cNvPr id="4" name="Conector recto de flecha 3">
+              <a:extLst>
+                <a:ext uri="{FF2B5EF4-FFF2-40B4-BE49-F238E27FC236}">
+                  <a16:creationId xmlns:a16="http://schemas.microsoft.com/office/drawing/2014/main" id="{907998F8-16D9-4223-80BD-340B51D4A877}"/>
+                </a:ext>
+              </a:extLst>
+            </p:cNvPr>
+            <p:cNvCxnSpPr>
+              <a:cxnSpLocks/>
+            </p:cNvCxnSpPr>
+            <p:nvPr/>
+          </p:nvCxnSpPr>
+          <p:spPr>
+            <a:xfrm>
+              <a:off x="1794539" y="2602796"/>
+              <a:ext cx="448323" cy="863506"/>
+            </a:xfrm>
+            <a:prstGeom prst="straightConnector1">
+              <a:avLst/>
+            </a:prstGeom>
+            <a:ln>
+              <a:tailEnd type="triangle"/>
+            </a:ln>
+          </p:spPr>
+          <p:style>
+            <a:lnRef idx="1">
+              <a:schemeClr val="accent1"/>
+            </a:lnRef>
+            <a:fillRef idx="0">
+              <a:schemeClr val="accent1"/>
+            </a:fillRef>
+            <a:effectRef idx="0">
+              <a:schemeClr val="accent1"/>
+            </a:effectRef>
+            <a:fontRef idx="minor">
+              <a:schemeClr val="tx1"/>
+            </a:fontRef>
+          </p:style>
+        </p:cxnSp>
+        <p:cxnSp>
+          <p:nvCxnSpPr>
+            <p:cNvPr id="15" name="Conector recto de flecha 14">
+              <a:extLst>
+                <a:ext uri="{FF2B5EF4-FFF2-40B4-BE49-F238E27FC236}">
+                  <a16:creationId xmlns:a16="http://schemas.microsoft.com/office/drawing/2014/main" id="{D1E2B728-E617-496F-A796-C027C5011864}"/>
+                </a:ext>
+              </a:extLst>
+            </p:cNvPr>
+            <p:cNvCxnSpPr>
+              <a:cxnSpLocks/>
+            </p:cNvCxnSpPr>
+            <p:nvPr/>
+          </p:nvCxnSpPr>
+          <p:spPr>
+            <a:xfrm flipH="1">
+              <a:off x="3253999" y="2602796"/>
+              <a:ext cx="616666" cy="863506"/>
+            </a:xfrm>
+            <a:prstGeom prst="straightConnector1">
+              <a:avLst/>
+            </a:prstGeom>
+            <a:ln>
+              <a:tailEnd type="triangle"/>
+            </a:ln>
+          </p:spPr>
+          <p:style>
+            <a:lnRef idx="1">
+              <a:schemeClr val="accent1"/>
+            </a:lnRef>
+            <a:fillRef idx="0">
+              <a:schemeClr val="accent1"/>
+            </a:fillRef>
+            <a:effectRef idx="0">
+              <a:schemeClr val="accent1"/>
+            </a:effectRef>
+            <a:fontRef idx="minor">
+              <a:schemeClr val="tx1"/>
+            </a:fontRef>
+          </p:style>
+        </p:cxnSp>
+        <p:cxnSp>
+          <p:nvCxnSpPr>
+            <p:cNvPr id="16" name="Conector recto de flecha 15">
+              <a:extLst>
+                <a:ext uri="{FF2B5EF4-FFF2-40B4-BE49-F238E27FC236}">
+                  <a16:creationId xmlns:a16="http://schemas.microsoft.com/office/drawing/2014/main" id="{98767AE6-7E43-4282-BB65-419E3CC59649}"/>
+                </a:ext>
+              </a:extLst>
+            </p:cNvPr>
+            <p:cNvCxnSpPr>
+              <a:cxnSpLocks/>
+            </p:cNvCxnSpPr>
+            <p:nvPr/>
+          </p:nvCxnSpPr>
+          <p:spPr>
+            <a:xfrm>
+              <a:off x="8069802" y="2602796"/>
+              <a:ext cx="0" cy="863506"/>
+            </a:xfrm>
+            <a:prstGeom prst="straightConnector1">
+              <a:avLst/>
+            </a:prstGeom>
+            <a:ln>
+              <a:tailEnd type="triangle"/>
+            </a:ln>
+          </p:spPr>
+          <p:style>
+            <a:lnRef idx="1">
+              <a:schemeClr val="accent1"/>
+            </a:lnRef>
+            <a:fillRef idx="0">
+              <a:schemeClr val="accent1"/>
+            </a:fillRef>
+            <a:effectRef idx="0">
+              <a:schemeClr val="accent1"/>
+            </a:effectRef>
+            <a:fontRef idx="minor">
+              <a:schemeClr val="tx1"/>
+            </a:fontRef>
+          </p:style>
+        </p:cxnSp>
+        <p:cxnSp>
+          <p:nvCxnSpPr>
+            <p:cNvPr id="17" name="Conector recto de flecha 16">
+              <a:extLst>
+                <a:ext uri="{FF2B5EF4-FFF2-40B4-BE49-F238E27FC236}">
+                  <a16:creationId xmlns:a16="http://schemas.microsoft.com/office/drawing/2014/main" id="{A1D1B7C6-771E-4FD1-9B46-57EFCC3C6C7A}"/>
+                </a:ext>
+              </a:extLst>
+            </p:cNvPr>
+            <p:cNvCxnSpPr>
+              <a:cxnSpLocks/>
+            </p:cNvCxnSpPr>
+            <p:nvPr/>
+          </p:nvCxnSpPr>
+          <p:spPr>
+            <a:xfrm>
+              <a:off x="6096000" y="2602796"/>
+              <a:ext cx="1144631" cy="863506"/>
+            </a:xfrm>
+            <a:prstGeom prst="straightConnector1">
+              <a:avLst/>
+            </a:prstGeom>
+            <a:ln>
+              <a:tailEnd type="triangle"/>
+            </a:ln>
+          </p:spPr>
+          <p:style>
+            <a:lnRef idx="1">
+              <a:schemeClr val="accent1"/>
+            </a:lnRef>
+            <a:fillRef idx="0">
+              <a:schemeClr val="accent1"/>
+            </a:fillRef>
+            <a:effectRef idx="0">
+              <a:schemeClr val="accent1"/>
+            </a:effectRef>
+            <a:fontRef idx="minor">
+              <a:schemeClr val="tx1"/>
+            </a:fontRef>
+          </p:style>
+        </p:cxnSp>
+        <p:cxnSp>
+          <p:nvCxnSpPr>
+            <p:cNvPr id="18" name="Conector recto de flecha 17">
+              <a:extLst>
+                <a:ext uri="{FF2B5EF4-FFF2-40B4-BE49-F238E27FC236}">
+                  <a16:creationId xmlns:a16="http://schemas.microsoft.com/office/drawing/2014/main" id="{6B372A15-1C79-40C5-96EF-053C0ADFAD51}"/>
+                </a:ext>
+              </a:extLst>
+            </p:cNvPr>
+            <p:cNvCxnSpPr>
+              <a:cxnSpLocks/>
+            </p:cNvCxnSpPr>
+            <p:nvPr/>
+          </p:nvCxnSpPr>
+          <p:spPr>
+            <a:xfrm flipH="1">
+              <a:off x="9188388" y="2520476"/>
+              <a:ext cx="384470" cy="945826"/>
+            </a:xfrm>
+            <a:prstGeom prst="straightConnector1">
+              <a:avLst/>
+            </a:prstGeom>
+            <a:ln>
+              <a:tailEnd type="triangle"/>
+            </a:ln>
+          </p:spPr>
+          <p:style>
+            <a:lnRef idx="1">
+              <a:schemeClr val="accent1"/>
+            </a:lnRef>
+            <a:fillRef idx="0">
+              <a:schemeClr val="accent1"/>
+            </a:fillRef>
+            <a:effectRef idx="0">
+              <a:schemeClr val="accent1"/>
+            </a:effectRef>
+            <a:fontRef idx="minor">
+              <a:schemeClr val="tx1"/>
+            </a:fontRef>
+          </p:style>
+        </p:cxnSp>
+      </p:grpSp>
+    </p:spTree>
+    <p:extLst>
+      <p:ext uri="{BB962C8B-B14F-4D97-AF65-F5344CB8AC3E}">
+        <p14:creationId xmlns:p14="http://schemas.microsoft.com/office/powerpoint/2010/main" val="3345595907"/>
+      </p:ext>
+    </p:extLst>
+  </p:cSld>
+  <p:clrMapOvr>
+    <a:masterClrMapping/>
+  </p:clrMapOvr>
+  <p:timing>
+    <p:tnLst>
+      <p:par>
+        <p:cTn id="1" dur="indefinite" restart="never" nodeType="tmRoot">
+          <p:childTnLst>
+            <p:seq concurrent="1" nextAc="seek">
+              <p:cTn id="2" dur="indefinite" nodeType="mainSeq">
+                <p:childTnLst>
+                  <p:par>
+                    <p:cTn id="3" fill="hold">
+                      <p:stCondLst>
+                        <p:cond delay="indefinite"/>
+                      </p:stCondLst>
+                      <p:childTnLst>
+                        <p:par>
+                          <p:cTn id="4" fill="hold">
+                            <p:stCondLst>
+                              <p:cond delay="0"/>
+                            </p:stCondLst>
+                            <p:childTnLst>
+                              <p:par>
+                                <p:cTn id="5" presetID="16" presetClass="entr" presetSubtype="21" fill="hold" grpId="0" nodeType="clickEffect">
+                                  <p:stCondLst>
+                                    <p:cond delay="0"/>
+                                  </p:stCondLst>
+                                  <p:childTnLst>
+                                    <p:set>
+                                      <p:cBhvr>
+                                        <p:cTn id="6" dur="1" fill="hold">
+                                          <p:stCondLst>
+                                            <p:cond delay="0"/>
+                                          </p:stCondLst>
+                                        </p:cTn>
+                                        <p:tgtEl>
+                                          <p:spTgt spid="2"/>
+                                        </p:tgtEl>
+                                        <p:attrNameLst>
+                                          <p:attrName>style.visibility</p:attrName>
+                                        </p:attrNameLst>
+                                      </p:cBhvr>
+                                      <p:to>
+                                        <p:strVal val="visible"/>
+                                      </p:to>
+                                    </p:set>
+                                    <p:animEffect transition="in" filter="barn(inVertical)">
+                                      <p:cBhvr>
+                                        <p:cTn id="7" dur="500"/>
+                                        <p:tgtEl>
+                                          <p:spTgt spid="2"/>
+                                        </p:tgtEl>
+                                      </p:cBhvr>
+                                    </p:animEffect>
+                                  </p:childTnLst>
+                                </p:cTn>
+                              </p:par>
+                            </p:childTnLst>
+                          </p:cTn>
+                        </p:par>
+                      </p:childTnLst>
+                    </p:cTn>
+                  </p:par>
+                  <p:par>
+                    <p:cTn id="8" fill="hold">
+                      <p:stCondLst>
+                        <p:cond delay="indefinite"/>
+                      </p:stCondLst>
+                      <p:childTnLst>
+                        <p:par>
+                          <p:cTn id="9" fill="hold">
+                            <p:stCondLst>
+                              <p:cond delay="0"/>
+                            </p:stCondLst>
+                            <p:childTnLst>
+                              <p:par>
+                                <p:cTn id="10" presetID="6" presetClass="entr" presetSubtype="16" fill="hold" nodeType="clickEffect">
+                                  <p:stCondLst>
+                                    <p:cond delay="0"/>
+                                  </p:stCondLst>
+                                  <p:childTnLst>
+                                    <p:set>
+                                      <p:cBhvr>
+                                        <p:cTn id="11" dur="1" fill="hold">
+                                          <p:stCondLst>
+                                            <p:cond delay="0"/>
+                                          </p:stCondLst>
+                                        </p:cTn>
+                                        <p:tgtEl>
+                                          <p:spTgt spid="7"/>
+                                        </p:tgtEl>
+                                        <p:attrNameLst>
+                                          <p:attrName>style.visibility</p:attrName>
+                                        </p:attrNameLst>
+                                      </p:cBhvr>
+                                      <p:to>
+                                        <p:strVal val="visible"/>
+                                      </p:to>
+                                    </p:set>
+                                    <p:animEffect transition="in" filter="circle(in)">
+                                      <p:cBhvr>
+                                        <p:cTn id="12" dur="2000"/>
+                                        <p:tgtEl>
+                                          <p:spTgt spid="7"/>
+                                        </p:tgtEl>
+                                      </p:cBhvr>
+                                    </p:animEffect>
+                                  </p:childTnLst>
+                                </p:cTn>
+                              </p:par>
+                            </p:childTnLst>
+                          </p:cTn>
+                        </p:par>
+                      </p:childTnLst>
+                    </p:cTn>
+                  </p:par>
+                  <p:par>
+                    <p:cTn id="13" fill="hold">
+                      <p:stCondLst>
+                        <p:cond delay="indefinite"/>
+                      </p:stCondLst>
+                      <p:childTnLst>
+                        <p:par>
+                          <p:cTn id="14" fill="hold">
+                            <p:stCondLst>
+                              <p:cond delay="0"/>
+                            </p:stCondLst>
+                            <p:childTnLst>
+                              <p:par>
+                                <p:cTn id="15" presetID="22" presetClass="entr" presetSubtype="4" fill="hold" nodeType="clickEffect">
+                                  <p:stCondLst>
+                                    <p:cond delay="0"/>
+                                  </p:stCondLst>
+                                  <p:childTnLst>
+                                    <p:set>
+                                      <p:cBhvr>
+                                        <p:cTn id="16" dur="1" fill="hold">
+                                          <p:stCondLst>
+                                            <p:cond delay="0"/>
+                                          </p:stCondLst>
+                                        </p:cTn>
+                                        <p:tgtEl>
+                                          <p:spTgt spid="32"/>
+                                        </p:tgtEl>
+                                        <p:attrNameLst>
+                                          <p:attrName>style.visibility</p:attrName>
+                                        </p:attrNameLst>
+                                      </p:cBhvr>
+                                      <p:to>
+                                        <p:strVal val="visible"/>
+                                      </p:to>
+                                    </p:set>
+                                    <p:animEffect transition="in" filter="wipe(down)">
+                                      <p:cBhvr>
+                                        <p:cTn id="17" dur="500"/>
+                                        <p:tgtEl>
+                                          <p:spTgt spid="32"/>
+                                        </p:tgtEl>
+                                      </p:cBhvr>
+                                    </p:animEffect>
+                                  </p:childTnLst>
+                                </p:cTn>
+                              </p:par>
+                            </p:childTnLst>
+                          </p:cTn>
+                        </p:par>
+                      </p:childTnLst>
+                    </p:cTn>
+                  </p:par>
+                  <p:par>
+                    <p:cTn id="18" fill="hold">
+                      <p:stCondLst>
+                        <p:cond delay="indefinite"/>
+                      </p:stCondLst>
+                      <p:childTnLst>
+                        <p:par>
+                          <p:cTn id="19" fill="hold">
+                            <p:stCondLst>
+                              <p:cond delay="0"/>
+                            </p:stCondLst>
+                            <p:childTnLst>
+                              <p:par>
+                                <p:cTn id="20" presetID="31" presetClass="entr" presetSubtype="0" fill="hold" nodeType="clickEffect">
+                                  <p:stCondLst>
+                                    <p:cond delay="0"/>
+                                  </p:stCondLst>
+                                  <p:childTnLst>
+                                    <p:set>
+                                      <p:cBhvr>
+                                        <p:cTn id="21" dur="1" fill="hold">
+                                          <p:stCondLst>
+                                            <p:cond delay="0"/>
+                                          </p:stCondLst>
+                                        </p:cTn>
+                                        <p:tgtEl>
+                                          <p:spTgt spid="33"/>
+                                        </p:tgtEl>
+                                        <p:attrNameLst>
+                                          <p:attrName>style.visibility</p:attrName>
+                                        </p:attrNameLst>
+                                      </p:cBhvr>
+                                      <p:to>
+                                        <p:strVal val="visible"/>
+                                      </p:to>
+                                    </p:set>
+                                    <p:anim calcmode="lin" valueType="num">
+                                      <p:cBhvr>
+                                        <p:cTn id="22" dur="1000" fill="hold"/>
+                                        <p:tgtEl>
+                                          <p:spTgt spid="33"/>
+                                        </p:tgtEl>
+                                        <p:attrNameLst>
+                                          <p:attrName>ppt_w</p:attrName>
+                                        </p:attrNameLst>
+                                      </p:cBhvr>
+                                      <p:tavLst>
+                                        <p:tav tm="0">
+                                          <p:val>
+                                            <p:fltVal val="0"/>
+                                          </p:val>
+                                        </p:tav>
+                                        <p:tav tm="100000">
+                                          <p:val>
+                                            <p:strVal val="#ppt_w"/>
+                                          </p:val>
+                                        </p:tav>
+                                      </p:tavLst>
+                                    </p:anim>
+                                    <p:anim calcmode="lin" valueType="num">
+                                      <p:cBhvr>
+                                        <p:cTn id="23" dur="1000" fill="hold"/>
+                                        <p:tgtEl>
+                                          <p:spTgt spid="33"/>
+                                        </p:tgtEl>
+                                        <p:attrNameLst>
+                                          <p:attrName>ppt_h</p:attrName>
+                                        </p:attrNameLst>
+                                      </p:cBhvr>
+                                      <p:tavLst>
+                                        <p:tav tm="0">
+                                          <p:val>
+                                            <p:fltVal val="0"/>
+                                          </p:val>
+                                        </p:tav>
+                                        <p:tav tm="100000">
+                                          <p:val>
+                                            <p:strVal val="#ppt_h"/>
+                                          </p:val>
+                                        </p:tav>
+                                      </p:tavLst>
+                                    </p:anim>
+                                    <p:anim calcmode="lin" valueType="num">
+                                      <p:cBhvr>
+                                        <p:cTn id="24" dur="1000" fill="hold"/>
+                                        <p:tgtEl>
+                                          <p:spTgt spid="33"/>
+                                        </p:tgtEl>
+                                        <p:attrNameLst>
+                                          <p:attrName>style.rotation</p:attrName>
+                                        </p:attrNameLst>
+                                      </p:cBhvr>
+                                      <p:tavLst>
+                                        <p:tav tm="0">
+                                          <p:val>
+                                            <p:fltVal val="90"/>
+                                          </p:val>
+                                        </p:tav>
+                                        <p:tav tm="100000">
+                                          <p:val>
+                                            <p:fltVal val="0"/>
+                                          </p:val>
+                                        </p:tav>
+                                      </p:tavLst>
+                                    </p:anim>
+                                    <p:animEffect transition="in" filter="fade">
+                                      <p:cBhvr>
+                                        <p:cTn id="25" dur="1000"/>
+                                        <p:tgtEl>
+                                          <p:spTgt spid="33"/>
+                                        </p:tgtEl>
+                                      </p:cBhvr>
+                                    </p:animEffect>
+                                  </p:childTnLst>
+                                </p:cTn>
+                              </p:par>
+                            </p:childTnLst>
+                          </p:cTn>
+                        </p:par>
+                      </p:childTnLst>
+                    </p:cTn>
+                  </p:par>
+                </p:childTnLst>
+              </p:cTn>
+              <p:prevCondLst>
+                <p:cond evt="onPrev" delay="0">
+                  <p:tgtEl>
+                    <p:sldTgt/>
+                  </p:tgtEl>
+                </p:cond>
+              </p:prevCondLst>
+              <p:nextCondLst>
+                <p:cond evt="onNext" delay="0">
+                  <p:tgtEl>
+                    <p:sldTgt/>
+                  </p:tgtEl>
+                </p:cond>
+              </p:nextCondLst>
+            </p:seq>
+          </p:childTnLst>
+        </p:cTn>
+      </p:par>
+    </p:tnLst>
+    <p:bldLst>
+      <p:bldP spid="2" grpId="0"/>
+    </p:bldLst>
+  </p:timing>
+</p:sld>
+</file>
+
+<file path=ppt/slides/slide6.xml><?xml version="1.0" encoding="utf-8"?>
+<p:sld xmlns:a="http://schemas.openxmlformats.org/drawingml/2006/main" xmlns:r="http://schemas.openxmlformats.org/officeDocument/2006/relationships" xmlns:p="http://schemas.openxmlformats.org/presentationml/2006/main">
+  <p:cSld>
+    <p:spTree>
+      <p:nvGrpSpPr>
+        <p:cNvPr id="1" name=""/>
+        <p:cNvGrpSpPr/>
+        <p:nvPr/>
+      </p:nvGrpSpPr>
+      <p:grpSpPr>
+        <a:xfrm>
+          <a:off x="0" y="0"/>
+          <a:ext cx="0" cy="0"/>
+          <a:chOff x="0" y="0"/>
+          <a:chExt cx="0" cy="0"/>
+        </a:xfrm>
+      </p:grpSpPr>
+      <p:sp>
+        <p:nvSpPr>
+          <p:cNvPr id="2" name="Título 1">
+            <a:extLst>
+              <a:ext uri="{FF2B5EF4-FFF2-40B4-BE49-F238E27FC236}">
+                <a16:creationId xmlns:a16="http://schemas.microsoft.com/office/drawing/2014/main" id="{586C68A4-78B5-4D4E-8721-37CBC2183D1D}"/>
+              </a:ext>
+            </a:extLst>
+          </p:cNvPr>
+          <p:cNvSpPr>
+            <a:spLocks noGrp="1"/>
+          </p:cNvSpPr>
+          <p:nvPr>
+            <p:ph type="title"/>
+          </p:nvPr>
+        </p:nvSpPr>
+        <p:spPr/>
+        <p:txBody>
+          <a:bodyPr/>
           <a:lstStyle/>
           <a:p>
-            <a:pPr algn="ctr"/>
-            <a:r>
-              <a:rPr lang="es-ES" b="1" dirty="0">
+            <a:r>
+              <a:rPr lang="es-ES" dirty="0">
+                <a:solidFill>
+                  <a:schemeClr val="accent4">
+                    <a:lumMod val="40000"/>
+                    <a:lumOff val="60000"/>
+                  </a:schemeClr>
+                </a:solidFill>
+              </a:rPr>
+              <a:t>COMBINA</a:t>
+            </a:r>
+            <a:br>
+              <a:rPr lang="es-ES" dirty="0"/>
+            </a:br>
+            <a:endParaRPr lang="es-PE" dirty="0"/>
+          </a:p>
+        </p:txBody>
+      </p:sp>
+      <p:grpSp>
+        <p:nvGrpSpPr>
+          <p:cNvPr id="13" name="Grupo 12">
+            <a:extLst>
+              <a:ext uri="{FF2B5EF4-FFF2-40B4-BE49-F238E27FC236}">
+                <a16:creationId xmlns:a16="http://schemas.microsoft.com/office/drawing/2014/main" id="{76607D97-4D92-42CE-815D-EB62D009CD33}"/>
+              </a:ext>
+            </a:extLst>
+          </p:cNvPr>
+          <p:cNvGrpSpPr/>
+          <p:nvPr/>
+        </p:nvGrpSpPr>
+        <p:grpSpPr>
+          <a:xfrm>
+            <a:off x="6090675" y="1722637"/>
+            <a:ext cx="4571407" cy="1413163"/>
+            <a:chOff x="6090675" y="1722637"/>
+            <a:chExt cx="4571407" cy="1413163"/>
+          </a:xfrm>
+        </p:grpSpPr>
+        <p:sp>
+          <p:nvSpPr>
+            <p:cNvPr id="10" name="Rectángulo: esquinas redondeadas 9">
+              <a:extLst>
+                <a:ext uri="{FF2B5EF4-FFF2-40B4-BE49-F238E27FC236}">
+                  <a16:creationId xmlns:a16="http://schemas.microsoft.com/office/drawing/2014/main" id="{B0ADD06E-F006-4004-B2DF-40264E850494}"/>
+                </a:ext>
+              </a:extLst>
+            </p:cNvPr>
+            <p:cNvSpPr/>
+            <p:nvPr/>
+          </p:nvSpPr>
+          <p:spPr>
+            <a:xfrm>
+              <a:off x="6090675" y="1722637"/>
+              <a:ext cx="4571407" cy="1413163"/>
+            </a:xfrm>
+            <a:prstGeom prst="roundRect">
+              <a:avLst/>
+            </a:prstGeom>
+          </p:spPr>
+          <p:style>
+            <a:lnRef idx="2">
+              <a:schemeClr val="accent1">
+                <a:shade val="50000"/>
+              </a:schemeClr>
+            </a:lnRef>
+            <a:fillRef idx="1">
+              <a:schemeClr val="accent1"/>
+            </a:fillRef>
+            <a:effectRef idx="0">
+              <a:schemeClr val="accent1"/>
+            </a:effectRef>
+            <a:fontRef idx="minor">
+              <a:schemeClr val="lt1"/>
+            </a:fontRef>
+          </p:style>
+          <p:txBody>
+            <a:bodyPr rtlCol="0" anchor="ctr"/>
+            <a:lstStyle/>
+            <a:p>
+              <a:pPr algn="ctr"/>
+              <a:endParaRPr lang="es-PE"/>
+            </a:p>
+          </p:txBody>
+        </p:sp>
+        <p:sp>
+          <p:nvSpPr>
+            <p:cNvPr id="5" name="Rectángulo 4">
+              <a:extLst>
+                <a:ext uri="{FF2B5EF4-FFF2-40B4-BE49-F238E27FC236}">
+                  <a16:creationId xmlns:a16="http://schemas.microsoft.com/office/drawing/2014/main" id="{D6DB9F90-E31E-4404-A30C-94A822539487}"/>
+                </a:ext>
+              </a:extLst>
+            </p:cNvPr>
+            <p:cNvSpPr/>
+            <p:nvPr/>
+          </p:nvSpPr>
+          <p:spPr>
+            <a:xfrm>
+              <a:off x="9319845" y="2140695"/>
+              <a:ext cx="896645" cy="577049"/>
+            </a:xfrm>
+            <a:prstGeom prst="rect">
+              <a:avLst/>
+            </a:prstGeom>
+          </p:spPr>
+          <p:style>
+            <a:lnRef idx="3">
+              <a:schemeClr val="lt1"/>
+            </a:lnRef>
+            <a:fillRef idx="1">
+              <a:schemeClr val="accent5"/>
+            </a:fillRef>
+            <a:effectRef idx="1">
+              <a:schemeClr val="accent5"/>
+            </a:effectRef>
+            <a:fontRef idx="minor">
+              <a:schemeClr val="lt1"/>
+            </a:fontRef>
+          </p:style>
+          <p:txBody>
+            <a:bodyPr rtlCol="0" anchor="ctr"/>
+            <a:lstStyle/>
+            <a:p>
+              <a:pPr algn="ctr"/>
+              <a:r>
+                <a:rPr lang="es-ES" b="1" dirty="0">
+                  <a:ln w="12700">
+                    <a:solidFill>
+                      <a:schemeClr val="accent1"/>
+                    </a:solidFill>
+                    <a:prstDash val="solid"/>
+                  </a:ln>
+                  <a:pattFill prst="pct50">
+                    <a:fgClr>
+                      <a:schemeClr val="accent1"/>
+                    </a:fgClr>
+                    <a:bgClr>
+                      <a:schemeClr val="accent1">
+                        <a:lumMod val="20000"/>
+                        <a:lumOff val="80000"/>
+                      </a:schemeClr>
+                    </a:bgClr>
+                  </a:pattFill>
+                  <a:effectLst>
+                    <a:outerShdw dist="38100" dir="2640000" algn="bl" rotWithShape="0">
+                      <a:schemeClr val="accent1"/>
+                    </a:outerShdw>
+                  </a:effectLst>
+                </a:rPr>
+                <a:t>9</a:t>
+              </a:r>
+              <a:endParaRPr lang="es-PE" b="1" dirty="0">
                 <a:ln w="12700">
                   <a:solidFill>
                     <a:schemeClr val="accent1"/>
@@ -7944,78 +9919,78 @@
                     <a:schemeClr val="accent1"/>
                   </a:outerShdw>
                 </a:effectLst>
-              </a:rPr>
-              <a:t>4</a:t>
-            </a:r>
-            <a:endParaRPr lang="es-PE" b="1" dirty="0">
-              <a:ln w="12700">
-                <a:solidFill>
-                  <a:schemeClr val="accent1"/>
-                </a:solidFill>
-                <a:prstDash val="solid"/>
-              </a:ln>
-              <a:pattFill prst="pct50">
-                <a:fgClr>
-                  <a:schemeClr val="accent1"/>
-                </a:fgClr>
-                <a:bgClr>
-                  <a:schemeClr val="accent1">
-                    <a:lumMod val="20000"/>
-                    <a:lumOff val="80000"/>
-                  </a:schemeClr>
-                </a:bgClr>
-              </a:pattFill>
-              <a:effectLst>
-                <a:outerShdw dist="38100" dir="2640000" algn="bl" rotWithShape="0">
-                  <a:schemeClr val="accent1"/>
-                </a:outerShdw>
-              </a:effectLst>
-            </a:endParaRPr>
-          </a:p>
-        </p:txBody>
-      </p:sp>
-      <p:sp>
-        <p:nvSpPr>
-          <p:cNvPr id="12" name="Rectángulo 11">
-            <a:extLst>
-              <a:ext uri="{FF2B5EF4-FFF2-40B4-BE49-F238E27FC236}">
-                <a16:creationId xmlns:a16="http://schemas.microsoft.com/office/drawing/2014/main" id="{4C943368-AE41-4214-8222-D2C949A8C616}"/>
-              </a:ext>
-            </a:extLst>
-          </p:cNvPr>
-          <p:cNvSpPr/>
-          <p:nvPr/>
-        </p:nvSpPr>
-        <p:spPr>
-          <a:xfrm>
-            <a:off x="9736025" y="3575211"/>
-            <a:ext cx="896645" cy="577049"/>
-          </a:xfrm>
-          <a:prstGeom prst="rect">
-            <a:avLst/>
-          </a:prstGeom>
-        </p:spPr>
-        <p:style>
-          <a:lnRef idx="3">
-            <a:schemeClr val="lt1"/>
-          </a:lnRef>
-          <a:fillRef idx="1">
-            <a:schemeClr val="accent5"/>
-          </a:fillRef>
-          <a:effectRef idx="1">
-            <a:schemeClr val="accent5"/>
-          </a:effectRef>
-          <a:fontRef idx="minor">
-            <a:schemeClr val="lt1"/>
-          </a:fontRef>
-        </p:style>
-        <p:txBody>
-          <a:bodyPr rtlCol="0" anchor="ctr"/>
-          <a:lstStyle/>
-          <a:p>
-            <a:pPr algn="ctr"/>
-            <a:r>
-              <a:rPr lang="es-ES" b="1" dirty="0">
+              </a:endParaRPr>
+            </a:p>
+          </p:txBody>
+        </p:sp>
+        <p:sp>
+          <p:nvSpPr>
+            <p:cNvPr id="6" name="Rectángulo 5">
+              <a:extLst>
+                <a:ext uri="{FF2B5EF4-FFF2-40B4-BE49-F238E27FC236}">
+                  <a16:creationId xmlns:a16="http://schemas.microsoft.com/office/drawing/2014/main" id="{AB9517A4-96D2-4C8C-A8C9-69DB55FD699B}"/>
+                </a:ext>
+              </a:extLst>
+            </p:cNvPr>
+            <p:cNvSpPr/>
+            <p:nvPr/>
+          </p:nvSpPr>
+          <p:spPr>
+            <a:xfrm>
+              <a:off x="7910653" y="2140695"/>
+              <a:ext cx="896645" cy="577049"/>
+            </a:xfrm>
+            <a:prstGeom prst="rect">
+              <a:avLst/>
+            </a:prstGeom>
+          </p:spPr>
+          <p:style>
+            <a:lnRef idx="3">
+              <a:schemeClr val="lt1"/>
+            </a:lnRef>
+            <a:fillRef idx="1">
+              <a:schemeClr val="accent5"/>
+            </a:fillRef>
+            <a:effectRef idx="1">
+              <a:schemeClr val="accent5"/>
+            </a:effectRef>
+            <a:fontRef idx="minor">
+              <a:schemeClr val="lt1"/>
+            </a:fontRef>
+          </p:style>
+          <p:txBody>
+            <a:bodyPr rtlCol="0" anchor="ctr"/>
+            <a:lstStyle/>
+            <a:p>
+              <a:pPr algn="ctr"/>
+              <a:r>
+                <a:rPr lang="es-ES" b="1" dirty="0">
+                  <a:ln w="12700">
+                    <a:solidFill>
+                      <a:schemeClr val="accent1"/>
+                    </a:solidFill>
+                    <a:prstDash val="solid"/>
+                  </a:ln>
+                  <a:pattFill prst="pct50">
+                    <a:fgClr>
+                      <a:schemeClr val="accent1"/>
+                    </a:fgClr>
+                    <a:bgClr>
+                      <a:schemeClr val="accent1">
+                        <a:lumMod val="20000"/>
+                        <a:lumOff val="80000"/>
+                      </a:schemeClr>
+                    </a:bgClr>
+                  </a:pattFill>
+                  <a:effectLst>
+                    <a:outerShdw dist="38100" dir="2640000" algn="bl" rotWithShape="0">
+                      <a:schemeClr val="accent1"/>
+                    </a:outerShdw>
+                  </a:effectLst>
+                </a:rPr>
+                <a:t>4</a:t>
+              </a:r>
+              <a:endParaRPr lang="es-PE" b="1" dirty="0">
                 <a:ln w="12700">
                   <a:solidFill>
                     <a:schemeClr val="accent1"/>
@@ -8038,130 +10013,513 @@
                     <a:schemeClr val="accent1"/>
                   </a:outerShdw>
                 </a:effectLst>
-              </a:rPr>
-              <a:t>9</a:t>
-            </a:r>
-            <a:endParaRPr lang="es-PE" b="1" dirty="0">
-              <a:ln w="12700">
-                <a:solidFill>
-                  <a:schemeClr val="accent1"/>
-                </a:solidFill>
-                <a:prstDash val="solid"/>
-              </a:ln>
-              <a:pattFill prst="pct50">
-                <a:fgClr>
-                  <a:schemeClr val="accent1"/>
-                </a:fgClr>
-                <a:bgClr>
-                  <a:schemeClr val="accent1">
-                    <a:lumMod val="20000"/>
-                    <a:lumOff val="80000"/>
-                  </a:schemeClr>
-                </a:bgClr>
-              </a:pattFill>
-              <a:effectLst>
-                <a:outerShdw dist="38100" dir="2640000" algn="bl" rotWithShape="0">
-                  <a:schemeClr val="accent1"/>
-                </a:outerShdw>
-              </a:effectLst>
-            </a:endParaRPr>
-          </a:p>
-        </p:txBody>
-      </p:sp>
-    </p:spTree>
-    <p:extLst>
-      <p:ext uri="{BB962C8B-B14F-4D97-AF65-F5344CB8AC3E}">
-        <p14:creationId xmlns:p14="http://schemas.microsoft.com/office/powerpoint/2010/main" val="3345595907"/>
-      </p:ext>
-    </p:extLst>
-  </p:cSld>
-  <p:clrMapOvr>
-    <a:masterClrMapping/>
-  </p:clrMapOvr>
-</p:sld>
-</file>
-
-<file path=ppt/slides/slide6.xml><?xml version="1.0" encoding="utf-8"?>
-<p:sld xmlns:a="http://schemas.openxmlformats.org/drawingml/2006/main" xmlns:r="http://schemas.openxmlformats.org/officeDocument/2006/relationships" xmlns:p="http://schemas.openxmlformats.org/presentationml/2006/main">
-  <p:cSld>
-    <p:spTree>
-      <p:nvGrpSpPr>
-        <p:cNvPr id="1" name=""/>
-        <p:cNvGrpSpPr/>
-        <p:nvPr/>
-      </p:nvGrpSpPr>
-      <p:grpSpPr>
-        <a:xfrm>
-          <a:off x="0" y="0"/>
-          <a:ext cx="0" cy="0"/>
-          <a:chOff x="0" y="0"/>
-          <a:chExt cx="0" cy="0"/>
-        </a:xfrm>
-      </p:grpSpPr>
-      <p:sp>
-        <p:nvSpPr>
-          <p:cNvPr id="2" name="Título 1">
+              </a:endParaRPr>
+            </a:p>
+          </p:txBody>
+        </p:sp>
+        <p:sp>
+          <p:nvSpPr>
+            <p:cNvPr id="7" name="Rectángulo 6">
+              <a:extLst>
+                <a:ext uri="{FF2B5EF4-FFF2-40B4-BE49-F238E27FC236}">
+                  <a16:creationId xmlns:a16="http://schemas.microsoft.com/office/drawing/2014/main" id="{EC685D46-76DF-420E-B8DD-2D7C9CA28674}"/>
+                </a:ext>
+              </a:extLst>
+            </p:cNvPr>
+            <p:cNvSpPr/>
+            <p:nvPr/>
+          </p:nvSpPr>
+          <p:spPr>
+            <a:xfrm>
+              <a:off x="6341664" y="2140695"/>
+              <a:ext cx="896645" cy="577049"/>
+            </a:xfrm>
+            <a:prstGeom prst="rect">
+              <a:avLst/>
+            </a:prstGeom>
+          </p:spPr>
+          <p:style>
+            <a:lnRef idx="3">
+              <a:schemeClr val="lt1"/>
+            </a:lnRef>
+            <a:fillRef idx="1">
+              <a:schemeClr val="accent5"/>
+            </a:fillRef>
+            <a:effectRef idx="1">
+              <a:schemeClr val="accent5"/>
+            </a:effectRef>
+            <a:fontRef idx="minor">
+              <a:schemeClr val="lt1"/>
+            </a:fontRef>
+          </p:style>
+          <p:txBody>
+            <a:bodyPr rtlCol="0" anchor="ctr"/>
+            <a:lstStyle/>
+            <a:p>
+              <a:pPr algn="ctr"/>
+              <a:r>
+                <a:rPr lang="es-ES" b="1" dirty="0">
+                  <a:ln w="12700">
+                    <a:solidFill>
+                      <a:schemeClr val="accent1"/>
+                    </a:solidFill>
+                    <a:prstDash val="solid"/>
+                  </a:ln>
+                  <a:pattFill prst="pct50">
+                    <a:fgClr>
+                      <a:schemeClr val="accent1"/>
+                    </a:fgClr>
+                    <a:bgClr>
+                      <a:schemeClr val="accent1">
+                        <a:lumMod val="20000"/>
+                        <a:lumOff val="80000"/>
+                      </a:schemeClr>
+                    </a:bgClr>
+                  </a:pattFill>
+                  <a:effectLst>
+                    <a:outerShdw dist="38100" dir="2640000" algn="bl" rotWithShape="0">
+                      <a:schemeClr val="accent1"/>
+                    </a:outerShdw>
+                  </a:effectLst>
+                </a:rPr>
+                <a:t>2</a:t>
+              </a:r>
+              <a:endParaRPr lang="es-PE" b="1" dirty="0">
+                <a:ln w="12700">
+                  <a:solidFill>
+                    <a:schemeClr val="accent1"/>
+                  </a:solidFill>
+                  <a:prstDash val="solid"/>
+                </a:ln>
+                <a:pattFill prst="pct50">
+                  <a:fgClr>
+                    <a:schemeClr val="accent1"/>
+                  </a:fgClr>
+                  <a:bgClr>
+                    <a:schemeClr val="accent1">
+                      <a:lumMod val="20000"/>
+                      <a:lumOff val="80000"/>
+                    </a:schemeClr>
+                  </a:bgClr>
+                </a:pattFill>
+                <a:effectLst>
+                  <a:outerShdw dist="38100" dir="2640000" algn="bl" rotWithShape="0">
+                    <a:schemeClr val="accent1"/>
+                  </a:outerShdw>
+                </a:effectLst>
+              </a:endParaRPr>
+            </a:p>
+          </p:txBody>
+        </p:sp>
+      </p:grpSp>
+      <p:grpSp>
+        <p:nvGrpSpPr>
+          <p:cNvPr id="12" name="Grupo 11">
             <a:extLst>
               <a:ext uri="{FF2B5EF4-FFF2-40B4-BE49-F238E27FC236}">
-                <a16:creationId xmlns:a16="http://schemas.microsoft.com/office/drawing/2014/main" id="{586C68A4-78B5-4D4E-8721-37CBC2183D1D}"/>
+                <a16:creationId xmlns:a16="http://schemas.microsoft.com/office/drawing/2014/main" id="{A792BB6D-76DD-4C51-962B-27079F016189}"/>
               </a:ext>
             </a:extLst>
           </p:cNvPr>
-          <p:cNvSpPr>
-            <a:spLocks noGrp="1"/>
-          </p:cNvSpPr>
-          <p:nvPr>
-            <p:ph type="title"/>
-          </p:nvPr>
-        </p:nvSpPr>
-        <p:spPr/>
-        <p:txBody>
-          <a:bodyPr/>
-          <a:lstStyle/>
-          <a:p>
-            <a:r>
-              <a:rPr lang="es-ES" dirty="0">
-                <a:solidFill>
-                  <a:schemeClr val="accent4">
-                    <a:lumMod val="40000"/>
-                    <a:lumOff val="60000"/>
-                  </a:schemeClr>
-                </a:solidFill>
-              </a:rPr>
-              <a:t>COMBINA</a:t>
-            </a:r>
-            <a:br>
-              <a:rPr lang="es-ES" dirty="0"/>
-            </a:br>
-            <a:endParaRPr lang="es-PE" dirty="0"/>
-          </a:p>
-        </p:txBody>
-      </p:sp>
-      <p:sp>
-        <p:nvSpPr>
-          <p:cNvPr id="3" name="Marcador de contenido 2">
+          <p:cNvGrpSpPr/>
+          <p:nvPr/>
+        </p:nvGrpSpPr>
+        <p:grpSpPr>
+          <a:xfrm>
+            <a:off x="1295535" y="1761998"/>
+            <a:ext cx="3260436" cy="1413163"/>
+            <a:chOff x="1295535" y="1761998"/>
+            <a:chExt cx="3260436" cy="1413163"/>
+          </a:xfrm>
+        </p:grpSpPr>
+        <p:sp>
+          <p:nvSpPr>
+            <p:cNvPr id="9" name="Rectángulo: esquinas redondeadas 8">
+              <a:extLst>
+                <a:ext uri="{FF2B5EF4-FFF2-40B4-BE49-F238E27FC236}">
+                  <a16:creationId xmlns:a16="http://schemas.microsoft.com/office/drawing/2014/main" id="{B712AD0F-B91D-4A63-9A0B-D4C952F21B28}"/>
+                </a:ext>
+              </a:extLst>
+            </p:cNvPr>
+            <p:cNvSpPr/>
+            <p:nvPr/>
+          </p:nvSpPr>
+          <p:spPr>
+            <a:xfrm>
+              <a:off x="1295535" y="1761998"/>
+              <a:ext cx="3260436" cy="1413163"/>
+            </a:xfrm>
+            <a:prstGeom prst="roundRect">
+              <a:avLst/>
+            </a:prstGeom>
+          </p:spPr>
+          <p:style>
+            <a:lnRef idx="2">
+              <a:schemeClr val="accent1">
+                <a:shade val="50000"/>
+              </a:schemeClr>
+            </a:lnRef>
+            <a:fillRef idx="1">
+              <a:schemeClr val="accent1"/>
+            </a:fillRef>
+            <a:effectRef idx="0">
+              <a:schemeClr val="accent1"/>
+            </a:effectRef>
+            <a:fontRef idx="minor">
+              <a:schemeClr val="lt1"/>
+            </a:fontRef>
+          </p:style>
+          <p:txBody>
+            <a:bodyPr rtlCol="0" anchor="ctr"/>
+            <a:lstStyle/>
+            <a:p>
+              <a:pPr algn="ctr"/>
+              <a:endParaRPr lang="es-PE"/>
+            </a:p>
+          </p:txBody>
+        </p:sp>
+        <p:sp>
+          <p:nvSpPr>
+            <p:cNvPr id="4" name="Rectángulo 3">
+              <a:extLst>
+                <a:ext uri="{FF2B5EF4-FFF2-40B4-BE49-F238E27FC236}">
+                  <a16:creationId xmlns:a16="http://schemas.microsoft.com/office/drawing/2014/main" id="{DB4C0CAB-9B69-48CA-A080-FD731426E5E5}"/>
+                </a:ext>
+              </a:extLst>
+            </p:cNvPr>
+            <p:cNvSpPr/>
+            <p:nvPr/>
+          </p:nvSpPr>
+          <p:spPr>
+            <a:xfrm>
+              <a:off x="1682827" y="2180056"/>
+              <a:ext cx="896645" cy="577049"/>
+            </a:xfrm>
+            <a:prstGeom prst="rect">
+              <a:avLst/>
+            </a:prstGeom>
+          </p:spPr>
+          <p:style>
+            <a:lnRef idx="3">
+              <a:schemeClr val="lt1"/>
+            </a:lnRef>
+            <a:fillRef idx="1">
+              <a:schemeClr val="accent5"/>
+            </a:fillRef>
+            <a:effectRef idx="1">
+              <a:schemeClr val="accent5"/>
+            </a:effectRef>
+            <a:fontRef idx="minor">
+              <a:schemeClr val="lt1"/>
+            </a:fontRef>
+          </p:style>
+          <p:txBody>
+            <a:bodyPr rtlCol="0" anchor="ctr"/>
+            <a:lstStyle/>
+            <a:p>
+              <a:pPr algn="ctr"/>
+              <a:r>
+                <a:rPr lang="es-ES" b="1" dirty="0">
+                  <a:ln w="12700">
+                    <a:solidFill>
+                      <a:schemeClr val="accent1"/>
+                    </a:solidFill>
+                    <a:prstDash val="solid"/>
+                  </a:ln>
+                  <a:pattFill prst="pct50">
+                    <a:fgClr>
+                      <a:schemeClr val="accent1"/>
+                    </a:fgClr>
+                    <a:bgClr>
+                      <a:schemeClr val="accent1">
+                        <a:lumMod val="20000"/>
+                        <a:lumOff val="80000"/>
+                      </a:schemeClr>
+                    </a:bgClr>
+                  </a:pattFill>
+                  <a:effectLst>
+                    <a:outerShdw dist="38100" dir="2640000" algn="bl" rotWithShape="0">
+                      <a:schemeClr val="accent1"/>
+                    </a:outerShdw>
+                  </a:effectLst>
+                </a:rPr>
+                <a:t>7</a:t>
+              </a:r>
+              <a:endParaRPr lang="es-PE" b="1" dirty="0">
+                <a:ln w="12700">
+                  <a:solidFill>
+                    <a:schemeClr val="accent1"/>
+                  </a:solidFill>
+                  <a:prstDash val="solid"/>
+                </a:ln>
+                <a:pattFill prst="pct50">
+                  <a:fgClr>
+                    <a:schemeClr val="accent1"/>
+                  </a:fgClr>
+                  <a:bgClr>
+                    <a:schemeClr val="accent1">
+                      <a:lumMod val="20000"/>
+                      <a:lumOff val="80000"/>
+                    </a:schemeClr>
+                  </a:bgClr>
+                </a:pattFill>
+                <a:effectLst>
+                  <a:outerShdw dist="38100" dir="2640000" algn="bl" rotWithShape="0">
+                    <a:schemeClr val="accent1"/>
+                  </a:outerShdw>
+                </a:effectLst>
+              </a:endParaRPr>
+            </a:p>
+          </p:txBody>
+        </p:sp>
+        <p:sp>
+          <p:nvSpPr>
+            <p:cNvPr id="8" name="Rectángulo 7">
+              <a:extLst>
+                <a:ext uri="{FF2B5EF4-FFF2-40B4-BE49-F238E27FC236}">
+                  <a16:creationId xmlns:a16="http://schemas.microsoft.com/office/drawing/2014/main" id="{297FF366-6BEA-4F71-A1D0-39D40AC68CD5}"/>
+                </a:ext>
+              </a:extLst>
+            </p:cNvPr>
+            <p:cNvSpPr/>
+            <p:nvPr/>
+          </p:nvSpPr>
+          <p:spPr>
+            <a:xfrm>
+              <a:off x="3094098" y="2180056"/>
+              <a:ext cx="896645" cy="577049"/>
+            </a:xfrm>
+            <a:prstGeom prst="rect">
+              <a:avLst/>
+            </a:prstGeom>
+          </p:spPr>
+          <p:style>
+            <a:lnRef idx="3">
+              <a:schemeClr val="lt1"/>
+            </a:lnRef>
+            <a:fillRef idx="1">
+              <a:schemeClr val="accent5"/>
+            </a:fillRef>
+            <a:effectRef idx="1">
+              <a:schemeClr val="accent5"/>
+            </a:effectRef>
+            <a:fontRef idx="minor">
+              <a:schemeClr val="lt1"/>
+            </a:fontRef>
+          </p:style>
+          <p:txBody>
+            <a:bodyPr rtlCol="0" anchor="ctr"/>
+            <a:lstStyle/>
+            <a:p>
+              <a:pPr algn="ctr"/>
+              <a:r>
+                <a:rPr lang="es-ES" b="1" dirty="0">
+                  <a:ln w="12700">
+                    <a:solidFill>
+                      <a:schemeClr val="accent1"/>
+                    </a:solidFill>
+                    <a:prstDash val="solid"/>
+                  </a:ln>
+                  <a:pattFill prst="pct50">
+                    <a:fgClr>
+                      <a:schemeClr val="accent1"/>
+                    </a:fgClr>
+                    <a:bgClr>
+                      <a:schemeClr val="accent1">
+                        <a:lumMod val="20000"/>
+                        <a:lumOff val="80000"/>
+                      </a:schemeClr>
+                    </a:bgClr>
+                  </a:pattFill>
+                  <a:effectLst>
+                    <a:outerShdw dist="38100" dir="2640000" algn="bl" rotWithShape="0">
+                      <a:schemeClr val="accent1"/>
+                    </a:outerShdw>
+                  </a:effectLst>
+                </a:rPr>
+                <a:t>8</a:t>
+              </a:r>
+              <a:endParaRPr lang="es-PE" b="1" dirty="0">
+                <a:ln w="12700">
+                  <a:solidFill>
+                    <a:schemeClr val="accent1"/>
+                  </a:solidFill>
+                  <a:prstDash val="solid"/>
+                </a:ln>
+                <a:pattFill prst="pct50">
+                  <a:fgClr>
+                    <a:schemeClr val="accent1"/>
+                  </a:fgClr>
+                  <a:bgClr>
+                    <a:schemeClr val="accent1">
+                      <a:lumMod val="20000"/>
+                      <a:lumOff val="80000"/>
+                    </a:schemeClr>
+                  </a:bgClr>
+                </a:pattFill>
+                <a:effectLst>
+                  <a:outerShdw dist="38100" dir="2640000" algn="bl" rotWithShape="0">
+                    <a:schemeClr val="accent1"/>
+                  </a:outerShdw>
+                </a:effectLst>
+              </a:endParaRPr>
+            </a:p>
+          </p:txBody>
+        </p:sp>
+      </p:grpSp>
+      <p:graphicFrame>
+        <p:nvGraphicFramePr>
+          <p:cNvPr id="11" name="Tabla 13">
             <a:extLst>
               <a:ext uri="{FF2B5EF4-FFF2-40B4-BE49-F238E27FC236}">
-                <a16:creationId xmlns:a16="http://schemas.microsoft.com/office/drawing/2014/main" id="{90049BB4-E9B1-4E7B-B107-9EBDD16F0330}"/>
+                <a16:creationId xmlns:a16="http://schemas.microsoft.com/office/drawing/2014/main" id="{4023AF0F-27FE-482D-B691-E23764447894}"/>
               </a:ext>
             </a:extLst>
           </p:cNvPr>
-          <p:cNvSpPr>
-            <a:spLocks noGrp="1"/>
-          </p:cNvSpPr>
-          <p:nvPr>
-            <p:ph idx="1"/>
-          </p:nvPr>
-        </p:nvSpPr>
-        <p:spPr/>
-        <p:txBody>
-          <a:bodyPr/>
-          <a:lstStyle/>
-          <a:p>
-            <a:endParaRPr lang="es-PE" dirty="0"/>
-          </a:p>
-        </p:txBody>
-      </p:sp>
+          <p:cNvGraphicFramePr>
+            <a:graphicFrameLocks/>
+          </p:cNvGraphicFramePr>
+          <p:nvPr>
+            <p:extLst>
+              <p:ext uri="{D42A27DB-BD31-4B8C-83A1-F6EECF244321}">
+                <p14:modId xmlns:p14="http://schemas.microsoft.com/office/powerpoint/2010/main" val="1754790007"/>
+              </p:ext>
+            </p:extLst>
+          </p:nvPr>
+        </p:nvGraphicFramePr>
+        <p:xfrm>
+          <a:off x="913795" y="4549218"/>
+          <a:ext cx="10353675" cy="372862"/>
+        </p:xfrm>
+        <a:graphic>
+          <a:graphicData uri="http://schemas.openxmlformats.org/drawingml/2006/table">
+            <a:tbl>
+              <a:tblPr firstRow="1" bandRow="1">
+                <a:tableStyleId>{7DF18680-E054-41AD-8BC1-D1AEF772440D}</a:tableStyleId>
+              </a:tblPr>
+              <a:tblGrid>
+                <a:gridCol w="2070735">
+                  <a:extLst>
+                    <a:ext uri="{9D8B030D-6E8A-4147-A177-3AD203B41FA5}">
+                      <a16:colId xmlns:a16="http://schemas.microsoft.com/office/drawing/2014/main" val="3992303415"/>
+                    </a:ext>
+                  </a:extLst>
+                </a:gridCol>
+                <a:gridCol w="2070735">
+                  <a:extLst>
+                    <a:ext uri="{9D8B030D-6E8A-4147-A177-3AD203B41FA5}">
+                      <a16:colId xmlns:a16="http://schemas.microsoft.com/office/drawing/2014/main" val="1043354388"/>
+                    </a:ext>
+                  </a:extLst>
+                </a:gridCol>
+                <a:gridCol w="2070735">
+                  <a:extLst>
+                    <a:ext uri="{9D8B030D-6E8A-4147-A177-3AD203B41FA5}">
+                      <a16:colId xmlns:a16="http://schemas.microsoft.com/office/drawing/2014/main" val="446384964"/>
+                    </a:ext>
+                  </a:extLst>
+                </a:gridCol>
+                <a:gridCol w="2070735">
+                  <a:extLst>
+                    <a:ext uri="{9D8B030D-6E8A-4147-A177-3AD203B41FA5}">
+                      <a16:colId xmlns:a16="http://schemas.microsoft.com/office/drawing/2014/main" val="387943889"/>
+                    </a:ext>
+                  </a:extLst>
+                </a:gridCol>
+                <a:gridCol w="2070735">
+                  <a:extLst>
+                    <a:ext uri="{9D8B030D-6E8A-4147-A177-3AD203B41FA5}">
+                      <a16:colId xmlns:a16="http://schemas.microsoft.com/office/drawing/2014/main" val="11758007"/>
+                    </a:ext>
+                  </a:extLst>
+                </a:gridCol>
+              </a:tblGrid>
+              <a:tr h="372862">
+                <a:tc>
+                  <a:txBody>
+                    <a:bodyPr/>
+                    <a:lstStyle/>
+                    <a:p>
+                      <a:pPr algn="ctr"/>
+                      <a:r>
+                        <a:rPr lang="es-ES" dirty="0"/>
+                        <a:t>2</a:t>
+                      </a:r>
+                      <a:endParaRPr lang="es-PE" dirty="0"/>
+                    </a:p>
+                  </a:txBody>
+                  <a:tcPr/>
+                </a:tc>
+                <a:tc>
+                  <a:txBody>
+                    <a:bodyPr/>
+                    <a:lstStyle/>
+                    <a:p>
+                      <a:pPr algn="ctr"/>
+                      <a:r>
+                        <a:rPr lang="es-ES" dirty="0"/>
+                        <a:t>4</a:t>
+                      </a:r>
+                      <a:endParaRPr lang="es-PE" dirty="0"/>
+                    </a:p>
+                  </a:txBody>
+                  <a:tcPr/>
+                </a:tc>
+                <a:tc>
+                  <a:txBody>
+                    <a:bodyPr/>
+                    <a:lstStyle/>
+                    <a:p>
+                      <a:pPr algn="ctr"/>
+                      <a:r>
+                        <a:rPr lang="es-ES" dirty="0"/>
+                        <a:t>7</a:t>
+                      </a:r>
+                      <a:endParaRPr lang="es-PE" dirty="0"/>
+                    </a:p>
+                  </a:txBody>
+                  <a:tcPr/>
+                </a:tc>
+                <a:tc>
+                  <a:txBody>
+                    <a:bodyPr/>
+                    <a:lstStyle/>
+                    <a:p>
+                      <a:pPr algn="ctr"/>
+                      <a:r>
+                        <a:rPr lang="es-ES" dirty="0"/>
+                        <a:t>8</a:t>
+                      </a:r>
+                      <a:endParaRPr lang="es-PE" dirty="0"/>
+                    </a:p>
+                  </a:txBody>
+                  <a:tcPr/>
+                </a:tc>
+                <a:tc>
+                  <a:txBody>
+                    <a:bodyPr/>
+                    <a:lstStyle/>
+                    <a:p>
+                      <a:pPr algn="ctr"/>
+                      <a:r>
+                        <a:rPr lang="es-ES" dirty="0"/>
+                        <a:t>9</a:t>
+                      </a:r>
+                      <a:endParaRPr lang="es-PE" dirty="0"/>
+                    </a:p>
+                  </a:txBody>
+                  <a:tcPr/>
+                </a:tc>
+                <a:extLst>
+                  <a:ext uri="{0D108BD9-81ED-4DB2-BD59-A6C34878D82A}">
+                    <a16:rowId xmlns:a16="http://schemas.microsoft.com/office/drawing/2014/main" val="1145672622"/>
+                  </a:ext>
+                </a:extLst>
+              </a:tr>
+            </a:tbl>
+          </a:graphicData>
+        </a:graphic>
+      </p:graphicFrame>
     </p:spTree>
     <p:extLst>
       <p:ext uri="{BB962C8B-B14F-4D97-AF65-F5344CB8AC3E}">
@@ -8172,6 +10530,416 @@
   <p:clrMapOvr>
     <a:masterClrMapping/>
   </p:clrMapOvr>
+  <mc:AlternateContent xmlns:mc="http://schemas.openxmlformats.org/markup-compatibility/2006">
+    <mc:Choice xmlns:p14="http://schemas.microsoft.com/office/powerpoint/2010/main" Requires="p14">
+      <p:transition spd="slow" p14:dur="1500">
+        <p:split orient="vert"/>
+      </p:transition>
+    </mc:Choice>
+    <mc:Fallback>
+      <p:transition spd="slow">
+        <p:split orient="vert"/>
+      </p:transition>
+    </mc:Fallback>
+  </mc:AlternateContent>
+  <p:timing>
+    <p:tnLst>
+      <p:par>
+        <p:cTn id="1" dur="indefinite" restart="never" nodeType="tmRoot">
+          <p:childTnLst>
+            <p:seq concurrent="1" nextAc="seek">
+              <p:cTn id="2" dur="indefinite" nodeType="mainSeq">
+                <p:childTnLst>
+                  <p:par>
+                    <p:cTn id="3" fill="hold">
+                      <p:stCondLst>
+                        <p:cond delay="indefinite"/>
+                      </p:stCondLst>
+                      <p:childTnLst>
+                        <p:par>
+                          <p:cTn id="4" fill="hold">
+                            <p:stCondLst>
+                              <p:cond delay="0"/>
+                            </p:stCondLst>
+                            <p:childTnLst>
+                              <p:par>
+                                <p:cTn id="5" presetID="31" presetClass="entr" presetSubtype="0" fill="hold" grpId="0" nodeType="clickEffect">
+                                  <p:stCondLst>
+                                    <p:cond delay="0"/>
+                                  </p:stCondLst>
+                                  <p:childTnLst>
+                                    <p:set>
+                                      <p:cBhvr>
+                                        <p:cTn id="6" dur="1" fill="hold">
+                                          <p:stCondLst>
+                                            <p:cond delay="0"/>
+                                          </p:stCondLst>
+                                        </p:cTn>
+                                        <p:tgtEl>
+                                          <p:spTgt spid="2"/>
+                                        </p:tgtEl>
+                                        <p:attrNameLst>
+                                          <p:attrName>style.visibility</p:attrName>
+                                        </p:attrNameLst>
+                                      </p:cBhvr>
+                                      <p:to>
+                                        <p:strVal val="visible"/>
+                                      </p:to>
+                                    </p:set>
+                                    <p:anim calcmode="lin" valueType="num">
+                                      <p:cBhvr>
+                                        <p:cTn id="7" dur="1000" fill="hold"/>
+                                        <p:tgtEl>
+                                          <p:spTgt spid="2"/>
+                                        </p:tgtEl>
+                                        <p:attrNameLst>
+                                          <p:attrName>ppt_w</p:attrName>
+                                        </p:attrNameLst>
+                                      </p:cBhvr>
+                                      <p:tavLst>
+                                        <p:tav tm="0">
+                                          <p:val>
+                                            <p:fltVal val="0"/>
+                                          </p:val>
+                                        </p:tav>
+                                        <p:tav tm="100000">
+                                          <p:val>
+                                            <p:strVal val="#ppt_w"/>
+                                          </p:val>
+                                        </p:tav>
+                                      </p:tavLst>
+                                    </p:anim>
+                                    <p:anim calcmode="lin" valueType="num">
+                                      <p:cBhvr>
+                                        <p:cTn id="8" dur="1000" fill="hold"/>
+                                        <p:tgtEl>
+                                          <p:spTgt spid="2"/>
+                                        </p:tgtEl>
+                                        <p:attrNameLst>
+                                          <p:attrName>ppt_h</p:attrName>
+                                        </p:attrNameLst>
+                                      </p:cBhvr>
+                                      <p:tavLst>
+                                        <p:tav tm="0">
+                                          <p:val>
+                                            <p:fltVal val="0"/>
+                                          </p:val>
+                                        </p:tav>
+                                        <p:tav tm="100000">
+                                          <p:val>
+                                            <p:strVal val="#ppt_h"/>
+                                          </p:val>
+                                        </p:tav>
+                                      </p:tavLst>
+                                    </p:anim>
+                                    <p:anim calcmode="lin" valueType="num">
+                                      <p:cBhvr>
+                                        <p:cTn id="9" dur="1000" fill="hold"/>
+                                        <p:tgtEl>
+                                          <p:spTgt spid="2"/>
+                                        </p:tgtEl>
+                                        <p:attrNameLst>
+                                          <p:attrName>style.rotation</p:attrName>
+                                        </p:attrNameLst>
+                                      </p:cBhvr>
+                                      <p:tavLst>
+                                        <p:tav tm="0">
+                                          <p:val>
+                                            <p:fltVal val="90"/>
+                                          </p:val>
+                                        </p:tav>
+                                        <p:tav tm="100000">
+                                          <p:val>
+                                            <p:fltVal val="0"/>
+                                          </p:val>
+                                        </p:tav>
+                                      </p:tavLst>
+                                    </p:anim>
+                                    <p:animEffect transition="in" filter="fade">
+                                      <p:cBhvr>
+                                        <p:cTn id="10" dur="1000"/>
+                                        <p:tgtEl>
+                                          <p:spTgt spid="2"/>
+                                        </p:tgtEl>
+                                      </p:cBhvr>
+                                    </p:animEffect>
+                                  </p:childTnLst>
+                                </p:cTn>
+                              </p:par>
+                            </p:childTnLst>
+                          </p:cTn>
+                        </p:par>
+                      </p:childTnLst>
+                    </p:cTn>
+                  </p:par>
+                  <p:par>
+                    <p:cTn id="11" fill="hold">
+                      <p:stCondLst>
+                        <p:cond delay="indefinite"/>
+                      </p:stCondLst>
+                      <p:childTnLst>
+                        <p:par>
+                          <p:cTn id="12" fill="hold">
+                            <p:stCondLst>
+                              <p:cond delay="0"/>
+                            </p:stCondLst>
+                            <p:childTnLst>
+                              <p:par>
+                                <p:cTn id="13" presetID="2" presetClass="entr" presetSubtype="4" fill="hold" nodeType="clickEffect">
+                                  <p:stCondLst>
+                                    <p:cond delay="0"/>
+                                  </p:stCondLst>
+                                  <p:childTnLst>
+                                    <p:set>
+                                      <p:cBhvr>
+                                        <p:cTn id="14" dur="1" fill="hold">
+                                          <p:stCondLst>
+                                            <p:cond delay="0"/>
+                                          </p:stCondLst>
+                                        </p:cTn>
+                                        <p:tgtEl>
+                                          <p:spTgt spid="12"/>
+                                        </p:tgtEl>
+                                        <p:attrNameLst>
+                                          <p:attrName>style.visibility</p:attrName>
+                                        </p:attrNameLst>
+                                      </p:cBhvr>
+                                      <p:to>
+                                        <p:strVal val="visible"/>
+                                      </p:to>
+                                    </p:set>
+                                    <p:anim calcmode="lin" valueType="num">
+                                      <p:cBhvr additive="base">
+                                        <p:cTn id="15" dur="500" fill="hold"/>
+                                        <p:tgtEl>
+                                          <p:spTgt spid="12"/>
+                                        </p:tgtEl>
+                                        <p:attrNameLst>
+                                          <p:attrName>ppt_x</p:attrName>
+                                        </p:attrNameLst>
+                                      </p:cBhvr>
+                                      <p:tavLst>
+                                        <p:tav tm="0">
+                                          <p:val>
+                                            <p:strVal val="#ppt_x"/>
+                                          </p:val>
+                                        </p:tav>
+                                        <p:tav tm="100000">
+                                          <p:val>
+                                            <p:strVal val="#ppt_x"/>
+                                          </p:val>
+                                        </p:tav>
+                                      </p:tavLst>
+                                    </p:anim>
+                                    <p:anim calcmode="lin" valueType="num">
+                                      <p:cBhvr additive="base">
+                                        <p:cTn id="16" dur="500" fill="hold"/>
+                                        <p:tgtEl>
+                                          <p:spTgt spid="12"/>
+                                        </p:tgtEl>
+                                        <p:attrNameLst>
+                                          <p:attrName>ppt_y</p:attrName>
+                                        </p:attrNameLst>
+                                      </p:cBhvr>
+                                      <p:tavLst>
+                                        <p:tav tm="0">
+                                          <p:val>
+                                            <p:strVal val="1+#ppt_h/2"/>
+                                          </p:val>
+                                        </p:tav>
+                                        <p:tav tm="100000">
+                                          <p:val>
+                                            <p:strVal val="#ppt_y"/>
+                                          </p:val>
+                                        </p:tav>
+                                      </p:tavLst>
+                                    </p:anim>
+                                  </p:childTnLst>
+                                </p:cTn>
+                              </p:par>
+                            </p:childTnLst>
+                          </p:cTn>
+                        </p:par>
+                      </p:childTnLst>
+                    </p:cTn>
+                  </p:par>
+                  <p:par>
+                    <p:cTn id="17" fill="hold">
+                      <p:stCondLst>
+                        <p:cond delay="indefinite"/>
+                      </p:stCondLst>
+                      <p:childTnLst>
+                        <p:par>
+                          <p:cTn id="18" fill="hold">
+                            <p:stCondLst>
+                              <p:cond delay="0"/>
+                            </p:stCondLst>
+                            <p:childTnLst>
+                              <p:par>
+                                <p:cTn id="19" presetID="42" presetClass="entr" presetSubtype="0" fill="hold" nodeType="clickEffect">
+                                  <p:stCondLst>
+                                    <p:cond delay="0"/>
+                                  </p:stCondLst>
+                                  <p:childTnLst>
+                                    <p:set>
+                                      <p:cBhvr>
+                                        <p:cTn id="20" dur="1" fill="hold">
+                                          <p:stCondLst>
+                                            <p:cond delay="0"/>
+                                          </p:stCondLst>
+                                        </p:cTn>
+                                        <p:tgtEl>
+                                          <p:spTgt spid="13"/>
+                                        </p:tgtEl>
+                                        <p:attrNameLst>
+                                          <p:attrName>style.visibility</p:attrName>
+                                        </p:attrNameLst>
+                                      </p:cBhvr>
+                                      <p:to>
+                                        <p:strVal val="visible"/>
+                                      </p:to>
+                                    </p:set>
+                                    <p:animEffect transition="in" filter="fade">
+                                      <p:cBhvr>
+                                        <p:cTn id="21" dur="1000"/>
+                                        <p:tgtEl>
+                                          <p:spTgt spid="13"/>
+                                        </p:tgtEl>
+                                      </p:cBhvr>
+                                    </p:animEffect>
+                                    <p:anim calcmode="lin" valueType="num">
+                                      <p:cBhvr>
+                                        <p:cTn id="22" dur="1000" fill="hold"/>
+                                        <p:tgtEl>
+                                          <p:spTgt spid="13"/>
+                                        </p:tgtEl>
+                                        <p:attrNameLst>
+                                          <p:attrName>ppt_x</p:attrName>
+                                        </p:attrNameLst>
+                                      </p:cBhvr>
+                                      <p:tavLst>
+                                        <p:tav tm="0">
+                                          <p:val>
+                                            <p:strVal val="#ppt_x"/>
+                                          </p:val>
+                                        </p:tav>
+                                        <p:tav tm="100000">
+                                          <p:val>
+                                            <p:strVal val="#ppt_x"/>
+                                          </p:val>
+                                        </p:tav>
+                                      </p:tavLst>
+                                    </p:anim>
+                                    <p:anim calcmode="lin" valueType="num">
+                                      <p:cBhvr>
+                                        <p:cTn id="23" dur="1000" fill="hold"/>
+                                        <p:tgtEl>
+                                          <p:spTgt spid="13"/>
+                                        </p:tgtEl>
+                                        <p:attrNameLst>
+                                          <p:attrName>ppt_y</p:attrName>
+                                        </p:attrNameLst>
+                                      </p:cBhvr>
+                                      <p:tavLst>
+                                        <p:tav tm="0">
+                                          <p:val>
+                                            <p:strVal val="#ppt_y+.1"/>
+                                          </p:val>
+                                        </p:tav>
+                                        <p:tav tm="100000">
+                                          <p:val>
+                                            <p:strVal val="#ppt_y"/>
+                                          </p:val>
+                                        </p:tav>
+                                      </p:tavLst>
+                                    </p:anim>
+                                  </p:childTnLst>
+                                </p:cTn>
+                              </p:par>
+                            </p:childTnLst>
+                          </p:cTn>
+                        </p:par>
+                      </p:childTnLst>
+                    </p:cTn>
+                  </p:par>
+                  <p:par>
+                    <p:cTn id="24" fill="hold">
+                      <p:stCondLst>
+                        <p:cond delay="indefinite"/>
+                      </p:stCondLst>
+                      <p:childTnLst>
+                        <p:par>
+                          <p:cTn id="25" fill="hold">
+                            <p:stCondLst>
+                              <p:cond delay="0"/>
+                            </p:stCondLst>
+                            <p:childTnLst>
+                              <p:par>
+                                <p:cTn id="26" presetID="6" presetClass="entr" presetSubtype="16" fill="hold" nodeType="clickEffect">
+                                  <p:stCondLst>
+                                    <p:cond delay="0"/>
+                                  </p:stCondLst>
+                                  <p:childTnLst>
+                                    <p:set>
+                                      <p:cBhvr>
+                                        <p:cTn id="27" dur="1" fill="hold">
+                                          <p:stCondLst>
+                                            <p:cond delay="0"/>
+                                          </p:stCondLst>
+                                        </p:cTn>
+                                        <p:tgtEl>
+                                          <p:spTgt spid="11"/>
+                                        </p:tgtEl>
+                                        <p:attrNameLst>
+                                          <p:attrName>style.visibility</p:attrName>
+                                        </p:attrNameLst>
+                                      </p:cBhvr>
+                                      <p:to>
+                                        <p:strVal val="visible"/>
+                                      </p:to>
+                                    </p:set>
+                                    <p:animEffect transition="in" filter="circle(in)">
+                                      <p:cBhvr>
+                                        <p:cTn id="28" dur="2000"/>
+                                        <p:tgtEl>
+                                          <p:spTgt spid="11"/>
+                                        </p:tgtEl>
+                                      </p:cBhvr>
+                                    </p:animEffect>
+                                  </p:childTnLst>
+                                </p:cTn>
+                              </p:par>
+                            </p:childTnLst>
+                          </p:cTn>
+                        </p:par>
+                      </p:childTnLst>
+                    </p:cTn>
+                  </p:par>
+                </p:childTnLst>
+              </p:cTn>
+              <p:prevCondLst>
+                <p:cond evt="onPrev" delay="0">
+                  <p:tgtEl>
+                    <p:sldTgt/>
+                  </p:tgtEl>
+                </p:cond>
+              </p:prevCondLst>
+              <p:nextCondLst>
+                <p:cond evt="onNext" delay="0">
+                  <p:tgtEl>
+                    <p:sldTgt/>
+                  </p:tgtEl>
+                </p:cond>
+              </p:nextCondLst>
+            </p:seq>
+          </p:childTnLst>
+        </p:cTn>
+      </p:par>
+    </p:tnLst>
+    <p:bldLst>
+      <p:bldP spid="2" grpId="0"/>
+    </p:bldLst>
+  </p:timing>
 </p:sld>
 </file>
 

--- a/bichota_exponiendo.pptx
+++ b/bichota_exponiendo.pptx
@@ -10520,6 +10520,50 @@
           </a:graphicData>
         </a:graphic>
       </p:graphicFrame>
+      <p:sp>
+        <p:nvSpPr>
+          <p:cNvPr id="3" name="Flecha: a la izquierda, derecha y arriba 2">
+            <a:extLst>
+              <a:ext uri="{FF2B5EF4-FFF2-40B4-BE49-F238E27FC236}">
+                <a16:creationId xmlns:a16="http://schemas.microsoft.com/office/drawing/2014/main" id="{846E22D0-EEE0-4041-BB4C-A3D0A28F6255}"/>
+              </a:ext>
+            </a:extLst>
+          </p:cNvPr>
+          <p:cNvSpPr/>
+          <p:nvPr/>
+        </p:nvSpPr>
+        <p:spPr>
+          <a:xfrm rot="10800000">
+            <a:off x="4715247" y="2429218"/>
+            <a:ext cx="1216152" cy="1413163"/>
+          </a:xfrm>
+          <a:prstGeom prst="leftRightUpArrow">
+            <a:avLst/>
+          </a:prstGeom>
+        </p:spPr>
+        <p:style>
+          <a:lnRef idx="2">
+            <a:schemeClr val="accent2"/>
+          </a:lnRef>
+          <a:fillRef idx="1">
+            <a:schemeClr val="lt1"/>
+          </a:fillRef>
+          <a:effectRef idx="0">
+            <a:schemeClr val="accent2"/>
+          </a:effectRef>
+          <a:fontRef idx="minor">
+            <a:schemeClr val="dk1"/>
+          </a:fontRef>
+        </p:style>
+        <p:txBody>
+          <a:bodyPr rtlCol="0" anchor="ctr"/>
+          <a:lstStyle/>
+          <a:p>
+            <a:pPr algn="ctr"/>
+            <a:endParaRPr lang="es-PE"/>
+          </a:p>
+        </p:txBody>
+      </p:sp>
     </p:spTree>
     <p:extLst>
       <p:ext uri="{BB962C8B-B14F-4D97-AF65-F5344CB8AC3E}">
@@ -10530,13 +10574,13 @@
   <p:clrMapOvr>
     <a:masterClrMapping/>
   </p:clrMapOvr>
-  <mc:AlternateContent xmlns:mc="http://schemas.openxmlformats.org/markup-compatibility/2006">
-    <mc:Choice xmlns:p14="http://schemas.microsoft.com/office/powerpoint/2010/main" Requires="p14">
+  <mc:AlternateContent xmlns:mc="http://schemas.openxmlformats.org/markup-compatibility/2006" xmlns:p14="http://schemas.microsoft.com/office/powerpoint/2010/main">
+    <mc:Choice Requires="p14">
       <p:transition spd="slow" p14:dur="1500">
         <p:split orient="vert"/>
       </p:transition>
     </mc:Choice>
-    <mc:Fallback>
+    <mc:Fallback xmlns="">
       <p:transition spd="slow">
         <p:split orient="vert"/>
       </p:transition>
@@ -10875,7 +10919,7 @@
                             </p:stCondLst>
                             <p:childTnLst>
                               <p:par>
-                                <p:cTn id="26" presetID="6" presetClass="entr" presetSubtype="16" fill="hold" nodeType="clickEffect">
+                                <p:cTn id="26" presetID="16" presetClass="entr" presetSubtype="21" fill="hold" grpId="0" nodeType="clickEffect">
                                   <p:stCondLst>
                                     <p:cond delay="0"/>
                                   </p:stCondLst>
@@ -10883,6 +10927,59 @@
                                     <p:set>
                                       <p:cBhvr>
                                         <p:cTn id="27" dur="1" fill="hold">
+                                          <p:stCondLst>
+                                            <p:cond delay="0"/>
+                                          </p:stCondLst>
+                                        </p:cTn>
+                                        <p:tgtEl>
+                                          <p:spTgt spid="3"/>
+                                        </p:tgtEl>
+                                        <p:attrNameLst>
+                                          <p:attrName>style.visibility</p:attrName>
+                                        </p:attrNameLst>
+                                      </p:cBhvr>
+                                      <p:to>
+                                        <p:strVal val="visible"/>
+                                      </p:to>
+                                    </p:set>
+                                    <p:animEffect transition="in" filter="barn(inVertical)">
+                                      <p:cBhvr>
+                                        <p:cTn id="28" dur="500"/>
+                                        <p:tgtEl>
+                                          <p:spTgt spid="3"/>
+                                        </p:tgtEl>
+                                      </p:cBhvr>
+                                    </p:animEffect>
+                                  </p:childTnLst>
+                                </p:cTn>
+                              </p:par>
+                            </p:childTnLst>
+                          </p:cTn>
+                        </p:par>
+                      </p:childTnLst>
+                    </p:cTn>
+                  </p:par>
+                  <p:par>
+                    <p:cTn id="29" fill="hold">
+                      <p:stCondLst>
+                        <p:cond delay="indefinite"/>
+                      </p:stCondLst>
+                      <p:childTnLst>
+                        <p:par>
+                          <p:cTn id="30" fill="hold">
+                            <p:stCondLst>
+                              <p:cond delay="0"/>
+                            </p:stCondLst>
+                            <p:childTnLst>
+                              <p:par>
+                                <p:cTn id="31" presetID="2" presetClass="entr" presetSubtype="4" fill="hold" nodeType="clickEffect">
+                                  <p:stCondLst>
+                                    <p:cond delay="0"/>
+                                  </p:stCondLst>
+                                  <p:childTnLst>
+                                    <p:set>
+                                      <p:cBhvr>
+                                        <p:cTn id="32" dur="1" fill="hold">
                                           <p:stCondLst>
                                             <p:cond delay="0"/>
                                           </p:stCondLst>
@@ -10898,14 +10995,52 @@
                                         <p:strVal val="visible"/>
                                       </p:to>
                                     </p:set>
-                                    <p:animEffect transition="in" filter="circle(in)">
-                                      <p:cBhvr>
-                                        <p:cTn id="28" dur="2000"/>
+                                    <p:anim calcmode="lin" valueType="num">
+                                      <p:cBhvr additive="base">
+                                        <p:cTn id="33" dur="500" fill="hold"/>
                                         <p:tgtEl>
                                           <p:spTgt spid="11"/>
                                         </p:tgtEl>
+                                        <p:attrNameLst>
+                                          <p:attrName>ppt_x</p:attrName>
+                                        </p:attrNameLst>
                                       </p:cBhvr>
-                                    </p:animEffect>
+                                      <p:tavLst>
+                                        <p:tav tm="0">
+                                          <p:val>
+                                            <p:strVal val="#ppt_x"/>
+                                          </p:val>
+                                        </p:tav>
+                                        <p:tav tm="100000">
+                                          <p:val>
+                                            <p:strVal val="#ppt_x"/>
+                                          </p:val>
+                                        </p:tav>
+                                      </p:tavLst>
+                                    </p:anim>
+                                    <p:anim calcmode="lin" valueType="num">
+                                      <p:cBhvr additive="base">
+                                        <p:cTn id="34" dur="500" fill="hold"/>
+                                        <p:tgtEl>
+                                          <p:spTgt spid="11"/>
+                                        </p:tgtEl>
+                                        <p:attrNameLst>
+                                          <p:attrName>ppt_y</p:attrName>
+                                        </p:attrNameLst>
+                                      </p:cBhvr>
+                                      <p:tavLst>
+                                        <p:tav tm="0">
+                                          <p:val>
+                                            <p:strVal val="1+#ppt_h/2"/>
+                                          </p:val>
+                                        </p:tav>
+                                        <p:tav tm="100000">
+                                          <p:val>
+                                            <p:strVal val="#ppt_y"/>
+                                          </p:val>
+                                        </p:tav>
+                                      </p:tavLst>
+                                    </p:anim>
                                   </p:childTnLst>
                                 </p:cTn>
                               </p:par>
@@ -10938,6 +11073,7 @@
     </p:tnLst>
     <p:bldLst>
       <p:bldP spid="2" grpId="0"/>
+      <p:bldP spid="3" grpId="0" animBg="1"/>
     </p:bldLst>
   </p:timing>
 </p:sld>
